--- a/dom 宣传页.pptx
+++ b/dom 宣传页.pptx
@@ -6,6 +6,7 @@
   </p:sldMasterIdLst>
   <p:sldIdLst>
     <p:sldId id="256" r:id="rId2"/>
+    <p:sldId id="257" r:id="rId3"/>
   </p:sldIdLst>
   <p:sldSz cx="9144000" cy="6858000" type="screen4x3"/>
   <p:notesSz cx="6858000" cy="9144000"/>
@@ -3269,7 +3270,11 @@
           <a:p>
             <a:pPr algn="ctr"/>
             <a:r>
-              <a:rPr lang="en-US" altLang="zh-CN" dirty="0" smtClean="0"/>
+              <a:rPr lang="en-US" altLang="zh-CN" sz="3200" dirty="0" smtClean="0">
+                <a:solidFill>
+                  <a:srgbClr val="92D050"/>
+                </a:solidFill>
+              </a:rPr>
               <a:t>I want </a:t>
             </a:r>
             <a:r>
@@ -3279,10 +3284,6 @@
                 </a:solidFill>
               </a:rPr>
               <a:t>In</a:t>
-            </a:r>
-            <a:r>
-              <a:rPr lang="en-US" altLang="zh-CN" dirty="0" smtClean="0"/>
-              <a:t>.</a:t>
             </a:r>
             <a:endParaRPr lang="zh-CN" altLang="en-US" dirty="0"/>
           </a:p>
@@ -3514,18 +3515,1515 @@
           </a:p>
         </p:txBody>
       </p:sp>
+      <p:sp>
+        <p:nvSpPr>
+          <p:cNvPr id="26" name="饼形 25"/>
+          <p:cNvSpPr/>
+          <p:nvPr/>
+        </p:nvSpPr>
+        <p:spPr>
+          <a:xfrm>
+            <a:off x="4572000" y="1700808"/>
+            <a:ext cx="4392488" cy="4536504"/>
+          </a:xfrm>
+          <a:prstGeom prst="pie">
+            <a:avLst>
+              <a:gd name="adj1" fmla="val 16203022"/>
+              <a:gd name="adj2" fmla="val 7500"/>
+            </a:avLst>
+          </a:prstGeom>
+          <a:gradFill flip="none" rotWithShape="1">
+            <a:gsLst>
+              <a:gs pos="15000">
+                <a:srgbClr val="0070C0"/>
+              </a:gs>
+              <a:gs pos="100000">
+                <a:srgbClr val="00B0F0"/>
+              </a:gs>
+            </a:gsLst>
+            <a:path path="circle">
+              <a:fillToRect t="100000" r="100000"/>
+            </a:path>
+            <a:tileRect l="-100000" b="-100000"/>
+          </a:gradFill>
+          <a:ln>
+            <a:solidFill>
+              <a:schemeClr val="tx1"/>
+            </a:solidFill>
+          </a:ln>
+        </p:spPr>
+        <p:style>
+          <a:lnRef idx="2">
+            <a:schemeClr val="accent1">
+              <a:shade val="50000"/>
+            </a:schemeClr>
+          </a:lnRef>
+          <a:fillRef idx="1">
+            <a:schemeClr val="accent1"/>
+          </a:fillRef>
+          <a:effectRef idx="0">
+            <a:schemeClr val="accent1"/>
+          </a:effectRef>
+          <a:fontRef idx="minor">
+            <a:schemeClr val="lt1"/>
+          </a:fontRef>
+        </p:style>
+        <p:txBody>
+          <a:bodyPr rtlCol="0" anchor="ctr"/>
+          <a:lstStyle/>
+          <a:p>
+            <a:pPr algn="ctr"/>
+            <a:endParaRPr lang="zh-CN" altLang="en-US">
+              <a:solidFill>
+                <a:schemeClr val="tx1"/>
+              </a:solidFill>
+            </a:endParaRPr>
+          </a:p>
+        </p:txBody>
+      </p:sp>
+      <p:sp>
+        <p:nvSpPr>
+          <p:cNvPr id="27" name="饼形 26"/>
+          <p:cNvSpPr/>
+          <p:nvPr/>
+        </p:nvSpPr>
+        <p:spPr>
+          <a:xfrm>
+            <a:off x="4572000" y="1700808"/>
+            <a:ext cx="4392488" cy="4536504"/>
+          </a:xfrm>
+          <a:prstGeom prst="pie">
+            <a:avLst>
+              <a:gd name="adj1" fmla="val 5389893"/>
+              <a:gd name="adj2" fmla="val 10835923"/>
+            </a:avLst>
+          </a:prstGeom>
+          <a:gradFill flip="none" rotWithShape="1">
+            <a:gsLst>
+              <a:gs pos="12000">
+                <a:schemeClr val="tx1">
+                  <a:lumMod val="65000"/>
+                  <a:lumOff val="35000"/>
+                </a:schemeClr>
+              </a:gs>
+              <a:gs pos="98000">
+                <a:schemeClr val="bg1">
+                  <a:lumMod val="95000"/>
+                </a:schemeClr>
+              </a:gs>
+            </a:gsLst>
+            <a:path path="circle">
+              <a:fillToRect l="100000" t="100000"/>
+            </a:path>
+            <a:tileRect r="-100000" b="-100000"/>
+          </a:gradFill>
+          <a:ln>
+            <a:solidFill>
+              <a:schemeClr val="tx1"/>
+            </a:solidFill>
+          </a:ln>
+        </p:spPr>
+        <p:style>
+          <a:lnRef idx="2">
+            <a:schemeClr val="accent1">
+              <a:shade val="50000"/>
+            </a:schemeClr>
+          </a:lnRef>
+          <a:fillRef idx="1">
+            <a:schemeClr val="accent1"/>
+          </a:fillRef>
+          <a:effectRef idx="0">
+            <a:schemeClr val="accent1"/>
+          </a:effectRef>
+          <a:fontRef idx="minor">
+            <a:schemeClr val="lt1"/>
+          </a:fontRef>
+        </p:style>
+        <p:txBody>
+          <a:bodyPr rtlCol="0" anchor="ctr"/>
+          <a:lstStyle/>
+          <a:p>
+            <a:pPr algn="ctr"/>
+            <a:endParaRPr lang="zh-CN" altLang="en-US" dirty="0">
+              <a:solidFill>
+                <a:schemeClr val="tx1"/>
+              </a:solidFill>
+            </a:endParaRPr>
+          </a:p>
+        </p:txBody>
+      </p:sp>
+      <p:sp>
+        <p:nvSpPr>
+          <p:cNvPr id="28" name="饼形 27"/>
+          <p:cNvSpPr/>
+          <p:nvPr/>
+        </p:nvSpPr>
+        <p:spPr>
+          <a:xfrm>
+            <a:off x="4572000" y="1700808"/>
+            <a:ext cx="4392488" cy="4536504"/>
+          </a:xfrm>
+          <a:prstGeom prst="pie">
+            <a:avLst>
+              <a:gd name="adj1" fmla="val 21593441"/>
+              <a:gd name="adj2" fmla="val 5394955"/>
+            </a:avLst>
+          </a:prstGeom>
+          <a:gradFill flip="none" rotWithShape="1">
+            <a:gsLst>
+              <a:gs pos="98000">
+                <a:schemeClr val="tx1">
+                  <a:lumMod val="65000"/>
+                  <a:lumOff val="35000"/>
+                </a:schemeClr>
+              </a:gs>
+              <a:gs pos="0">
+                <a:srgbClr val="FFFF00"/>
+              </a:gs>
+              <a:gs pos="27000">
+                <a:schemeClr val="tx1"/>
+              </a:gs>
+            </a:gsLst>
+            <a:path path="rect">
+              <a:fillToRect r="100000" b="100000"/>
+            </a:path>
+            <a:tileRect l="-100000" t="-100000"/>
+          </a:gradFill>
+          <a:ln>
+            <a:solidFill>
+              <a:schemeClr val="tx1"/>
+            </a:solidFill>
+          </a:ln>
+        </p:spPr>
+        <p:style>
+          <a:lnRef idx="2">
+            <a:schemeClr val="accent1">
+              <a:shade val="50000"/>
+            </a:schemeClr>
+          </a:lnRef>
+          <a:fillRef idx="1">
+            <a:schemeClr val="accent1"/>
+          </a:fillRef>
+          <a:effectRef idx="0">
+            <a:schemeClr val="accent1"/>
+          </a:effectRef>
+          <a:fontRef idx="minor">
+            <a:schemeClr val="lt1"/>
+          </a:fontRef>
+        </p:style>
+        <p:txBody>
+          <a:bodyPr rtlCol="0" anchor="ctr"/>
+          <a:lstStyle/>
+          <a:p>
+            <a:pPr algn="ctr"/>
+            <a:endParaRPr lang="zh-CN" altLang="en-US" dirty="0">
+              <a:solidFill>
+                <a:schemeClr val="tx1"/>
+              </a:solidFill>
+            </a:endParaRPr>
+          </a:p>
+        </p:txBody>
+      </p:sp>
+      <p:sp>
+        <p:nvSpPr>
+          <p:cNvPr id="29" name="椭圆 28"/>
+          <p:cNvSpPr/>
+          <p:nvPr/>
+        </p:nvSpPr>
+        <p:spPr>
+          <a:xfrm>
+            <a:off x="6336196" y="3584848"/>
+            <a:ext cx="864096" cy="768424"/>
+          </a:xfrm>
+          <a:prstGeom prst="ellipse">
+            <a:avLst/>
+          </a:prstGeom>
+          <a:gradFill>
+            <a:gsLst>
+              <a:gs pos="64000">
+                <a:schemeClr val="tx1">
+                  <a:lumMod val="85000"/>
+                  <a:lumOff val="15000"/>
+                </a:schemeClr>
+              </a:gs>
+              <a:gs pos="31000">
+                <a:schemeClr val="tx1">
+                  <a:lumMod val="50000"/>
+                  <a:lumOff val="50000"/>
+                </a:schemeClr>
+              </a:gs>
+              <a:gs pos="100000">
+                <a:schemeClr val="tx1"/>
+              </a:gs>
+            </a:gsLst>
+            <a:path path="circle">
+              <a:fillToRect r="100000" b="100000"/>
+            </a:path>
+          </a:gradFill>
+          <a:ln>
+            <a:solidFill>
+              <a:schemeClr val="tx1"/>
+            </a:solidFill>
+          </a:ln>
+        </p:spPr>
+        <p:style>
+          <a:lnRef idx="2">
+            <a:schemeClr val="accent1">
+              <a:shade val="50000"/>
+            </a:schemeClr>
+          </a:lnRef>
+          <a:fillRef idx="1">
+            <a:schemeClr val="accent1"/>
+          </a:fillRef>
+          <a:effectRef idx="0">
+            <a:schemeClr val="accent1"/>
+          </a:effectRef>
+          <a:fontRef idx="minor">
+            <a:schemeClr val="lt1"/>
+          </a:fontRef>
+        </p:style>
+        <p:txBody>
+          <a:bodyPr rtlCol="0" anchor="ctr"/>
+          <a:lstStyle/>
+          <a:p>
+            <a:pPr algn="ctr"/>
+            <a:endParaRPr lang="zh-CN" altLang="en-US"/>
+          </a:p>
+        </p:txBody>
+      </p:sp>
+      <p:pic>
+        <p:nvPicPr>
+          <p:cNvPr id="30" name="图片 29"/>
+          <p:cNvPicPr>
+            <a:picLocks noChangeAspect="1"/>
+          </p:cNvPicPr>
+          <p:nvPr/>
+        </p:nvPicPr>
+        <p:blipFill>
+          <a:blip r:embed="rId2" cstate="print">
+            <a:extLst>
+              <a:ext uri="{28A0092B-C50C-407E-A947-70E740481C1C}">
+                <a14:useLocalDpi xmlns:a14="http://schemas.microsoft.com/office/drawing/2010/main" val="0"/>
+              </a:ext>
+            </a:extLst>
+          </a:blip>
+          <a:stretch>
+            <a:fillRect/>
+          </a:stretch>
+        </p:blipFill>
+        <p:spPr>
+          <a:xfrm>
+            <a:off x="6031113" y="3549690"/>
+            <a:ext cx="1440159" cy="871915"/>
+          </a:xfrm>
+          <a:prstGeom prst="rect">
+            <a:avLst/>
+          </a:prstGeom>
+        </p:spPr>
+      </p:pic>
+      <p:sp>
+        <p:nvSpPr>
+          <p:cNvPr id="32" name="TextBox 31"/>
+          <p:cNvSpPr txBox="1"/>
+          <p:nvPr/>
+        </p:nvSpPr>
+        <p:spPr>
+          <a:xfrm>
+            <a:off x="1763688" y="1024095"/>
+            <a:ext cx="6142123" cy="461665"/>
+          </a:xfrm>
+          <a:prstGeom prst="rect">
+            <a:avLst/>
+          </a:prstGeom>
+          <a:noFill/>
+        </p:spPr>
+        <p:txBody>
+          <a:bodyPr wrap="square" rtlCol="0">
+            <a:spAutoFit/>
+          </a:bodyPr>
+          <a:lstStyle/>
+          <a:p>
+            <a:r>
+              <a:rPr lang="zh-CN" altLang="en-US" sz="1200" dirty="0" smtClean="0">
+                <a:solidFill>
+                  <a:schemeClr val="bg1"/>
+                </a:solidFill>
+                <a:latin typeface="微软雅黑" pitchFamily="34" charset="-122"/>
+                <a:ea typeface="微软雅黑" pitchFamily="34" charset="-122"/>
+              </a:rPr>
+              <a:t>听说你玩</a:t>
+            </a:r>
+            <a:r>
+              <a:rPr lang="en-US" altLang="zh-CN" sz="1200" dirty="0">
+                <a:solidFill>
+                  <a:schemeClr val="bg1"/>
+                </a:solidFill>
+                <a:latin typeface="微软雅黑" pitchFamily="34" charset="-122"/>
+                <a:ea typeface="微软雅黑" pitchFamily="34" charset="-122"/>
+              </a:rPr>
+              <a:t> </a:t>
+            </a:r>
+            <a:r>
+              <a:rPr lang="en-US" altLang="zh-CN" sz="1200" dirty="0" smtClean="0">
+                <a:solidFill>
+                  <a:schemeClr val="bg1"/>
+                </a:solidFill>
+                <a:latin typeface="微软雅黑" pitchFamily="34" charset="-122"/>
+                <a:ea typeface="微软雅黑" pitchFamily="34" charset="-122"/>
+              </a:rPr>
+              <a:t>“</a:t>
+            </a:r>
+            <a:r>
+              <a:rPr lang="zh-CN" altLang="en-US" sz="1200" dirty="0" smtClean="0">
+                <a:solidFill>
+                  <a:schemeClr val="bg1"/>
+                </a:solidFill>
+                <a:latin typeface="微软雅黑" pitchFamily="34" charset="-122"/>
+                <a:ea typeface="微软雅黑" pitchFamily="34" charset="-122"/>
+              </a:rPr>
+              <a:t>农药</a:t>
+            </a:r>
+            <a:r>
+              <a:rPr lang="en-US" altLang="zh-CN" sz="1200" dirty="0" smtClean="0">
+                <a:solidFill>
+                  <a:schemeClr val="bg1"/>
+                </a:solidFill>
+                <a:latin typeface="微软雅黑" pitchFamily="34" charset="-122"/>
+                <a:ea typeface="微软雅黑" pitchFamily="34" charset="-122"/>
+              </a:rPr>
+              <a:t>”</a:t>
+            </a:r>
+            <a:r>
+              <a:rPr lang="zh-CN" altLang="en-US" sz="1200" dirty="0" smtClean="0">
+                <a:solidFill>
+                  <a:schemeClr val="bg1"/>
+                </a:solidFill>
+                <a:latin typeface="微软雅黑" pitchFamily="34" charset="-122"/>
+                <a:ea typeface="微软雅黑" pitchFamily="34" charset="-122"/>
+              </a:rPr>
+              <a:t>，</a:t>
+            </a:r>
+            <a:r>
+              <a:rPr lang="en-US" altLang="zh-CN" sz="1200" dirty="0" smtClean="0">
+                <a:solidFill>
+                  <a:schemeClr val="bg1"/>
+                </a:solidFill>
+                <a:latin typeface="微软雅黑" pitchFamily="34" charset="-122"/>
+                <a:ea typeface="微软雅黑" pitchFamily="34" charset="-122"/>
+              </a:rPr>
+              <a:t>Do you want to create you own “</a:t>
+            </a:r>
+            <a:r>
+              <a:rPr lang="zh-CN" altLang="en-US" sz="1200" dirty="0" smtClean="0">
+                <a:solidFill>
+                  <a:schemeClr val="bg1"/>
+                </a:solidFill>
+                <a:latin typeface="微软雅黑" pitchFamily="34" charset="-122"/>
+                <a:ea typeface="微软雅黑" pitchFamily="34" charset="-122"/>
+              </a:rPr>
+              <a:t>农药</a:t>
+            </a:r>
+            <a:r>
+              <a:rPr lang="en-US" altLang="zh-CN" sz="1200" dirty="0" smtClean="0">
+                <a:solidFill>
+                  <a:schemeClr val="bg1"/>
+                </a:solidFill>
+                <a:latin typeface="微软雅黑" pitchFamily="34" charset="-122"/>
+                <a:ea typeface="微软雅黑" pitchFamily="34" charset="-122"/>
+              </a:rPr>
+              <a:t>”. I believe </a:t>
+            </a:r>
+            <a:r>
+              <a:rPr lang="en-US" altLang="zh-CN" sz="1200" b="1" dirty="0" smtClean="0">
+                <a:solidFill>
+                  <a:srgbClr val="7030A0"/>
+                </a:solidFill>
+                <a:latin typeface="微软雅黑" pitchFamily="34" charset="-122"/>
+                <a:ea typeface="微软雅黑" pitchFamily="34" charset="-122"/>
+              </a:rPr>
+              <a:t>Dom Tech </a:t>
+            </a:r>
+            <a:r>
+              <a:rPr lang="en-US" altLang="zh-CN" sz="1200" dirty="0" smtClean="0">
+                <a:solidFill>
+                  <a:schemeClr val="bg1"/>
+                </a:solidFill>
+                <a:latin typeface="微软雅黑" pitchFamily="34" charset="-122"/>
+                <a:ea typeface="微软雅黑" pitchFamily="34" charset="-122"/>
+              </a:rPr>
+              <a:t>is Your choice</a:t>
+            </a:r>
+            <a:endParaRPr lang="zh-CN" altLang="en-US" sz="1200" dirty="0">
+              <a:solidFill>
+                <a:schemeClr val="bg1"/>
+              </a:solidFill>
+              <a:latin typeface="微软雅黑" pitchFamily="34" charset="-122"/>
+              <a:ea typeface="微软雅黑" pitchFamily="34" charset="-122"/>
+            </a:endParaRPr>
+          </a:p>
+        </p:txBody>
+      </p:sp>
+      <p:sp>
+        <p:nvSpPr>
+          <p:cNvPr id="34" name="TextBox 33"/>
+          <p:cNvSpPr txBox="1"/>
+          <p:nvPr/>
+        </p:nvSpPr>
+        <p:spPr>
+          <a:xfrm>
+            <a:off x="2161536" y="2334652"/>
+            <a:ext cx="1561581" cy="892552"/>
+          </a:xfrm>
+          <a:prstGeom prst="rect">
+            <a:avLst/>
+          </a:prstGeom>
+          <a:noFill/>
+        </p:spPr>
+        <p:txBody>
+          <a:bodyPr wrap="none" rtlCol="0">
+            <a:spAutoFit/>
+          </a:bodyPr>
+          <a:lstStyle/>
+          <a:p>
+            <a:r>
+              <a:rPr lang="en-US" altLang="zh-CN" sz="2400" dirty="0" smtClean="0">
+                <a:solidFill>
+                  <a:srgbClr val="FF0000"/>
+                </a:solidFill>
+                <a:latin typeface="微软雅黑" pitchFamily="34" charset="-122"/>
+                <a:ea typeface="微软雅黑" pitchFamily="34" charset="-122"/>
+              </a:rPr>
+              <a:t>Pay</a:t>
+            </a:r>
+            <a:r>
+              <a:rPr lang="en-US" altLang="zh-CN" sz="1400" dirty="0" smtClean="0">
+                <a:solidFill>
+                  <a:schemeClr val="bg1"/>
+                </a:solidFill>
+                <a:latin typeface="微软雅黑" pitchFamily="34" charset="-122"/>
+                <a:ea typeface="微软雅黑" pitchFamily="34" charset="-122"/>
+              </a:rPr>
+              <a:t> your </a:t>
+            </a:r>
+            <a:r>
+              <a:rPr lang="en-US" altLang="zh-CN" sz="1400" dirty="0">
+                <a:solidFill>
+                  <a:schemeClr val="bg1"/>
+                </a:solidFill>
+                <a:latin typeface="微软雅黑" pitchFamily="34" charset="-122"/>
+                <a:ea typeface="微软雅黑" pitchFamily="34" charset="-122"/>
+              </a:rPr>
+              <a:t>Taxi </a:t>
+            </a:r>
+            <a:endParaRPr lang="en-US" altLang="zh-CN" sz="1400" dirty="0" smtClean="0">
+              <a:solidFill>
+                <a:schemeClr val="bg1"/>
+              </a:solidFill>
+              <a:latin typeface="微软雅黑" pitchFamily="34" charset="-122"/>
+              <a:ea typeface="微软雅黑" pitchFamily="34" charset="-122"/>
+            </a:endParaRPr>
+          </a:p>
+          <a:p>
+            <a:pPr algn="ctr"/>
+            <a:r>
+              <a:rPr lang="en-US" altLang="zh-CN" sz="1400" dirty="0" smtClean="0">
+                <a:solidFill>
+                  <a:schemeClr val="bg1"/>
+                </a:solidFill>
+                <a:latin typeface="微软雅黑" pitchFamily="34" charset="-122"/>
+                <a:ea typeface="微软雅黑" pitchFamily="34" charset="-122"/>
+              </a:rPr>
+              <a:t>Expense</a:t>
+            </a:r>
+            <a:endParaRPr lang="zh-CN" altLang="en-US" sz="1400" dirty="0">
+              <a:solidFill>
+                <a:schemeClr val="bg1"/>
+              </a:solidFill>
+              <a:latin typeface="微软雅黑" pitchFamily="34" charset="-122"/>
+              <a:ea typeface="微软雅黑" pitchFamily="34" charset="-122"/>
+            </a:endParaRPr>
+          </a:p>
+          <a:p>
+            <a:endParaRPr lang="zh-CN" altLang="en-US" sz="1400" dirty="0">
+              <a:solidFill>
+                <a:schemeClr val="bg1"/>
+              </a:solidFill>
+              <a:latin typeface="微软雅黑" pitchFamily="34" charset="-122"/>
+              <a:ea typeface="微软雅黑" pitchFamily="34" charset="-122"/>
+            </a:endParaRPr>
+          </a:p>
+        </p:txBody>
+      </p:sp>
+      <p:sp>
+        <p:nvSpPr>
+          <p:cNvPr id="36" name="TextBox 35"/>
+          <p:cNvSpPr txBox="1"/>
+          <p:nvPr/>
+        </p:nvSpPr>
+        <p:spPr>
+          <a:xfrm>
+            <a:off x="1575723" y="5323698"/>
+            <a:ext cx="1615955" cy="1107996"/>
+          </a:xfrm>
+          <a:prstGeom prst="rect">
+            <a:avLst/>
+          </a:prstGeom>
+          <a:noFill/>
+        </p:spPr>
+        <p:txBody>
+          <a:bodyPr wrap="none" rtlCol="0">
+            <a:spAutoFit/>
+          </a:bodyPr>
+          <a:lstStyle/>
+          <a:p>
+            <a:pPr algn="ctr"/>
+            <a:r>
+              <a:rPr lang="en-US" altLang="zh-CN" sz="2400" b="1" dirty="0" smtClean="0">
+                <a:solidFill>
+                  <a:srgbClr val="FF0000"/>
+                </a:solidFill>
+                <a:latin typeface="微软雅黑" pitchFamily="34" charset="-122"/>
+                <a:ea typeface="微软雅黑" pitchFamily="34" charset="-122"/>
+              </a:rPr>
+              <a:t>Now</a:t>
+            </a:r>
+          </a:p>
+          <a:p>
+            <a:pPr algn="ctr"/>
+            <a:r>
+              <a:rPr lang="en-US" altLang="zh-CN" sz="1400" dirty="0" smtClean="0">
+                <a:solidFill>
+                  <a:schemeClr val="bg1"/>
+                </a:solidFill>
+                <a:latin typeface="微软雅黑" pitchFamily="34" charset="-122"/>
+                <a:ea typeface="微软雅黑" pitchFamily="34" charset="-122"/>
+              </a:rPr>
+              <a:t>Create </a:t>
+            </a:r>
+            <a:r>
+              <a:rPr lang="en-US" altLang="zh-CN" sz="1400" dirty="0">
+                <a:solidFill>
+                  <a:schemeClr val="bg1"/>
+                </a:solidFill>
+                <a:latin typeface="微软雅黑" pitchFamily="34" charset="-122"/>
+                <a:ea typeface="微软雅黑" pitchFamily="34" charset="-122"/>
+              </a:rPr>
+              <a:t>you Own </a:t>
+            </a:r>
+          </a:p>
+          <a:p>
+            <a:pPr algn="ctr"/>
+            <a:r>
+              <a:rPr lang="en-US" altLang="zh-CN" sz="1400" dirty="0" smtClean="0">
+                <a:solidFill>
+                  <a:schemeClr val="bg1"/>
+                </a:solidFill>
+                <a:latin typeface="微软雅黑" pitchFamily="34" charset="-122"/>
+                <a:ea typeface="微软雅黑" pitchFamily="34" charset="-122"/>
+              </a:rPr>
+              <a:t>mobile </a:t>
+            </a:r>
+            <a:r>
+              <a:rPr lang="en-US" altLang="zh-CN" sz="1400" dirty="0">
+                <a:solidFill>
+                  <a:schemeClr val="bg1"/>
+                </a:solidFill>
+                <a:latin typeface="微软雅黑" pitchFamily="34" charset="-122"/>
+                <a:ea typeface="微软雅黑" pitchFamily="34" charset="-122"/>
+              </a:rPr>
+              <a:t>game</a:t>
+            </a:r>
+            <a:endParaRPr lang="zh-CN" altLang="en-US" sz="1400" dirty="0">
+              <a:solidFill>
+                <a:schemeClr val="bg1"/>
+              </a:solidFill>
+              <a:latin typeface="微软雅黑" pitchFamily="34" charset="-122"/>
+              <a:ea typeface="微软雅黑" pitchFamily="34" charset="-122"/>
+            </a:endParaRPr>
+          </a:p>
+          <a:p>
+            <a:pPr algn="ctr"/>
+            <a:endParaRPr lang="zh-CN" altLang="en-US" sz="1400" dirty="0">
+              <a:solidFill>
+                <a:schemeClr val="bg1"/>
+              </a:solidFill>
+            </a:endParaRPr>
+          </a:p>
+        </p:txBody>
+      </p:sp>
+      <p:sp>
+        <p:nvSpPr>
+          <p:cNvPr id="39" name="TextBox 38"/>
+          <p:cNvSpPr txBox="1"/>
+          <p:nvPr/>
+        </p:nvSpPr>
+        <p:spPr>
+          <a:xfrm>
+            <a:off x="4860032" y="3501008"/>
+            <a:ext cx="1723549" cy="246221"/>
+          </a:xfrm>
+          <a:prstGeom prst="rect">
+            <a:avLst/>
+          </a:prstGeom>
+          <a:noFill/>
+        </p:spPr>
+        <p:txBody>
+          <a:bodyPr wrap="none" rtlCol="0">
+            <a:spAutoFit/>
+          </a:bodyPr>
+          <a:lstStyle/>
+          <a:p>
+            <a:r>
+              <a:rPr lang="zh-CN" altLang="en-US" sz="1000" dirty="0" smtClean="0">
+                <a:solidFill>
+                  <a:schemeClr val="bg1">
+                    <a:lumMod val="65000"/>
+                  </a:schemeClr>
+                </a:solidFill>
+                <a:latin typeface="微软雅黑" pitchFamily="34" charset="-122"/>
+                <a:ea typeface="微软雅黑" pitchFamily="34" charset="-122"/>
+              </a:rPr>
+              <a:t>了解游戏公司对人才的需求</a:t>
+            </a:r>
+            <a:endParaRPr lang="zh-CN" altLang="en-US" sz="1000" dirty="0">
+              <a:solidFill>
+                <a:schemeClr val="bg1">
+                  <a:lumMod val="65000"/>
+                </a:schemeClr>
+              </a:solidFill>
+              <a:latin typeface="微软雅黑" pitchFamily="34" charset="-122"/>
+              <a:ea typeface="微软雅黑" pitchFamily="34" charset="-122"/>
+            </a:endParaRPr>
+          </a:p>
+        </p:txBody>
+      </p:sp>
+      <p:sp>
+        <p:nvSpPr>
+          <p:cNvPr id="40" name="TextBox 39"/>
+          <p:cNvSpPr txBox="1"/>
+          <p:nvPr/>
+        </p:nvSpPr>
+        <p:spPr>
+          <a:xfrm>
+            <a:off x="5228008" y="4848602"/>
+            <a:ext cx="1532920" cy="923330"/>
+          </a:xfrm>
+          <a:prstGeom prst="rect">
+            <a:avLst/>
+          </a:prstGeom>
+          <a:noFill/>
+        </p:spPr>
+        <p:txBody>
+          <a:bodyPr wrap="none" rtlCol="0">
+            <a:spAutoFit/>
+          </a:bodyPr>
+          <a:lstStyle/>
+          <a:p>
+            <a:r>
+              <a:rPr lang="en-US" altLang="zh-CN" b="1" dirty="0" smtClean="0">
+                <a:solidFill>
+                  <a:srgbClr val="7030A0"/>
+                </a:solidFill>
+                <a:latin typeface="微软雅黑" pitchFamily="34" charset="-122"/>
+                <a:ea typeface="微软雅黑" pitchFamily="34" charset="-122"/>
+              </a:rPr>
+              <a:t>Create</a:t>
+            </a:r>
+            <a:r>
+              <a:rPr lang="en-US" altLang="zh-CN" b="1" dirty="0" smtClean="0">
+                <a:solidFill>
+                  <a:schemeClr val="tx1">
+                    <a:lumMod val="75000"/>
+                    <a:lumOff val="25000"/>
+                  </a:schemeClr>
+                </a:solidFill>
+                <a:latin typeface="微软雅黑" pitchFamily="34" charset="-122"/>
+                <a:ea typeface="微软雅黑" pitchFamily="34" charset="-122"/>
+              </a:rPr>
+              <a:t> your</a:t>
+            </a:r>
+          </a:p>
+          <a:p>
+            <a:r>
+              <a:rPr lang="en-US" altLang="zh-CN" b="1" dirty="0" smtClean="0">
+                <a:solidFill>
+                  <a:schemeClr val="tx1">
+                    <a:lumMod val="75000"/>
+                    <a:lumOff val="25000"/>
+                  </a:schemeClr>
+                </a:solidFill>
+                <a:latin typeface="微软雅黑" pitchFamily="34" charset="-122"/>
+                <a:ea typeface="微软雅黑" pitchFamily="34" charset="-122"/>
+              </a:rPr>
+              <a:t>Own </a:t>
+            </a:r>
+          </a:p>
+          <a:p>
+            <a:r>
+              <a:rPr lang="en-US" altLang="zh-CN" b="1" dirty="0" smtClean="0">
+                <a:solidFill>
+                  <a:schemeClr val="tx1">
+                    <a:lumMod val="75000"/>
+                    <a:lumOff val="25000"/>
+                  </a:schemeClr>
+                </a:solidFill>
+                <a:latin typeface="微软雅黑" pitchFamily="34" charset="-122"/>
+                <a:ea typeface="微软雅黑" pitchFamily="34" charset="-122"/>
+              </a:rPr>
+              <a:t>Game</a:t>
+            </a:r>
+            <a:endParaRPr lang="zh-CN" altLang="en-US" b="1" dirty="0">
+              <a:solidFill>
+                <a:schemeClr val="tx1">
+                  <a:lumMod val="75000"/>
+                  <a:lumOff val="25000"/>
+                </a:schemeClr>
+              </a:solidFill>
+              <a:latin typeface="微软雅黑" pitchFamily="34" charset="-122"/>
+              <a:ea typeface="微软雅黑" pitchFamily="34" charset="-122"/>
+            </a:endParaRPr>
+          </a:p>
+        </p:txBody>
+      </p:sp>
+      <p:sp>
+        <p:nvSpPr>
+          <p:cNvPr id="41" name="TextBox 40"/>
+          <p:cNvSpPr txBox="1"/>
+          <p:nvPr/>
+        </p:nvSpPr>
+        <p:spPr>
+          <a:xfrm>
+            <a:off x="6751193" y="2907096"/>
+            <a:ext cx="2024208" cy="400110"/>
+          </a:xfrm>
+          <a:prstGeom prst="rect">
+            <a:avLst/>
+          </a:prstGeom>
+          <a:noFill/>
+        </p:spPr>
+        <p:txBody>
+          <a:bodyPr wrap="none" rtlCol="0">
+            <a:spAutoFit/>
+          </a:bodyPr>
+          <a:lstStyle/>
+          <a:p>
+            <a:r>
+              <a:rPr lang="en-US" altLang="zh-CN" sz="2000" b="1" dirty="0" smtClean="0">
+                <a:solidFill>
+                  <a:schemeClr val="bg1"/>
+                </a:solidFill>
+                <a:latin typeface="微软雅黑" pitchFamily="34" charset="-122"/>
+                <a:ea typeface="微软雅黑" pitchFamily="34" charset="-122"/>
+              </a:rPr>
+              <a:t>Experience VR</a:t>
+            </a:r>
+            <a:endParaRPr lang="zh-CN" altLang="en-US" sz="2000" b="1" dirty="0">
+              <a:solidFill>
+                <a:schemeClr val="bg1"/>
+              </a:solidFill>
+              <a:latin typeface="微软雅黑" pitchFamily="34" charset="-122"/>
+              <a:ea typeface="微软雅黑" pitchFamily="34" charset="-122"/>
+            </a:endParaRPr>
+          </a:p>
+        </p:txBody>
+      </p:sp>
+      <p:sp>
+        <p:nvSpPr>
+          <p:cNvPr id="44" name="TextBox 43"/>
+          <p:cNvSpPr txBox="1"/>
+          <p:nvPr/>
+        </p:nvSpPr>
+        <p:spPr>
+          <a:xfrm>
+            <a:off x="120687" y="1686976"/>
+            <a:ext cx="2507097" cy="369332"/>
+          </a:xfrm>
+          <a:prstGeom prst="rect">
+            <a:avLst/>
+          </a:prstGeom>
+          <a:noFill/>
+        </p:spPr>
+        <p:txBody>
+          <a:bodyPr wrap="none" rtlCol="0">
+            <a:spAutoFit/>
+          </a:bodyPr>
+          <a:lstStyle/>
+          <a:p>
+            <a:r>
+              <a:rPr lang="zh-CN" altLang="en-US" b="1" dirty="0" smtClean="0">
+                <a:solidFill>
+                  <a:srgbClr val="00B0F0"/>
+                </a:solidFill>
+                <a:latin typeface="微软雅黑" pitchFamily="34" charset="-122"/>
+                <a:ea typeface="微软雅黑" pitchFamily="34" charset="-122"/>
+              </a:rPr>
+              <a:t>多米科技 </a:t>
+            </a:r>
+            <a:r>
+              <a:rPr lang="en-US" altLang="zh-CN" b="1" dirty="0" smtClean="0">
+                <a:solidFill>
+                  <a:srgbClr val="00B0F0"/>
+                </a:solidFill>
+                <a:latin typeface="微软雅黑" pitchFamily="34" charset="-122"/>
+                <a:ea typeface="微软雅黑" pitchFamily="34" charset="-122"/>
+              </a:rPr>
+              <a:t>~Dom Tech</a:t>
+            </a:r>
+            <a:endParaRPr lang="zh-CN" altLang="en-US" b="1" dirty="0">
+              <a:solidFill>
+                <a:srgbClr val="00B0F0"/>
+              </a:solidFill>
+              <a:latin typeface="微软雅黑" pitchFamily="34" charset="-122"/>
+              <a:ea typeface="微软雅黑" pitchFamily="34" charset="-122"/>
+            </a:endParaRPr>
+          </a:p>
+        </p:txBody>
+      </p:sp>
+      <p:sp>
+        <p:nvSpPr>
+          <p:cNvPr id="45" name="右箭头 44"/>
+          <p:cNvSpPr/>
+          <p:nvPr/>
+        </p:nvSpPr>
+        <p:spPr>
+          <a:xfrm rot="16200000" flipH="1">
+            <a:off x="929510" y="2348880"/>
+            <a:ext cx="648073" cy="504055"/>
+          </a:xfrm>
+          <a:prstGeom prst="rightArrow">
+            <a:avLst/>
+          </a:prstGeom>
+          <a:gradFill flip="none" rotWithShape="1">
+            <a:gsLst>
+              <a:gs pos="2000">
+                <a:schemeClr val="bg1">
+                  <a:lumMod val="65000"/>
+                </a:schemeClr>
+              </a:gs>
+              <a:gs pos="25000">
+                <a:schemeClr val="tx1">
+                  <a:lumMod val="49000"/>
+                  <a:lumOff val="51000"/>
+                </a:schemeClr>
+              </a:gs>
+              <a:gs pos="98000">
+                <a:schemeClr val="tx1"/>
+              </a:gs>
+            </a:gsLst>
+            <a:lin ang="10800000" scaled="1"/>
+            <a:tileRect/>
+          </a:gradFill>
+          <a:ln>
+            <a:noFill/>
+          </a:ln>
+        </p:spPr>
+        <p:style>
+          <a:lnRef idx="2">
+            <a:schemeClr val="accent1">
+              <a:shade val="50000"/>
+            </a:schemeClr>
+          </a:lnRef>
+          <a:fillRef idx="1">
+            <a:schemeClr val="accent1"/>
+          </a:fillRef>
+          <a:effectRef idx="0">
+            <a:schemeClr val="accent1"/>
+          </a:effectRef>
+          <a:fontRef idx="minor">
+            <a:schemeClr val="lt1"/>
+          </a:fontRef>
+        </p:style>
+        <p:txBody>
+          <a:bodyPr rtlCol="0" anchor="ctr"/>
+          <a:lstStyle/>
+          <a:p>
+            <a:pPr algn="ctr"/>
+            <a:endParaRPr lang="zh-CN" altLang="en-US"/>
+          </a:p>
+        </p:txBody>
+      </p:sp>
+      <p:sp>
+        <p:nvSpPr>
+          <p:cNvPr id="46" name="TextBox 45"/>
+          <p:cNvSpPr txBox="1"/>
+          <p:nvPr/>
+        </p:nvSpPr>
+        <p:spPr>
+          <a:xfrm>
+            <a:off x="5103571" y="2509446"/>
+            <a:ext cx="1490152" cy="830997"/>
+          </a:xfrm>
+          <a:prstGeom prst="rect">
+            <a:avLst/>
+          </a:prstGeom>
+          <a:noFill/>
+        </p:spPr>
+        <p:txBody>
+          <a:bodyPr wrap="none" rtlCol="0">
+            <a:spAutoFit/>
+          </a:bodyPr>
+          <a:lstStyle/>
+          <a:p>
+            <a:r>
+              <a:rPr lang="en-US" altLang="zh-CN" sz="1600" dirty="0" smtClean="0">
+                <a:solidFill>
+                  <a:schemeClr val="bg1">
+                    <a:lumMod val="95000"/>
+                  </a:schemeClr>
+                </a:solidFill>
+                <a:latin typeface="微软雅黑" pitchFamily="34" charset="-122"/>
+                <a:ea typeface="微软雅黑" pitchFamily="34" charset="-122"/>
+              </a:rPr>
+              <a:t>Understand</a:t>
+            </a:r>
+          </a:p>
+          <a:p>
+            <a:r>
+              <a:rPr lang="en-US" altLang="zh-CN" sz="1600" dirty="0" smtClean="0">
+                <a:solidFill>
+                  <a:schemeClr val="bg1">
+                    <a:lumMod val="95000"/>
+                  </a:schemeClr>
+                </a:solidFill>
+                <a:latin typeface="微软雅黑" pitchFamily="34" charset="-122"/>
+                <a:ea typeface="微软雅黑" pitchFamily="34" charset="-122"/>
+              </a:rPr>
+              <a:t>company </a:t>
+            </a:r>
+          </a:p>
+          <a:p>
+            <a:r>
+              <a:rPr lang="en-US" altLang="zh-CN" sz="1600" dirty="0" smtClean="0">
+                <a:solidFill>
+                  <a:schemeClr val="bg1">
+                    <a:lumMod val="95000"/>
+                  </a:schemeClr>
+                </a:solidFill>
+                <a:latin typeface="微软雅黑" pitchFamily="34" charset="-122"/>
+                <a:ea typeface="微软雅黑" pitchFamily="34" charset="-122"/>
+              </a:rPr>
+              <a:t>requirements</a:t>
+            </a:r>
+            <a:endParaRPr lang="zh-CN" altLang="en-US" sz="1600" dirty="0">
+              <a:solidFill>
+                <a:schemeClr val="bg1">
+                  <a:lumMod val="95000"/>
+                </a:schemeClr>
+              </a:solidFill>
+              <a:latin typeface="微软雅黑" pitchFamily="34" charset="-122"/>
+              <a:ea typeface="微软雅黑" pitchFamily="34" charset="-122"/>
+            </a:endParaRPr>
+          </a:p>
+        </p:txBody>
+      </p:sp>
+      <p:sp>
+        <p:nvSpPr>
+          <p:cNvPr id="48" name="TextBox 47"/>
+          <p:cNvSpPr txBox="1"/>
+          <p:nvPr/>
+        </p:nvSpPr>
+        <p:spPr>
+          <a:xfrm>
+            <a:off x="4620481" y="4307260"/>
+            <a:ext cx="2130711" cy="461665"/>
+          </a:xfrm>
+          <a:prstGeom prst="rect">
+            <a:avLst/>
+          </a:prstGeom>
+          <a:noFill/>
+        </p:spPr>
+        <p:txBody>
+          <a:bodyPr wrap="none" rtlCol="0">
+            <a:spAutoFit/>
+          </a:bodyPr>
+          <a:lstStyle/>
+          <a:p>
+            <a:r>
+              <a:rPr lang="en-US" altLang="zh-CN" sz="2400" b="1" dirty="0" smtClean="0">
+                <a:solidFill>
+                  <a:srgbClr val="FF0000"/>
+                </a:solidFill>
+              </a:rPr>
+              <a:t>Just</a:t>
+            </a:r>
+            <a:r>
+              <a:rPr lang="en-US" altLang="zh-CN" sz="2400" b="1" dirty="0" smtClean="0">
+                <a:solidFill>
+                  <a:schemeClr val="bg1"/>
+                </a:solidFill>
+              </a:rPr>
+              <a:t> </a:t>
+            </a:r>
+            <a:r>
+              <a:rPr lang="en-US" altLang="zh-CN" sz="2400" b="1" dirty="0" smtClean="0">
+                <a:solidFill>
+                  <a:schemeClr val="bg1"/>
+                </a:solidFill>
+              </a:rPr>
+              <a:t>Three</a:t>
+            </a:r>
+            <a:r>
+              <a:rPr lang="en-US" altLang="zh-CN" sz="2400" b="1" dirty="0" smtClean="0">
+                <a:solidFill>
+                  <a:schemeClr val="bg1"/>
+                </a:solidFill>
+              </a:rPr>
+              <a:t> days</a:t>
+            </a:r>
+            <a:endParaRPr lang="zh-CN" altLang="en-US" sz="2400" b="1" dirty="0">
+              <a:solidFill>
+                <a:schemeClr val="bg1"/>
+              </a:solidFill>
+            </a:endParaRPr>
+          </a:p>
+        </p:txBody>
+      </p:sp>
       <p:cxnSp>
         <p:nvCxnSpPr>
-          <p:cNvPr id="19" name="直接箭头连接符 18"/>
+          <p:cNvPr id="12" name="直接连接符 11"/>
           <p:cNvCxnSpPr>
-            <a:endCxn id="5" idx="6"/>
+            <a:endCxn id="34" idx="1"/>
           </p:cNvCxnSpPr>
           <p:nvPr/>
         </p:nvCxnSpPr>
         <p:spPr>
+          <a:xfrm flipV="1">
+            <a:off x="1505574" y="2780928"/>
+            <a:ext cx="655962" cy="326223"/>
+          </a:xfrm>
+          <a:prstGeom prst="line">
+            <a:avLst/>
+          </a:prstGeom>
+          <a:ln>
+            <a:solidFill>
+              <a:schemeClr val="tx1"/>
+            </a:solidFill>
+            <a:tailEnd type="none"/>
+          </a:ln>
+        </p:spPr>
+        <p:style>
+          <a:lnRef idx="3">
+            <a:schemeClr val="accent3"/>
+          </a:lnRef>
+          <a:fillRef idx="0">
+            <a:schemeClr val="accent3"/>
+          </a:fillRef>
+          <a:effectRef idx="2">
+            <a:schemeClr val="accent3"/>
+          </a:effectRef>
+          <a:fontRef idx="minor">
+            <a:schemeClr val="tx1"/>
+          </a:fontRef>
+        </p:style>
+      </p:cxnSp>
+      <p:cxnSp>
+        <p:nvCxnSpPr>
+          <p:cNvPr id="35" name="直接连接符 34"/>
+          <p:cNvCxnSpPr>
+            <a:stCxn id="5" idx="4"/>
+          </p:cNvCxnSpPr>
+          <p:nvPr/>
+        </p:nvCxnSpPr>
+        <p:spPr>
+          <a:xfrm>
+            <a:off x="1253547" y="4864146"/>
+            <a:ext cx="726165" cy="365054"/>
+          </a:xfrm>
+          <a:prstGeom prst="line">
+            <a:avLst/>
+          </a:prstGeom>
+          <a:ln>
+            <a:solidFill>
+              <a:schemeClr val="tx1"/>
+            </a:solidFill>
+            <a:tailEnd type="none"/>
+          </a:ln>
+        </p:spPr>
+        <p:style>
+          <a:lnRef idx="3">
+            <a:schemeClr val="accent3"/>
+          </a:lnRef>
+          <a:fillRef idx="0">
+            <a:schemeClr val="accent3"/>
+          </a:fillRef>
+          <a:effectRef idx="2">
+            <a:schemeClr val="accent3"/>
+          </a:effectRef>
+          <a:fontRef idx="minor">
+            <a:schemeClr val="tx1"/>
+          </a:fontRef>
+        </p:style>
+      </p:cxnSp>
+      <p:sp>
+        <p:nvSpPr>
+          <p:cNvPr id="23" name="椭圆 22"/>
+          <p:cNvSpPr/>
+          <p:nvPr/>
+        </p:nvSpPr>
+        <p:spPr>
+          <a:xfrm>
+            <a:off x="6935557" y="4768925"/>
+            <a:ext cx="45719" cy="86602"/>
+          </a:xfrm>
+          <a:prstGeom prst="ellipse">
+            <a:avLst/>
+          </a:prstGeom>
+          <a:solidFill>
+            <a:srgbClr val="FF0000"/>
+          </a:solidFill>
+          <a:ln>
+            <a:solidFill>
+              <a:srgbClr val="FF0000"/>
+            </a:solidFill>
+          </a:ln>
+        </p:spPr>
+        <p:style>
+          <a:lnRef idx="2">
+            <a:schemeClr val="accent1">
+              <a:shade val="50000"/>
+            </a:schemeClr>
+          </a:lnRef>
+          <a:fillRef idx="1">
+            <a:schemeClr val="accent1"/>
+          </a:fillRef>
+          <a:effectRef idx="0">
+            <a:schemeClr val="accent1"/>
+          </a:effectRef>
+          <a:fontRef idx="minor">
+            <a:schemeClr val="lt1"/>
+          </a:fontRef>
+        </p:style>
+        <p:txBody>
+          <a:bodyPr rtlCol="0" anchor="ctr"/>
+          <a:lstStyle/>
+          <a:p>
+            <a:pPr algn="ctr"/>
+            <a:endParaRPr lang="zh-CN" altLang="en-US"/>
+          </a:p>
+        </p:txBody>
+      </p:sp>
+      <p:sp>
+        <p:nvSpPr>
+          <p:cNvPr id="24" name="TextBox 23"/>
+          <p:cNvSpPr txBox="1"/>
+          <p:nvPr/>
+        </p:nvSpPr>
+        <p:spPr>
+          <a:xfrm>
+            <a:off x="7098883" y="4644424"/>
+            <a:ext cx="1244251" cy="954107"/>
+          </a:xfrm>
+          <a:prstGeom prst="rect">
+            <a:avLst/>
+          </a:prstGeom>
+          <a:noFill/>
+        </p:spPr>
+        <p:txBody>
+          <a:bodyPr wrap="none" rtlCol="0">
+            <a:spAutoFit/>
+          </a:bodyPr>
+          <a:lstStyle/>
+          <a:p>
+            <a:r>
+              <a:rPr lang="en-US" altLang="zh-CN" sz="1400" b="1" dirty="0" smtClean="0">
+                <a:solidFill>
+                  <a:srgbClr val="FF0000"/>
+                </a:solidFill>
+              </a:rPr>
+              <a:t>0315-2172239</a:t>
+            </a:r>
+          </a:p>
+          <a:p>
+            <a:endParaRPr lang="en-US" altLang="zh-CN" sz="1400" b="1" dirty="0">
+              <a:solidFill>
+                <a:srgbClr val="FF0000"/>
+              </a:solidFill>
+            </a:endParaRPr>
+          </a:p>
+          <a:p>
+            <a:endParaRPr lang="en-US" altLang="zh-CN" sz="1400" b="1" dirty="0">
+              <a:solidFill>
+                <a:srgbClr val="FF0000"/>
+              </a:solidFill>
+            </a:endParaRPr>
+          </a:p>
+          <a:p>
+            <a:endParaRPr lang="zh-CN" altLang="en-US" sz="1400" b="1" dirty="0">
+              <a:solidFill>
+                <a:srgbClr val="FF0000"/>
+              </a:solidFill>
+            </a:endParaRPr>
+          </a:p>
+        </p:txBody>
+      </p:sp>
+      <p:sp>
+        <p:nvSpPr>
+          <p:cNvPr id="42" name="椭圆 41"/>
+          <p:cNvSpPr/>
+          <p:nvPr/>
+        </p:nvSpPr>
+        <p:spPr>
+          <a:xfrm>
+            <a:off x="6935558" y="5157192"/>
+            <a:ext cx="75310" cy="87044"/>
+          </a:xfrm>
+          <a:prstGeom prst="ellipse">
+            <a:avLst/>
+          </a:prstGeom>
+          <a:solidFill>
+            <a:srgbClr val="FFFF00"/>
+          </a:solidFill>
+          <a:ln>
+            <a:solidFill>
+              <a:srgbClr val="FFFF00"/>
+            </a:solidFill>
+          </a:ln>
+        </p:spPr>
+        <p:style>
+          <a:lnRef idx="2">
+            <a:schemeClr val="accent1">
+              <a:shade val="50000"/>
+            </a:schemeClr>
+          </a:lnRef>
+          <a:fillRef idx="1">
+            <a:schemeClr val="accent1"/>
+          </a:fillRef>
+          <a:effectRef idx="0">
+            <a:schemeClr val="accent1"/>
+          </a:effectRef>
+          <a:fontRef idx="minor">
+            <a:schemeClr val="lt1"/>
+          </a:fontRef>
+        </p:style>
+        <p:txBody>
+          <a:bodyPr rtlCol="0" anchor="ctr"/>
+          <a:lstStyle/>
+          <a:p>
+            <a:pPr algn="ctr"/>
+            <a:endParaRPr lang="zh-CN" altLang="en-US"/>
+          </a:p>
+        </p:txBody>
+      </p:sp>
+      <p:sp>
+        <p:nvSpPr>
+          <p:cNvPr id="25" name="TextBox 24"/>
+          <p:cNvSpPr txBox="1"/>
+          <p:nvPr/>
+        </p:nvSpPr>
+        <p:spPr>
+          <a:xfrm>
+            <a:off x="6293121" y="6581001"/>
+            <a:ext cx="2598788" cy="276999"/>
+          </a:xfrm>
+          <a:prstGeom prst="rect">
+            <a:avLst/>
+          </a:prstGeom>
+          <a:noFill/>
+        </p:spPr>
+        <p:txBody>
+          <a:bodyPr wrap="none" rtlCol="0">
+            <a:spAutoFit/>
+          </a:bodyPr>
+          <a:lstStyle/>
+          <a:p>
+            <a:r>
+              <a:rPr lang="zh-CN" altLang="en-US" sz="1200" b="1" dirty="0" smtClean="0">
+                <a:solidFill>
+                  <a:schemeClr val="bg1">
+                    <a:lumMod val="50000"/>
+                  </a:schemeClr>
+                </a:solidFill>
+                <a:latin typeface="微软雅黑" pitchFamily="34" charset="-122"/>
+                <a:ea typeface="微软雅黑" pitchFamily="34" charset="-122"/>
+              </a:rPr>
+              <a:t>地址：高新区大陆阳光</a:t>
+            </a:r>
+            <a:r>
+              <a:rPr lang="en-US" altLang="zh-CN" sz="1200" b="1" dirty="0" smtClean="0">
+                <a:solidFill>
+                  <a:schemeClr val="bg1">
+                    <a:lumMod val="50000"/>
+                  </a:schemeClr>
+                </a:solidFill>
+                <a:latin typeface="微软雅黑" pitchFamily="34" charset="-122"/>
+                <a:ea typeface="微软雅黑" pitchFamily="34" charset="-122"/>
+              </a:rPr>
+              <a:t>102</a:t>
+            </a:r>
+            <a:r>
+              <a:rPr lang="zh-CN" altLang="en-US" sz="1200" b="1" dirty="0" smtClean="0">
+                <a:solidFill>
+                  <a:schemeClr val="bg1">
+                    <a:lumMod val="50000"/>
+                  </a:schemeClr>
+                </a:solidFill>
+                <a:latin typeface="微软雅黑" pitchFamily="34" charset="-122"/>
+                <a:ea typeface="微软雅黑" pitchFamily="34" charset="-122"/>
+              </a:rPr>
+              <a:t>楼</a:t>
+            </a:r>
+            <a:r>
+              <a:rPr lang="en-US" altLang="zh-CN" sz="1200" b="1" dirty="0" smtClean="0">
+                <a:solidFill>
+                  <a:schemeClr val="bg1">
+                    <a:lumMod val="50000"/>
+                  </a:schemeClr>
+                </a:solidFill>
+                <a:latin typeface="微软雅黑" pitchFamily="34" charset="-122"/>
+                <a:ea typeface="微软雅黑" pitchFamily="34" charset="-122"/>
+              </a:rPr>
+              <a:t>705</a:t>
+            </a:r>
+            <a:r>
+              <a:rPr lang="zh-CN" altLang="en-US" sz="1200" b="1" dirty="0" smtClean="0">
+                <a:solidFill>
+                  <a:schemeClr val="bg1">
+                    <a:lumMod val="50000"/>
+                  </a:schemeClr>
+                </a:solidFill>
+                <a:latin typeface="微软雅黑" pitchFamily="34" charset="-122"/>
+                <a:ea typeface="微软雅黑" pitchFamily="34" charset="-122"/>
+              </a:rPr>
+              <a:t>室</a:t>
+            </a:r>
+            <a:endParaRPr lang="zh-CN" altLang="en-US" sz="1200" b="1" dirty="0">
+              <a:solidFill>
+                <a:schemeClr val="bg1">
+                  <a:lumMod val="50000"/>
+                </a:schemeClr>
+              </a:solidFill>
+              <a:latin typeface="微软雅黑" pitchFamily="34" charset="-122"/>
+              <a:ea typeface="微软雅黑" pitchFamily="34" charset="-122"/>
+            </a:endParaRPr>
+          </a:p>
+        </p:txBody>
+      </p:sp>
+      <p:sp>
+        <p:nvSpPr>
+          <p:cNvPr id="31" name="TextBox 30"/>
+          <p:cNvSpPr txBox="1"/>
+          <p:nvPr/>
+        </p:nvSpPr>
+        <p:spPr>
+          <a:xfrm>
+            <a:off x="7098883" y="5055567"/>
+            <a:ext cx="1258678" cy="461665"/>
+          </a:xfrm>
+          <a:prstGeom prst="rect">
+            <a:avLst/>
+          </a:prstGeom>
+          <a:noFill/>
+        </p:spPr>
+        <p:txBody>
+          <a:bodyPr wrap="none" rtlCol="0">
+            <a:spAutoFit/>
+          </a:bodyPr>
+          <a:lstStyle/>
+          <a:p>
+            <a:r>
+              <a:rPr lang="en-US" altLang="zh-CN" sz="1200" b="1" dirty="0">
+                <a:solidFill>
+                  <a:srgbClr val="FFFF00"/>
+                </a:solidFill>
+              </a:rPr>
+              <a:t>QQ: 3234269255</a:t>
+            </a:r>
+          </a:p>
+          <a:p>
+            <a:endParaRPr lang="zh-CN" altLang="en-US" sz="1200" dirty="0"/>
+          </a:p>
+        </p:txBody>
+      </p:sp>
+      <p:sp>
+        <p:nvSpPr>
+          <p:cNvPr id="33" name="TextBox 32"/>
+          <p:cNvSpPr txBox="1"/>
+          <p:nvPr/>
+        </p:nvSpPr>
+        <p:spPr>
+          <a:xfrm>
+            <a:off x="3723117" y="6093296"/>
+            <a:ext cx="1113125" cy="369332"/>
+          </a:xfrm>
+          <a:prstGeom prst="rect">
+            <a:avLst/>
+          </a:prstGeom>
+          <a:noFill/>
+        </p:spPr>
+        <p:txBody>
+          <a:bodyPr wrap="none" rtlCol="0">
+            <a:spAutoFit/>
+          </a:bodyPr>
+          <a:lstStyle/>
+          <a:p>
+            <a:r>
+              <a:rPr lang="en-US" altLang="zh-CN" dirty="0" smtClean="0">
+                <a:solidFill>
+                  <a:schemeClr val="bg1"/>
+                </a:solidFill>
+              </a:rPr>
+              <a:t>Dom Tech</a:t>
+            </a:r>
+            <a:endParaRPr lang="zh-CN" altLang="en-US" dirty="0">
+              <a:solidFill>
+                <a:schemeClr val="bg1"/>
+              </a:solidFill>
+            </a:endParaRPr>
+          </a:p>
+        </p:txBody>
+      </p:sp>
+      <p:sp>
+        <p:nvSpPr>
+          <p:cNvPr id="37" name="TextBox 36"/>
+          <p:cNvSpPr txBox="1"/>
+          <p:nvPr/>
+        </p:nvSpPr>
+        <p:spPr>
+          <a:xfrm>
+            <a:off x="3540757" y="6431694"/>
+            <a:ext cx="1622111" cy="307777"/>
+          </a:xfrm>
+          <a:prstGeom prst="rect">
+            <a:avLst/>
+          </a:prstGeom>
+          <a:noFill/>
+        </p:spPr>
+        <p:txBody>
+          <a:bodyPr wrap="none" rtlCol="0">
+            <a:spAutoFit/>
+          </a:bodyPr>
+          <a:lstStyle/>
+          <a:p>
+            <a:r>
+              <a:rPr lang="en-US" altLang="zh-CN" sz="1400" dirty="0" smtClean="0">
+                <a:solidFill>
+                  <a:schemeClr val="bg1">
+                    <a:lumMod val="50000"/>
+                  </a:schemeClr>
+                </a:solidFill>
+              </a:rPr>
+              <a:t>www.domschool.cn</a:t>
+            </a:r>
+            <a:endParaRPr lang="zh-CN" altLang="en-US" sz="1400" dirty="0">
+              <a:solidFill>
+                <a:schemeClr val="bg1">
+                  <a:lumMod val="50000"/>
+                </a:schemeClr>
+              </a:solidFill>
+            </a:endParaRPr>
+          </a:p>
+        </p:txBody>
+      </p:sp>
+      <p:cxnSp>
+        <p:nvCxnSpPr>
+          <p:cNvPr id="50" name="直接箭头连接符 49"/>
+          <p:cNvCxnSpPr/>
+          <p:nvPr/>
+        </p:nvCxnSpPr>
+        <p:spPr>
           <a:xfrm flipH="1">
-            <a:off x="2399590" y="3985409"/>
-            <a:ext cx="3432551" cy="240"/>
+            <a:off x="2399592" y="3976256"/>
+            <a:ext cx="3936604" cy="9393"/>
           </a:xfrm>
           <a:prstGeom prst="straightConnector1">
             <a:avLst/>
@@ -3575,45 +5073,83 @@
           </a:fontRef>
         </p:style>
       </p:cxnSp>
-      <p:sp>
-        <p:nvSpPr>
-          <p:cNvPr id="26" name="饼形 25"/>
+    </p:spTree>
+    <p:extLst>
+      <p:ext uri="{BB962C8B-B14F-4D97-AF65-F5344CB8AC3E}">
+        <p14:creationId xmlns:p14="http://schemas.microsoft.com/office/powerpoint/2010/main" val="3548596523"/>
+      </p:ext>
+    </p:extLst>
+  </p:cSld>
+  <p:clrMapOvr>
+    <a:masterClrMapping/>
+  </p:clrMapOvr>
+  <p:timing>
+    <p:tnLst>
+      <p:par>
+        <p:cTn id="1" dur="indefinite" restart="never" nodeType="tmRoot"/>
+      </p:par>
+    </p:tnLst>
+  </p:timing>
+</p:sld>
+</file>
+
+<file path=ppt/slides/slide2.xml><?xml version="1.0" encoding="utf-8"?>
+<p:sld xmlns:a="http://schemas.openxmlformats.org/drawingml/2006/main" xmlns:r="http://schemas.openxmlformats.org/officeDocument/2006/relationships" xmlns:p="http://schemas.openxmlformats.org/presentationml/2006/main">
+  <p:cSld>
+    <p:spTree>
+      <p:nvGrpSpPr>
+        <p:cNvPr id="1" name=""/>
+        <p:cNvGrpSpPr/>
+        <p:nvPr/>
+      </p:nvGrpSpPr>
+      <p:grpSpPr>
+        <a:xfrm>
+          <a:off x="0" y="0"/>
+          <a:ext cx="0" cy="0"/>
+          <a:chOff x="0" y="0"/>
+          <a:chExt cx="0" cy="0"/>
+        </a:xfrm>
+      </p:grpSpPr>
+      <p:sp>
+        <p:nvSpPr>
+          <p:cNvPr id="4" name="矩形 3"/>
           <p:cNvSpPr/>
           <p:nvPr/>
         </p:nvSpPr>
         <p:spPr>
           <a:xfrm>
-            <a:off x="4572000" y="1700808"/>
-            <a:ext cx="4392488" cy="4536504"/>
-          </a:xfrm>
-          <a:prstGeom prst="pie">
-            <a:avLst>
-              <a:gd name="adj1" fmla="val 16203022"/>
-              <a:gd name="adj2" fmla="val 7500"/>
-            </a:avLst>
+            <a:off x="-324544" y="3717032"/>
+            <a:ext cx="10009112" cy="2520280"/>
+          </a:xfrm>
+          <a:prstGeom prst="rect">
+            <a:avLst/>
           </a:prstGeom>
-          <a:gradFill flip="none" rotWithShape="1">
-            <a:gsLst>
-              <a:gs pos="15000">
-                <a:schemeClr val="tx2">
-                  <a:lumMod val="20000"/>
-                  <a:lumOff val="80000"/>
-                </a:schemeClr>
-              </a:gs>
-              <a:gs pos="100000">
-                <a:srgbClr val="00B0F0"/>
-              </a:gs>
-            </a:gsLst>
-            <a:path path="circle">
-              <a:fillToRect t="100000" r="100000"/>
-            </a:path>
-            <a:tileRect l="-100000" b="-100000"/>
-          </a:gradFill>
+          <a:solidFill>
+            <a:schemeClr val="bg1">
+              <a:lumMod val="50000"/>
+            </a:schemeClr>
+          </a:solidFill>
           <a:ln>
             <a:solidFill>
-              <a:schemeClr val="tx1"/>
+              <a:schemeClr val="bg1">
+                <a:lumMod val="50000"/>
+              </a:schemeClr>
             </a:solidFill>
           </a:ln>
+          <a:scene3d>
+            <a:camera prst="isometricOffAxis1Right"/>
+            <a:lightRig rig="threePt" dir="t"/>
+          </a:scene3d>
+          <a:sp3d extrusionH="127000" contourW="12700">
+            <a:bevelT w="152400" h="152400"/>
+            <a:bevelB w="152400" h="152400"/>
+            <a:extrusionClr>
+              <a:schemeClr val="bg1"/>
+            </a:extrusionClr>
+            <a:contourClr>
+              <a:schemeClr val="bg1"/>
+            </a:contourClr>
+          </a:sp3d>
         </p:spPr>
         <p:style>
           <a:lnRef idx="2">
@@ -3636,56 +5172,158 @@
           <a:lstStyle/>
           <a:p>
             <a:pPr algn="ctr"/>
-            <a:endParaRPr lang="zh-CN" altLang="en-US">
-              <a:solidFill>
-                <a:schemeClr val="tx1"/>
-              </a:solidFill>
-            </a:endParaRPr>
-          </a:p>
-        </p:txBody>
-      </p:sp>
-      <p:sp>
-        <p:nvSpPr>
-          <p:cNvPr id="27" name="饼形 26"/>
+            <a:endParaRPr lang="zh-CN" altLang="en-US"/>
+          </a:p>
+        </p:txBody>
+      </p:sp>
+      <p:pic>
+        <p:nvPicPr>
+          <p:cNvPr id="5" name="图片 4"/>
+          <p:cNvPicPr>
+            <a:picLocks noChangeAspect="1"/>
+          </p:cNvPicPr>
+          <p:nvPr/>
+        </p:nvPicPr>
+        <p:blipFill>
+          <a:blip r:embed="rId2" cstate="print">
+            <a:extLst>
+              <a:ext uri="{28A0092B-C50C-407E-A947-70E740481C1C}">
+                <a14:useLocalDpi xmlns:a14="http://schemas.microsoft.com/office/drawing/2010/main" val="0"/>
+              </a:ext>
+            </a:extLst>
+          </a:blip>
+          <a:stretch>
+            <a:fillRect/>
+          </a:stretch>
+        </p:blipFill>
+        <p:spPr>
+          <a:xfrm>
+            <a:off x="107504" y="4077072"/>
+            <a:ext cx="2592288" cy="2664296"/>
+          </a:xfrm>
+          <a:prstGeom prst="rect">
+            <a:avLst/>
+          </a:prstGeom>
+          <a:scene3d>
+            <a:camera prst="isometricOffAxis2Right">
+              <a:rot lat="1680000" lon="20400000" rev="0"/>
+            </a:camera>
+            <a:lightRig rig="threePt" dir="t"/>
+          </a:scene3d>
+        </p:spPr>
+      </p:pic>
+      <p:pic>
+        <p:nvPicPr>
+          <p:cNvPr id="6" name="图片 5"/>
+          <p:cNvPicPr>
+            <a:picLocks noChangeAspect="1"/>
+          </p:cNvPicPr>
+          <p:nvPr/>
+        </p:nvPicPr>
+        <p:blipFill>
+          <a:blip r:embed="rId3">
+            <a:extLst>
+              <a:ext uri="{28A0092B-C50C-407E-A947-70E740481C1C}">
+                <a14:useLocalDpi xmlns:a14="http://schemas.microsoft.com/office/drawing/2010/main" val="0"/>
+              </a:ext>
+            </a:extLst>
+          </a:blip>
+          <a:stretch>
+            <a:fillRect/>
+          </a:stretch>
+        </p:blipFill>
+        <p:spPr>
+          <a:xfrm>
+            <a:off x="2832618" y="3717031"/>
+            <a:ext cx="2963518" cy="2520281"/>
+          </a:xfrm>
+          <a:prstGeom prst="rect">
+            <a:avLst/>
+          </a:prstGeom>
+          <a:scene3d>
+            <a:camera prst="orthographicFront">
+              <a:rot lat="1200000" lon="20040000" rev="0"/>
+            </a:camera>
+            <a:lightRig rig="threePt" dir="t"/>
+          </a:scene3d>
+        </p:spPr>
+      </p:pic>
+      <p:pic>
+        <p:nvPicPr>
+          <p:cNvPr id="7" name="图片 6"/>
+          <p:cNvPicPr>
+            <a:picLocks noChangeAspect="1"/>
+          </p:cNvPicPr>
+          <p:nvPr/>
+        </p:nvPicPr>
+        <p:blipFill>
+          <a:blip r:embed="rId4" cstate="print">
+            <a:extLst>
+              <a:ext uri="{28A0092B-C50C-407E-A947-70E740481C1C}">
+                <a14:useLocalDpi xmlns:a14="http://schemas.microsoft.com/office/drawing/2010/main" val="0"/>
+              </a:ext>
+            </a:extLst>
+          </a:blip>
+          <a:stretch>
+            <a:fillRect/>
+          </a:stretch>
+        </p:blipFill>
+        <p:spPr>
+          <a:xfrm>
+            <a:off x="5796136" y="3212976"/>
+            <a:ext cx="3456384" cy="2520280"/>
+          </a:xfrm>
+          <a:prstGeom prst="rect">
+            <a:avLst/>
+          </a:prstGeom>
+          <a:scene3d>
+            <a:camera prst="orthographicFront">
+              <a:rot lat="1140000" lon="20040000" rev="0"/>
+            </a:camera>
+            <a:lightRig rig="threePt" dir="t"/>
+          </a:scene3d>
+        </p:spPr>
+      </p:pic>
+      <p:sp>
+        <p:nvSpPr>
+          <p:cNvPr id="8" name="矩形 7"/>
           <p:cNvSpPr/>
           <p:nvPr/>
         </p:nvSpPr>
         <p:spPr>
           <a:xfrm>
-            <a:off x="4572000" y="1700808"/>
-            <a:ext cx="4392488" cy="4536504"/>
-          </a:xfrm>
-          <a:prstGeom prst="pie">
-            <a:avLst>
-              <a:gd name="adj1" fmla="val 5389893"/>
-              <a:gd name="adj2" fmla="val 10835923"/>
-            </a:avLst>
+            <a:off x="-324544" y="980728"/>
+            <a:ext cx="10009112" cy="2520280"/>
+          </a:xfrm>
+          <a:prstGeom prst="rect">
+            <a:avLst/>
           </a:prstGeom>
-          <a:gradFill flip="none" rotWithShape="1">
-            <a:gsLst>
-              <a:gs pos="6000">
-                <a:schemeClr val="bg1"/>
-              </a:gs>
-              <a:gs pos="32036">
-                <a:schemeClr val="accent3">
-                  <a:lumMod val="20000"/>
-                  <a:lumOff val="80000"/>
-                </a:schemeClr>
-              </a:gs>
-              <a:gs pos="98000">
-                <a:srgbClr val="00B050"/>
-              </a:gs>
-            </a:gsLst>
-            <a:path path="circle">
-              <a:fillToRect l="100000" b="100000"/>
-            </a:path>
-            <a:tileRect t="-100000" r="-100000"/>
-          </a:gradFill>
+          <a:solidFill>
+            <a:schemeClr val="bg1">
+              <a:lumMod val="50000"/>
+            </a:schemeClr>
+          </a:solidFill>
           <a:ln>
             <a:solidFill>
-              <a:schemeClr val="tx1"/>
+              <a:schemeClr val="bg1">
+                <a:lumMod val="50000"/>
+              </a:schemeClr>
             </a:solidFill>
           </a:ln>
+          <a:scene3d>
+            <a:camera prst="isometricOffAxis1Right"/>
+            <a:lightRig rig="threePt" dir="t"/>
+          </a:scene3d>
+          <a:sp3d extrusionH="127000" contourW="12700">
+            <a:bevelT w="152400" h="152400"/>
+            <a:bevelB w="152400" h="152400"/>
+            <a:extrusionClr>
+              <a:schemeClr val="bg1"/>
+            </a:extrusionClr>
+            <a:contourClr>
+              <a:schemeClr val="bg1"/>
+            </a:contourClr>
+          </a:sp3d>
         </p:spPr>
         <p:style>
           <a:lnRef idx="2">
@@ -3708,92 +5346,128 @@
           <a:lstStyle/>
           <a:p>
             <a:pPr algn="ctr"/>
-            <a:endParaRPr lang="zh-CN" altLang="en-US" dirty="0">
-              <a:solidFill>
-                <a:schemeClr val="tx1"/>
-              </a:solidFill>
-            </a:endParaRPr>
-          </a:p>
-        </p:txBody>
-      </p:sp>
-      <p:sp>
-        <p:nvSpPr>
-          <p:cNvPr id="28" name="饼形 27"/>
+            <a:endParaRPr lang="zh-CN" altLang="en-US"/>
+          </a:p>
+        </p:txBody>
+      </p:sp>
+      <p:pic>
+        <p:nvPicPr>
+          <p:cNvPr id="9" name="图片 8"/>
+          <p:cNvPicPr>
+            <a:picLocks noChangeAspect="1"/>
+          </p:cNvPicPr>
+          <p:nvPr/>
+        </p:nvPicPr>
+        <p:blipFill>
+          <a:blip r:embed="rId5" cstate="print">
+            <a:extLst>
+              <a:ext uri="{28A0092B-C50C-407E-A947-70E740481C1C}">
+                <a14:useLocalDpi xmlns:a14="http://schemas.microsoft.com/office/drawing/2010/main" val="0"/>
+              </a:ext>
+            </a:extLst>
+          </a:blip>
+          <a:stretch>
+            <a:fillRect/>
+          </a:stretch>
+        </p:blipFill>
+        <p:spPr>
+          <a:xfrm>
+            <a:off x="35496" y="1412776"/>
+            <a:ext cx="2699792" cy="2551662"/>
+          </a:xfrm>
+          <a:prstGeom prst="rect">
+            <a:avLst/>
+          </a:prstGeom>
+          <a:scene3d>
+            <a:camera prst="orthographicFront">
+              <a:rot lat="1140000" lon="20040000" rev="0"/>
+            </a:camera>
+            <a:lightRig rig="threePt" dir="t"/>
+          </a:scene3d>
+        </p:spPr>
+      </p:pic>
+      <p:pic>
+        <p:nvPicPr>
+          <p:cNvPr id="10" name="图片 9"/>
+          <p:cNvPicPr>
+            <a:picLocks noChangeAspect="1"/>
+          </p:cNvPicPr>
+          <p:nvPr/>
+        </p:nvPicPr>
+        <p:blipFill>
+          <a:blip r:embed="rId6" cstate="print">
+            <a:extLst>
+              <a:ext uri="{28A0092B-C50C-407E-A947-70E740481C1C}">
+                <a14:useLocalDpi xmlns:a14="http://schemas.microsoft.com/office/drawing/2010/main" val="0"/>
+              </a:ext>
+            </a:extLst>
+          </a:blip>
+          <a:stretch>
+            <a:fillRect/>
+          </a:stretch>
+        </p:blipFill>
+        <p:spPr>
+          <a:xfrm>
+            <a:off x="2843808" y="980728"/>
+            <a:ext cx="2952328" cy="2592288"/>
+          </a:xfrm>
+          <a:prstGeom prst="rect">
+            <a:avLst/>
+          </a:prstGeom>
+          <a:scene3d>
+            <a:camera prst="orthographicFront">
+              <a:rot lat="1140000" lon="20040000" rev="0"/>
+            </a:camera>
+            <a:lightRig rig="threePt" dir="t"/>
+          </a:scene3d>
+        </p:spPr>
+      </p:pic>
+      <p:pic>
+        <p:nvPicPr>
+          <p:cNvPr id="11" name="图片 10"/>
+          <p:cNvPicPr>
+            <a:picLocks noChangeAspect="1"/>
+          </p:cNvPicPr>
+          <p:nvPr/>
+        </p:nvPicPr>
+        <p:blipFill>
+          <a:blip r:embed="rId7">
+            <a:extLst>
+              <a:ext uri="{28A0092B-C50C-407E-A947-70E740481C1C}">
+                <a14:useLocalDpi xmlns:a14="http://schemas.microsoft.com/office/drawing/2010/main" val="0"/>
+              </a:ext>
+            </a:extLst>
+          </a:blip>
+          <a:stretch>
+            <a:fillRect/>
+          </a:stretch>
+        </p:blipFill>
+        <p:spPr>
+          <a:xfrm>
+            <a:off x="5652120" y="476672"/>
+            <a:ext cx="3672408" cy="2520280"/>
+          </a:xfrm>
+          <a:prstGeom prst="rect">
+            <a:avLst/>
+          </a:prstGeom>
+          <a:scene3d>
+            <a:camera prst="orthographicFront">
+              <a:rot lat="1140000" lon="20040000" rev="0"/>
+            </a:camera>
+            <a:lightRig rig="threePt" dir="t"/>
+          </a:scene3d>
+        </p:spPr>
+      </p:pic>
+      <p:sp>
+        <p:nvSpPr>
+          <p:cNvPr id="13" name="椭圆 12"/>
           <p:cNvSpPr/>
           <p:nvPr/>
         </p:nvSpPr>
         <p:spPr>
           <a:xfrm>
-            <a:off x="4572000" y="1700808"/>
-            <a:ext cx="4392488" cy="4536504"/>
-          </a:xfrm>
-          <a:prstGeom prst="pie">
-            <a:avLst>
-              <a:gd name="adj1" fmla="val 21593441"/>
-              <a:gd name="adj2" fmla="val 5394955"/>
-            </a:avLst>
-          </a:prstGeom>
-          <a:gradFill flip="none" rotWithShape="1">
-            <a:gsLst>
-              <a:gs pos="6000">
-                <a:schemeClr val="bg1">
-                  <a:lumMod val="95000"/>
-                </a:schemeClr>
-              </a:gs>
-              <a:gs pos="100000">
-                <a:srgbClr val="FFFF00"/>
-              </a:gs>
-            </a:gsLst>
-            <a:path path="circle">
-              <a:fillToRect r="100000" b="100000"/>
-            </a:path>
-            <a:tileRect l="-100000" t="-100000"/>
-          </a:gradFill>
-          <a:ln>
-            <a:solidFill>
-              <a:schemeClr val="tx1"/>
-            </a:solidFill>
-          </a:ln>
-        </p:spPr>
-        <p:style>
-          <a:lnRef idx="2">
-            <a:schemeClr val="accent1">
-              <a:shade val="50000"/>
-            </a:schemeClr>
-          </a:lnRef>
-          <a:fillRef idx="1">
-            <a:schemeClr val="accent1"/>
-          </a:fillRef>
-          <a:effectRef idx="0">
-            <a:schemeClr val="accent1"/>
-          </a:effectRef>
-          <a:fontRef idx="minor">
-            <a:schemeClr val="lt1"/>
-          </a:fontRef>
-        </p:style>
-        <p:txBody>
-          <a:bodyPr rtlCol="0" anchor="ctr"/>
-          <a:lstStyle/>
-          <a:p>
-            <a:pPr algn="ctr"/>
-            <a:endParaRPr lang="zh-CN" altLang="en-US">
-              <a:solidFill>
-                <a:schemeClr val="tx1"/>
-              </a:solidFill>
-            </a:endParaRPr>
-          </a:p>
-        </p:txBody>
-      </p:sp>
-      <p:sp>
-        <p:nvSpPr>
-          <p:cNvPr id="29" name="椭圆 28"/>
-          <p:cNvSpPr/>
-          <p:nvPr/>
-        </p:nvSpPr>
-        <p:spPr>
-          <a:xfrm>
-            <a:off x="6336196" y="3584848"/>
-            <a:ext cx="864096" cy="768424"/>
+            <a:off x="3110857" y="67019"/>
+            <a:ext cx="1203520" cy="960359"/>
           </a:xfrm>
           <a:prstGeom prst="ellipse">
             <a:avLst/>
@@ -3820,6 +5494,11 @@
               <a:fillToRect r="100000" b="100000"/>
             </a:path>
           </a:gradFill>
+          <a:ln>
+            <a:solidFill>
+              <a:schemeClr val="tx1"/>
+            </a:solidFill>
+          </a:ln>
         </p:spPr>
         <p:style>
           <a:lnRef idx="2">
@@ -3848,14 +5527,14 @@
       </p:sp>
       <p:pic>
         <p:nvPicPr>
-          <p:cNvPr id="30" name="图片 29"/>
+          <p:cNvPr id="14" name="图片 13"/>
           <p:cNvPicPr>
             <a:picLocks noChangeAspect="1"/>
           </p:cNvPicPr>
           <p:nvPr/>
         </p:nvPicPr>
         <p:blipFill>
-          <a:blip r:embed="rId2" cstate="print">
+          <a:blip r:embed="rId8">
             <a:extLst>
               <a:ext uri="{28A0092B-C50C-407E-A947-70E740481C1C}">
                 <a14:useLocalDpi xmlns:a14="http://schemas.microsoft.com/office/drawing/2010/main" val="0"/>
@@ -3868,8 +5547,8 @@
         </p:blipFill>
         <p:spPr>
           <a:xfrm>
-            <a:off x="6012160" y="3540299"/>
-            <a:ext cx="1440159" cy="871915"/>
+            <a:off x="2627784" y="-171400"/>
+            <a:ext cx="2088232" cy="1375234"/>
           </a:xfrm>
           <a:prstGeom prst="rect">
             <a:avLst/>
@@ -3878,528 +5557,44 @@
       </p:pic>
       <p:sp>
         <p:nvSpPr>
-          <p:cNvPr id="32" name="TextBox 31"/>
-          <p:cNvSpPr txBox="1"/>
+          <p:cNvPr id="15" name="椭圆 14"/>
+          <p:cNvSpPr/>
           <p:nvPr/>
         </p:nvSpPr>
         <p:spPr>
           <a:xfrm>
-            <a:off x="1763688" y="1024095"/>
-            <a:ext cx="6142123" cy="461665"/>
-          </a:xfrm>
-          <a:prstGeom prst="rect">
+            <a:off x="1341120" y="67020"/>
+            <a:ext cx="1347536" cy="1234380"/>
+          </a:xfrm>
+          <a:prstGeom prst="ellipse">
             <a:avLst/>
           </a:prstGeom>
-          <a:noFill/>
-        </p:spPr>
-        <p:txBody>
-          <a:bodyPr wrap="square" rtlCol="0">
-            <a:spAutoFit/>
-          </a:bodyPr>
-          <a:lstStyle/>
-          <a:p>
-            <a:r>
-              <a:rPr lang="zh-CN" altLang="en-US" sz="1200" dirty="0" smtClean="0">
-                <a:solidFill>
-                  <a:schemeClr val="bg1"/>
-                </a:solidFill>
-                <a:latin typeface="微软雅黑" pitchFamily="34" charset="-122"/>
-                <a:ea typeface="微软雅黑" pitchFamily="34" charset="-122"/>
-              </a:rPr>
-              <a:t>听说你玩</a:t>
-            </a:r>
-            <a:r>
-              <a:rPr lang="en-US" altLang="zh-CN" sz="1200" dirty="0">
-                <a:solidFill>
-                  <a:schemeClr val="bg1"/>
-                </a:solidFill>
-                <a:latin typeface="微软雅黑" pitchFamily="34" charset="-122"/>
-                <a:ea typeface="微软雅黑" pitchFamily="34" charset="-122"/>
-              </a:rPr>
-              <a:t> </a:t>
-            </a:r>
-            <a:r>
-              <a:rPr lang="en-US" altLang="zh-CN" sz="1200" dirty="0" smtClean="0">
-                <a:solidFill>
-                  <a:schemeClr val="bg1"/>
-                </a:solidFill>
-                <a:latin typeface="微软雅黑" pitchFamily="34" charset="-122"/>
-                <a:ea typeface="微软雅黑" pitchFamily="34" charset="-122"/>
-              </a:rPr>
-              <a:t>“</a:t>
-            </a:r>
-            <a:r>
-              <a:rPr lang="zh-CN" altLang="en-US" sz="1200" dirty="0" smtClean="0">
-                <a:solidFill>
-                  <a:schemeClr val="bg1"/>
-                </a:solidFill>
-                <a:latin typeface="微软雅黑" pitchFamily="34" charset="-122"/>
-                <a:ea typeface="微软雅黑" pitchFamily="34" charset="-122"/>
-              </a:rPr>
-              <a:t>农药</a:t>
-            </a:r>
-            <a:r>
-              <a:rPr lang="en-US" altLang="zh-CN" sz="1200" dirty="0" smtClean="0">
-                <a:solidFill>
-                  <a:schemeClr val="bg1"/>
-                </a:solidFill>
-                <a:latin typeface="微软雅黑" pitchFamily="34" charset="-122"/>
-                <a:ea typeface="微软雅黑" pitchFamily="34" charset="-122"/>
-              </a:rPr>
-              <a:t>”</a:t>
-            </a:r>
-            <a:r>
-              <a:rPr lang="zh-CN" altLang="en-US" sz="1200" dirty="0" smtClean="0">
-                <a:solidFill>
-                  <a:schemeClr val="bg1"/>
-                </a:solidFill>
-                <a:latin typeface="微软雅黑" pitchFamily="34" charset="-122"/>
-                <a:ea typeface="微软雅黑" pitchFamily="34" charset="-122"/>
-              </a:rPr>
-              <a:t>，</a:t>
-            </a:r>
-            <a:r>
-              <a:rPr lang="en-US" altLang="zh-CN" sz="1200" dirty="0" smtClean="0">
-                <a:solidFill>
-                  <a:schemeClr val="bg1"/>
-                </a:solidFill>
-                <a:latin typeface="微软雅黑" pitchFamily="34" charset="-122"/>
-                <a:ea typeface="微软雅黑" pitchFamily="34" charset="-122"/>
-              </a:rPr>
-              <a:t>Do you want to create you own “</a:t>
-            </a:r>
-            <a:r>
-              <a:rPr lang="zh-CN" altLang="en-US" sz="1200" dirty="0" smtClean="0">
-                <a:solidFill>
-                  <a:schemeClr val="bg1"/>
-                </a:solidFill>
-                <a:latin typeface="微软雅黑" pitchFamily="34" charset="-122"/>
-                <a:ea typeface="微软雅黑" pitchFamily="34" charset="-122"/>
-              </a:rPr>
-              <a:t>农药</a:t>
-            </a:r>
-            <a:r>
-              <a:rPr lang="en-US" altLang="zh-CN" sz="1200" dirty="0" smtClean="0">
-                <a:solidFill>
-                  <a:schemeClr val="bg1"/>
-                </a:solidFill>
-                <a:latin typeface="微软雅黑" pitchFamily="34" charset="-122"/>
-                <a:ea typeface="微软雅黑" pitchFamily="34" charset="-122"/>
-              </a:rPr>
-              <a:t>”. I believe Dom Tech is Your choice</a:t>
-            </a:r>
-            <a:endParaRPr lang="zh-CN" altLang="en-US" sz="1200" dirty="0">
-              <a:solidFill>
-                <a:schemeClr val="bg1"/>
-              </a:solidFill>
-              <a:latin typeface="微软雅黑" pitchFamily="34" charset="-122"/>
-              <a:ea typeface="微软雅黑" pitchFamily="34" charset="-122"/>
-            </a:endParaRPr>
-          </a:p>
-        </p:txBody>
-      </p:sp>
-      <p:sp>
-        <p:nvSpPr>
-          <p:cNvPr id="34" name="TextBox 33"/>
-          <p:cNvSpPr txBox="1"/>
-          <p:nvPr/>
-        </p:nvSpPr>
-        <p:spPr>
-          <a:xfrm>
-            <a:off x="2161536" y="2334652"/>
-            <a:ext cx="1561581" cy="892552"/>
-          </a:xfrm>
-          <a:prstGeom prst="rect">
-            <a:avLst/>
-          </a:prstGeom>
-          <a:noFill/>
-        </p:spPr>
-        <p:txBody>
-          <a:bodyPr wrap="none" rtlCol="0">
-            <a:spAutoFit/>
-          </a:bodyPr>
-          <a:lstStyle/>
-          <a:p>
-            <a:r>
-              <a:rPr lang="en-US" altLang="zh-CN" sz="2400" dirty="0">
-                <a:solidFill>
-                  <a:srgbClr val="FF0000"/>
-                </a:solidFill>
-                <a:latin typeface="微软雅黑" pitchFamily="34" charset="-122"/>
-                <a:ea typeface="微软雅黑" pitchFamily="34" charset="-122"/>
-              </a:rPr>
-              <a:t>Pay</a:t>
-            </a:r>
-            <a:r>
-              <a:rPr lang="en-US" altLang="zh-CN" sz="1400" dirty="0">
-                <a:solidFill>
-                  <a:schemeClr val="bg1"/>
-                </a:solidFill>
-                <a:latin typeface="微软雅黑" pitchFamily="34" charset="-122"/>
-                <a:ea typeface="微软雅黑" pitchFamily="34" charset="-122"/>
-              </a:rPr>
-              <a:t> your Taxi </a:t>
-            </a:r>
-            <a:endParaRPr lang="en-US" altLang="zh-CN" sz="1400" dirty="0" smtClean="0">
-              <a:solidFill>
-                <a:schemeClr val="bg1"/>
-              </a:solidFill>
-              <a:latin typeface="微软雅黑" pitchFamily="34" charset="-122"/>
-              <a:ea typeface="微软雅黑" pitchFamily="34" charset="-122"/>
-            </a:endParaRPr>
-          </a:p>
-          <a:p>
-            <a:pPr algn="ctr"/>
-            <a:r>
-              <a:rPr lang="en-US" altLang="zh-CN" sz="1400" dirty="0" smtClean="0">
-                <a:solidFill>
-                  <a:schemeClr val="bg1"/>
-                </a:solidFill>
-                <a:latin typeface="微软雅黑" pitchFamily="34" charset="-122"/>
-                <a:ea typeface="微软雅黑" pitchFamily="34" charset="-122"/>
-              </a:rPr>
-              <a:t>Expense</a:t>
-            </a:r>
-            <a:endParaRPr lang="zh-CN" altLang="en-US" sz="1400" dirty="0">
-              <a:solidFill>
-                <a:schemeClr val="bg1"/>
-              </a:solidFill>
-              <a:latin typeface="微软雅黑" pitchFamily="34" charset="-122"/>
-              <a:ea typeface="微软雅黑" pitchFamily="34" charset="-122"/>
-            </a:endParaRPr>
-          </a:p>
-          <a:p>
-            <a:endParaRPr lang="zh-CN" altLang="en-US" sz="1400" dirty="0">
-              <a:solidFill>
-                <a:schemeClr val="bg1"/>
-              </a:solidFill>
-              <a:latin typeface="微软雅黑" pitchFamily="34" charset="-122"/>
-              <a:ea typeface="微软雅黑" pitchFamily="34" charset="-122"/>
-            </a:endParaRPr>
-          </a:p>
-        </p:txBody>
-      </p:sp>
-      <p:sp>
-        <p:nvSpPr>
-          <p:cNvPr id="36" name="TextBox 35"/>
-          <p:cNvSpPr txBox="1"/>
-          <p:nvPr/>
-        </p:nvSpPr>
-        <p:spPr>
-          <a:xfrm>
-            <a:off x="1575723" y="5323698"/>
-            <a:ext cx="1615955" cy="1107996"/>
-          </a:xfrm>
-          <a:prstGeom prst="rect">
-            <a:avLst/>
-          </a:prstGeom>
-          <a:noFill/>
-        </p:spPr>
-        <p:txBody>
-          <a:bodyPr wrap="none" rtlCol="0">
-            <a:spAutoFit/>
-          </a:bodyPr>
-          <a:lstStyle/>
-          <a:p>
-            <a:pPr algn="ctr"/>
-            <a:r>
-              <a:rPr lang="en-US" altLang="zh-CN" sz="2400" b="1" dirty="0" smtClean="0">
-                <a:solidFill>
-                  <a:srgbClr val="FF0000"/>
-                </a:solidFill>
-                <a:latin typeface="微软雅黑" pitchFamily="34" charset="-122"/>
-                <a:ea typeface="微软雅黑" pitchFamily="34" charset="-122"/>
-              </a:rPr>
-              <a:t>Now</a:t>
-            </a:r>
-          </a:p>
-          <a:p>
-            <a:pPr algn="ctr"/>
-            <a:r>
-              <a:rPr lang="en-US" altLang="zh-CN" sz="1400" dirty="0" smtClean="0">
-                <a:solidFill>
-                  <a:schemeClr val="bg1"/>
-                </a:solidFill>
-                <a:latin typeface="微软雅黑" pitchFamily="34" charset="-122"/>
-                <a:ea typeface="微软雅黑" pitchFamily="34" charset="-122"/>
-              </a:rPr>
-              <a:t>Create </a:t>
-            </a:r>
-            <a:r>
-              <a:rPr lang="en-US" altLang="zh-CN" sz="1400" dirty="0">
-                <a:solidFill>
-                  <a:schemeClr val="bg1"/>
-                </a:solidFill>
-                <a:latin typeface="微软雅黑" pitchFamily="34" charset="-122"/>
-                <a:ea typeface="微软雅黑" pitchFamily="34" charset="-122"/>
-              </a:rPr>
-              <a:t>you Own </a:t>
-            </a:r>
-          </a:p>
-          <a:p>
-            <a:pPr algn="ctr"/>
-            <a:r>
-              <a:rPr lang="en-US" altLang="zh-CN" sz="1400" dirty="0" smtClean="0">
-                <a:solidFill>
-                  <a:schemeClr val="bg1"/>
-                </a:solidFill>
-                <a:latin typeface="微软雅黑" pitchFamily="34" charset="-122"/>
-                <a:ea typeface="微软雅黑" pitchFamily="34" charset="-122"/>
-              </a:rPr>
-              <a:t>mobile </a:t>
-            </a:r>
-            <a:r>
-              <a:rPr lang="en-US" altLang="zh-CN" sz="1400" dirty="0">
-                <a:solidFill>
-                  <a:schemeClr val="bg1"/>
-                </a:solidFill>
-                <a:latin typeface="微软雅黑" pitchFamily="34" charset="-122"/>
-                <a:ea typeface="微软雅黑" pitchFamily="34" charset="-122"/>
-              </a:rPr>
-              <a:t>game</a:t>
-            </a:r>
-            <a:endParaRPr lang="zh-CN" altLang="en-US" sz="1400" dirty="0">
-              <a:solidFill>
-                <a:schemeClr val="bg1"/>
-              </a:solidFill>
-              <a:latin typeface="微软雅黑" pitchFamily="34" charset="-122"/>
-              <a:ea typeface="微软雅黑" pitchFamily="34" charset="-122"/>
-            </a:endParaRPr>
-          </a:p>
-          <a:p>
-            <a:pPr algn="ctr"/>
-            <a:endParaRPr lang="zh-CN" altLang="en-US" sz="1400" dirty="0">
-              <a:solidFill>
-                <a:schemeClr val="bg1"/>
-              </a:solidFill>
-            </a:endParaRPr>
-          </a:p>
-        </p:txBody>
-      </p:sp>
-      <p:sp>
-        <p:nvSpPr>
-          <p:cNvPr id="39" name="TextBox 38"/>
-          <p:cNvSpPr txBox="1"/>
-          <p:nvPr/>
-        </p:nvSpPr>
-        <p:spPr>
-          <a:xfrm rot="20551850">
-            <a:off x="4860032" y="3501008"/>
-            <a:ext cx="1723549" cy="246221"/>
-          </a:xfrm>
-          <a:prstGeom prst="rect">
-            <a:avLst/>
-          </a:prstGeom>
-          <a:noFill/>
-        </p:spPr>
-        <p:txBody>
-          <a:bodyPr wrap="none" rtlCol="0">
-            <a:spAutoFit/>
-          </a:bodyPr>
-          <a:lstStyle/>
-          <a:p>
-            <a:r>
-              <a:rPr lang="zh-CN" altLang="en-US" sz="1000" dirty="0" smtClean="0">
-                <a:solidFill>
-                  <a:schemeClr val="bg1">
-                    <a:lumMod val="65000"/>
-                  </a:schemeClr>
-                </a:solidFill>
-                <a:latin typeface="微软雅黑" pitchFamily="34" charset="-122"/>
-                <a:ea typeface="微软雅黑" pitchFamily="34" charset="-122"/>
-              </a:rPr>
-              <a:t>了解游戏公司对人才的需求</a:t>
-            </a:r>
-            <a:endParaRPr lang="zh-CN" altLang="en-US" sz="1000" dirty="0">
-              <a:solidFill>
-                <a:schemeClr val="bg1">
-                  <a:lumMod val="65000"/>
-                </a:schemeClr>
-              </a:solidFill>
-              <a:latin typeface="微软雅黑" pitchFamily="34" charset="-122"/>
-              <a:ea typeface="微软雅黑" pitchFamily="34" charset="-122"/>
-            </a:endParaRPr>
-          </a:p>
-        </p:txBody>
-      </p:sp>
-      <p:sp>
-        <p:nvSpPr>
-          <p:cNvPr id="40" name="TextBox 39"/>
-          <p:cNvSpPr txBox="1"/>
-          <p:nvPr/>
-        </p:nvSpPr>
-        <p:spPr>
-          <a:xfrm rot="2421745">
-            <a:off x="4722322" y="4655797"/>
-            <a:ext cx="2271904" cy="369332"/>
-          </a:xfrm>
-          <a:prstGeom prst="rect">
-            <a:avLst/>
-          </a:prstGeom>
-          <a:noFill/>
-        </p:spPr>
-        <p:txBody>
-          <a:bodyPr wrap="none" rtlCol="0">
-            <a:spAutoFit/>
-          </a:bodyPr>
-          <a:lstStyle/>
-          <a:p>
-            <a:r>
-              <a:rPr lang="en-US" altLang="zh-CN" b="1" dirty="0" smtClean="0">
-                <a:solidFill>
-                  <a:schemeClr val="tx1">
-                    <a:lumMod val="75000"/>
-                    <a:lumOff val="25000"/>
-                  </a:schemeClr>
-                </a:solidFill>
-                <a:latin typeface="微软雅黑" pitchFamily="34" charset="-122"/>
-                <a:ea typeface="微软雅黑" pitchFamily="34" charset="-122"/>
-              </a:rPr>
-              <a:t>Create your Game</a:t>
-            </a:r>
-            <a:endParaRPr lang="zh-CN" altLang="en-US" b="1" dirty="0">
-              <a:solidFill>
+          <a:gradFill>
+            <a:gsLst>
+              <a:gs pos="64000">
                 <a:schemeClr val="tx1">
-                  <a:lumMod val="75000"/>
-                  <a:lumOff val="25000"/>
-                </a:schemeClr>
-              </a:solidFill>
-              <a:latin typeface="微软雅黑" pitchFamily="34" charset="-122"/>
-              <a:ea typeface="微软雅黑" pitchFamily="34" charset="-122"/>
-            </a:endParaRPr>
-          </a:p>
-        </p:txBody>
-      </p:sp>
-      <p:sp>
-        <p:nvSpPr>
-          <p:cNvPr id="41" name="TextBox 40"/>
-          <p:cNvSpPr txBox="1"/>
-          <p:nvPr/>
-        </p:nvSpPr>
-        <p:spPr>
-          <a:xfrm rot="2139676">
-            <a:off x="6751193" y="2907096"/>
-            <a:ext cx="2024208" cy="400110"/>
-          </a:xfrm>
-          <a:prstGeom prst="rect">
-            <a:avLst/>
-          </a:prstGeom>
-          <a:noFill/>
-        </p:spPr>
-        <p:txBody>
-          <a:bodyPr wrap="none" rtlCol="0">
-            <a:spAutoFit/>
-          </a:bodyPr>
-          <a:lstStyle/>
-          <a:p>
-            <a:r>
-              <a:rPr lang="en-US" altLang="zh-CN" sz="2000" b="1" dirty="0" smtClean="0">
-                <a:solidFill>
-                  <a:srgbClr val="FFFF00"/>
-                </a:solidFill>
-                <a:latin typeface="微软雅黑" pitchFamily="34" charset="-122"/>
-                <a:ea typeface="微软雅黑" pitchFamily="34" charset="-122"/>
-              </a:rPr>
-              <a:t>Experience VR</a:t>
-            </a:r>
-            <a:endParaRPr lang="zh-CN" altLang="en-US" sz="2000" b="1" dirty="0">
-              <a:solidFill>
-                <a:srgbClr val="FFFF00"/>
-              </a:solidFill>
-              <a:latin typeface="微软雅黑" pitchFamily="34" charset="-122"/>
-              <a:ea typeface="微软雅黑" pitchFamily="34" charset="-122"/>
-            </a:endParaRPr>
-          </a:p>
-        </p:txBody>
-      </p:sp>
-      <p:sp>
-        <p:nvSpPr>
-          <p:cNvPr id="44" name="TextBox 43"/>
-          <p:cNvSpPr txBox="1"/>
-          <p:nvPr/>
-        </p:nvSpPr>
-        <p:spPr>
-          <a:xfrm>
-            <a:off x="0" y="1686976"/>
-            <a:ext cx="2507097" cy="369332"/>
-          </a:xfrm>
-          <a:prstGeom prst="rect">
-            <a:avLst/>
-          </a:prstGeom>
-          <a:noFill/>
-        </p:spPr>
-        <p:txBody>
-          <a:bodyPr wrap="none" rtlCol="0">
-            <a:spAutoFit/>
-          </a:bodyPr>
-          <a:lstStyle/>
-          <a:p>
-            <a:r>
-              <a:rPr lang="zh-CN" altLang="en-US" b="1" dirty="0" smtClean="0">
-                <a:solidFill>
-                  <a:srgbClr val="00B0F0"/>
-                </a:solidFill>
-                <a:latin typeface="微软雅黑" pitchFamily="34" charset="-122"/>
-                <a:ea typeface="微软雅黑" pitchFamily="34" charset="-122"/>
-              </a:rPr>
-              <a:t>多米科技 </a:t>
-            </a:r>
-            <a:r>
-              <a:rPr lang="en-US" altLang="zh-CN" b="1" dirty="0" smtClean="0">
-                <a:solidFill>
-                  <a:srgbClr val="00B0F0"/>
-                </a:solidFill>
-                <a:latin typeface="微软雅黑" pitchFamily="34" charset="-122"/>
-                <a:ea typeface="微软雅黑" pitchFamily="34" charset="-122"/>
-              </a:rPr>
-              <a:t>~Dom Tech</a:t>
-            </a:r>
-            <a:endParaRPr lang="zh-CN" altLang="en-US" b="1" dirty="0">
-              <a:solidFill>
-                <a:srgbClr val="00B0F0"/>
-              </a:solidFill>
-              <a:latin typeface="微软雅黑" pitchFamily="34" charset="-122"/>
-              <a:ea typeface="微软雅黑" pitchFamily="34" charset="-122"/>
-            </a:endParaRPr>
-          </a:p>
-        </p:txBody>
-      </p:sp>
-      <p:sp>
-        <p:nvSpPr>
-          <p:cNvPr id="45" name="右箭头 44"/>
-          <p:cNvSpPr/>
-          <p:nvPr/>
-        </p:nvSpPr>
-        <p:spPr>
-          <a:xfrm rot="16200000" flipH="1">
-            <a:off x="929510" y="2348880"/>
-            <a:ext cx="648073" cy="504055"/>
-          </a:xfrm>
-          <a:prstGeom prst="rightArrow">
-            <a:avLst/>
-          </a:prstGeom>
-          <a:gradFill flip="none" rotWithShape="1">
-            <a:gsLst>
-              <a:gs pos="2000">
-                <a:schemeClr val="bg1">
-                  <a:lumMod val="65000"/>
+                  <a:lumMod val="85000"/>
+                  <a:lumOff val="15000"/>
                 </a:schemeClr>
               </a:gs>
-              <a:gs pos="25000">
+              <a:gs pos="31000">
                 <a:schemeClr val="tx1">
-                  <a:lumMod val="49000"/>
-                  <a:lumOff val="51000"/>
+                  <a:lumMod val="50000"/>
+                  <a:lumOff val="50000"/>
                 </a:schemeClr>
               </a:gs>
-              <a:gs pos="98000">
+              <a:gs pos="100000">
                 <a:schemeClr val="tx1"/>
               </a:gs>
             </a:gsLst>
-            <a:lin ang="10800000" scaled="1"/>
-            <a:tileRect/>
+            <a:path path="circle">
+              <a:fillToRect r="100000" b="100000"/>
+            </a:path>
           </a:gradFill>
           <a:ln>
-            <a:noFill/>
+            <a:solidFill>
+              <a:schemeClr val="tx1"/>
+            </a:solidFill>
           </a:ln>
         </p:spPr>
         <p:style>
@@ -4423,139 +5618,50 @@
           <a:lstStyle/>
           <a:p>
             <a:pPr algn="ctr"/>
-            <a:endParaRPr lang="zh-CN" altLang="en-US"/>
-          </a:p>
-        </p:txBody>
-      </p:sp>
-      <p:sp>
-        <p:nvSpPr>
-          <p:cNvPr id="46" name="TextBox 45"/>
-          <p:cNvSpPr txBox="1"/>
+            <a:r>
+              <a:rPr lang="en-US" altLang="zh-CN" dirty="0" smtClean="0"/>
+              <a:t>Dom Tech</a:t>
+            </a:r>
+            <a:endParaRPr lang="zh-CN" altLang="en-US" dirty="0"/>
+          </a:p>
+        </p:txBody>
+      </p:sp>
+      <p:sp>
+        <p:nvSpPr>
+          <p:cNvPr id="16" name="椭圆 15"/>
+          <p:cNvSpPr/>
           <p:nvPr/>
         </p:nvSpPr>
         <p:spPr>
-          <a:xfrm rot="20391380">
-            <a:off x="4840358" y="2509446"/>
-            <a:ext cx="2016578" cy="830997"/>
-          </a:xfrm>
-          <a:prstGeom prst="rect">
+          <a:xfrm>
+            <a:off x="4788024" y="67019"/>
+            <a:ext cx="1008112" cy="762102"/>
+          </a:xfrm>
+          <a:prstGeom prst="ellipse">
             <a:avLst/>
           </a:prstGeom>
-          <a:noFill/>
-        </p:spPr>
-        <p:txBody>
-          <a:bodyPr wrap="none" rtlCol="0">
-            <a:spAutoFit/>
-          </a:bodyPr>
-          <a:lstStyle/>
-          <a:p>
-            <a:r>
-              <a:rPr lang="en-US" altLang="zh-CN" sz="1600" dirty="0" smtClean="0">
-                <a:solidFill>
-                  <a:schemeClr val="bg1">
-                    <a:lumMod val="95000"/>
-                  </a:schemeClr>
-                </a:solidFill>
-                <a:latin typeface="微软雅黑" pitchFamily="34" charset="-122"/>
-                <a:ea typeface="微软雅黑" pitchFamily="34" charset="-122"/>
-              </a:rPr>
-              <a:t>You need to know </a:t>
-            </a:r>
-          </a:p>
-          <a:p>
-            <a:r>
-              <a:rPr lang="en-US" altLang="zh-CN" sz="1600" dirty="0" smtClean="0">
-                <a:solidFill>
-                  <a:schemeClr val="bg1">
-                    <a:lumMod val="95000"/>
-                  </a:schemeClr>
-                </a:solidFill>
-                <a:latin typeface="微软雅黑" pitchFamily="34" charset="-122"/>
-                <a:ea typeface="微软雅黑" pitchFamily="34" charset="-122"/>
-              </a:rPr>
-              <a:t>company </a:t>
-            </a:r>
-          </a:p>
-          <a:p>
-            <a:r>
-              <a:rPr lang="en-US" altLang="zh-CN" sz="1600" dirty="0" smtClean="0">
-                <a:solidFill>
-                  <a:schemeClr val="bg1">
-                    <a:lumMod val="95000"/>
-                  </a:schemeClr>
-                </a:solidFill>
-                <a:latin typeface="微软雅黑" pitchFamily="34" charset="-122"/>
-                <a:ea typeface="微软雅黑" pitchFamily="34" charset="-122"/>
-              </a:rPr>
-              <a:t>requirements</a:t>
-            </a:r>
-            <a:endParaRPr lang="zh-CN" altLang="en-US" sz="1600" dirty="0">
-              <a:solidFill>
-                <a:schemeClr val="bg1">
-                  <a:lumMod val="95000"/>
+          <a:gradFill>
+            <a:gsLst>
+              <a:gs pos="64000">
+                <a:schemeClr val="tx1">
+                  <a:lumMod val="85000"/>
+                  <a:lumOff val="15000"/>
                 </a:schemeClr>
-              </a:solidFill>
-              <a:latin typeface="微软雅黑" pitchFamily="34" charset="-122"/>
-              <a:ea typeface="微软雅黑" pitchFamily="34" charset="-122"/>
-            </a:endParaRPr>
-          </a:p>
-        </p:txBody>
-      </p:sp>
-      <p:sp>
-        <p:nvSpPr>
-          <p:cNvPr id="48" name="TextBox 47"/>
-          <p:cNvSpPr txBox="1"/>
-          <p:nvPr/>
-        </p:nvSpPr>
-        <p:spPr>
-          <a:xfrm rot="2494648">
-            <a:off x="4755068" y="4949314"/>
-            <a:ext cx="1605376" cy="369332"/>
-          </a:xfrm>
-          <a:prstGeom prst="rect">
-            <a:avLst/>
-          </a:prstGeom>
-          <a:noFill/>
-        </p:spPr>
-        <p:txBody>
-          <a:bodyPr wrap="none" rtlCol="0">
-            <a:spAutoFit/>
-          </a:bodyPr>
-          <a:lstStyle/>
-          <a:p>
-            <a:r>
-              <a:rPr lang="en-US" altLang="zh-CN" b="1" dirty="0" smtClean="0">
-                <a:solidFill>
-                  <a:schemeClr val="bg1"/>
-                </a:solidFill>
-              </a:rPr>
-              <a:t>Just three days</a:t>
-            </a:r>
-            <a:endParaRPr lang="zh-CN" altLang="en-US" b="1" dirty="0">
-              <a:solidFill>
-                <a:schemeClr val="bg1"/>
-              </a:solidFill>
-            </a:endParaRPr>
-          </a:p>
-        </p:txBody>
-      </p:sp>
-      <p:sp>
-        <p:nvSpPr>
-          <p:cNvPr id="49" name="笑脸 48"/>
-          <p:cNvSpPr/>
-          <p:nvPr/>
-        </p:nvSpPr>
-        <p:spPr>
-          <a:xfrm rot="2581486">
-            <a:off x="5919779" y="4244569"/>
-            <a:ext cx="467875" cy="504056"/>
-          </a:xfrm>
-          <a:prstGeom prst="smileyFace">
-            <a:avLst/>
-          </a:prstGeom>
-          <a:solidFill>
-            <a:srgbClr val="FFFF00"/>
-          </a:solidFill>
+              </a:gs>
+              <a:gs pos="31000">
+                <a:schemeClr val="tx1">
+                  <a:lumMod val="50000"/>
+                  <a:lumOff val="50000"/>
+                </a:schemeClr>
+              </a:gs>
+              <a:gs pos="100000">
+                <a:schemeClr val="tx1"/>
+              </a:gs>
+            </a:gsLst>
+            <a:path path="circle">
+              <a:fillToRect r="100000" b="100000"/>
+            </a:path>
+          </a:gradFill>
           <a:ln>
             <a:solidFill>
               <a:schemeClr val="tx1"/>
@@ -4583,14 +5689,479 @@
           <a:lstStyle/>
           <a:p>
             <a:pPr algn="ctr"/>
-            <a:endParaRPr lang="zh-CN" altLang="en-US"/>
-          </a:p>
-        </p:txBody>
-      </p:sp>
+            <a:r>
+              <a:rPr lang="zh-CN" altLang="en-US" sz="1000" dirty="0">
+                <a:latin typeface="微软雅黑" pitchFamily="34" charset="-122"/>
+                <a:ea typeface="微软雅黑" pitchFamily="34" charset="-122"/>
+              </a:rPr>
+              <a:t>多米科技</a:t>
+            </a:r>
+            <a:endParaRPr lang="zh-CN" altLang="en-US" sz="1000" dirty="0">
+              <a:latin typeface="微软雅黑" pitchFamily="34" charset="-122"/>
+              <a:ea typeface="微软雅黑" pitchFamily="34" charset="-122"/>
+            </a:endParaRPr>
+          </a:p>
+        </p:txBody>
+      </p:sp>
+      <p:sp>
+        <p:nvSpPr>
+          <p:cNvPr id="17" name="椭圆 16"/>
+          <p:cNvSpPr/>
+          <p:nvPr/>
+        </p:nvSpPr>
+        <p:spPr>
+          <a:xfrm>
+            <a:off x="4788024" y="6051274"/>
+            <a:ext cx="1008112" cy="762102"/>
+          </a:xfrm>
+          <a:prstGeom prst="ellipse">
+            <a:avLst/>
+          </a:prstGeom>
+          <a:gradFill>
+            <a:gsLst>
+              <a:gs pos="64000">
+                <a:schemeClr val="tx1">
+                  <a:lumMod val="85000"/>
+                  <a:lumOff val="15000"/>
+                </a:schemeClr>
+              </a:gs>
+              <a:gs pos="31000">
+                <a:schemeClr val="tx1">
+                  <a:lumMod val="50000"/>
+                  <a:lumOff val="50000"/>
+                </a:schemeClr>
+              </a:gs>
+              <a:gs pos="100000">
+                <a:schemeClr val="tx1"/>
+              </a:gs>
+            </a:gsLst>
+            <a:path path="circle">
+              <a:fillToRect r="100000" b="100000"/>
+            </a:path>
+          </a:gradFill>
+          <a:ln>
+            <a:solidFill>
+              <a:schemeClr val="tx1"/>
+            </a:solidFill>
+          </a:ln>
+        </p:spPr>
+        <p:style>
+          <a:lnRef idx="2">
+            <a:schemeClr val="accent1">
+              <a:shade val="50000"/>
+            </a:schemeClr>
+          </a:lnRef>
+          <a:fillRef idx="1">
+            <a:schemeClr val="accent1"/>
+          </a:fillRef>
+          <a:effectRef idx="0">
+            <a:schemeClr val="accent1"/>
+          </a:effectRef>
+          <a:fontRef idx="minor">
+            <a:schemeClr val="lt1"/>
+          </a:fontRef>
+        </p:style>
+        <p:txBody>
+          <a:bodyPr rtlCol="0" anchor="ctr"/>
+          <a:lstStyle/>
+          <a:p>
+            <a:pPr algn="ctr"/>
+            <a:r>
+              <a:rPr lang="en-US" altLang="zh-CN" dirty="0" smtClean="0"/>
+              <a:t>Learn</a:t>
+            </a:r>
+            <a:endParaRPr lang="zh-CN" altLang="en-US" dirty="0"/>
+          </a:p>
+        </p:txBody>
+      </p:sp>
+      <p:sp>
+        <p:nvSpPr>
+          <p:cNvPr id="18" name="椭圆 17"/>
+          <p:cNvSpPr/>
+          <p:nvPr/>
+        </p:nvSpPr>
+        <p:spPr>
+          <a:xfrm>
+            <a:off x="6084168" y="5853017"/>
+            <a:ext cx="1203520" cy="960359"/>
+          </a:xfrm>
+          <a:prstGeom prst="ellipse">
+            <a:avLst/>
+          </a:prstGeom>
+          <a:gradFill>
+            <a:gsLst>
+              <a:gs pos="64000">
+                <a:schemeClr val="tx1">
+                  <a:lumMod val="85000"/>
+                  <a:lumOff val="15000"/>
+                </a:schemeClr>
+              </a:gs>
+              <a:gs pos="31000">
+                <a:schemeClr val="tx1">
+                  <a:lumMod val="50000"/>
+                  <a:lumOff val="50000"/>
+                </a:schemeClr>
+              </a:gs>
+              <a:gs pos="100000">
+                <a:schemeClr val="tx1"/>
+              </a:gs>
+            </a:gsLst>
+            <a:path path="circle">
+              <a:fillToRect r="100000" b="100000"/>
+            </a:path>
+          </a:gradFill>
+          <a:ln>
+            <a:solidFill>
+              <a:schemeClr val="tx1"/>
+            </a:solidFill>
+          </a:ln>
+        </p:spPr>
+        <p:style>
+          <a:lnRef idx="2">
+            <a:schemeClr val="accent1">
+              <a:shade val="50000"/>
+            </a:schemeClr>
+          </a:lnRef>
+          <a:fillRef idx="1">
+            <a:schemeClr val="accent1"/>
+          </a:fillRef>
+          <a:effectRef idx="0">
+            <a:schemeClr val="accent1"/>
+          </a:effectRef>
+          <a:fontRef idx="minor">
+            <a:schemeClr val="lt1"/>
+          </a:fontRef>
+        </p:style>
+        <p:txBody>
+          <a:bodyPr rtlCol="0" anchor="ctr"/>
+          <a:lstStyle/>
+          <a:p>
+            <a:pPr algn="ctr"/>
+            <a:r>
+              <a:rPr lang="en-US" altLang="zh-CN" dirty="0" smtClean="0"/>
+              <a:t>Create</a:t>
+            </a:r>
+            <a:endParaRPr lang="zh-CN" altLang="en-US" dirty="0"/>
+          </a:p>
+        </p:txBody>
+      </p:sp>
+      <p:sp>
+        <p:nvSpPr>
+          <p:cNvPr id="19" name="椭圆 18"/>
+          <p:cNvSpPr/>
+          <p:nvPr/>
+        </p:nvSpPr>
+        <p:spPr>
+          <a:xfrm>
+            <a:off x="7668344" y="5578996"/>
+            <a:ext cx="1347536" cy="1234380"/>
+          </a:xfrm>
+          <a:prstGeom prst="ellipse">
+            <a:avLst/>
+          </a:prstGeom>
+          <a:gradFill>
+            <a:gsLst>
+              <a:gs pos="64000">
+                <a:schemeClr val="tx1">
+                  <a:lumMod val="85000"/>
+                  <a:lumOff val="15000"/>
+                </a:schemeClr>
+              </a:gs>
+              <a:gs pos="31000">
+                <a:schemeClr val="tx1">
+                  <a:lumMod val="50000"/>
+                  <a:lumOff val="50000"/>
+                </a:schemeClr>
+              </a:gs>
+              <a:gs pos="100000">
+                <a:schemeClr val="tx1"/>
+              </a:gs>
+            </a:gsLst>
+            <a:path path="circle">
+              <a:fillToRect r="100000" b="100000"/>
+            </a:path>
+          </a:gradFill>
+          <a:ln>
+            <a:solidFill>
+              <a:schemeClr val="tx1"/>
+            </a:solidFill>
+          </a:ln>
+        </p:spPr>
+        <p:style>
+          <a:lnRef idx="2">
+            <a:schemeClr val="accent1">
+              <a:shade val="50000"/>
+            </a:schemeClr>
+          </a:lnRef>
+          <a:fillRef idx="1">
+            <a:schemeClr val="accent1"/>
+          </a:fillRef>
+          <a:effectRef idx="0">
+            <a:schemeClr val="accent1"/>
+          </a:effectRef>
+          <a:fontRef idx="minor">
+            <a:schemeClr val="lt1"/>
+          </a:fontRef>
+        </p:style>
+        <p:txBody>
+          <a:bodyPr rtlCol="0" anchor="ctr"/>
+          <a:lstStyle/>
+          <a:p>
+            <a:pPr algn="ctr"/>
+            <a:r>
+              <a:rPr lang="en-US" altLang="zh-CN" dirty="0" smtClean="0"/>
+              <a:t>Share</a:t>
+            </a:r>
+            <a:endParaRPr lang="zh-CN" altLang="en-US" dirty="0"/>
+          </a:p>
+        </p:txBody>
+      </p:sp>
+      <p:cxnSp>
+        <p:nvCxnSpPr>
+          <p:cNvPr id="21" name="直接连接符 20"/>
+          <p:cNvCxnSpPr/>
+          <p:nvPr/>
+        </p:nvCxnSpPr>
+        <p:spPr>
+          <a:xfrm flipV="1">
+            <a:off x="2699792" y="547198"/>
+            <a:ext cx="411065" cy="137012"/>
+          </a:xfrm>
+          <a:prstGeom prst="line">
+            <a:avLst/>
+          </a:prstGeom>
+          <a:ln>
+            <a:gradFill flip="none" rotWithShape="1">
+              <a:gsLst>
+                <a:gs pos="52000">
+                  <a:schemeClr val="tx1">
+                    <a:lumMod val="75000"/>
+                    <a:lumOff val="25000"/>
+                  </a:schemeClr>
+                </a:gs>
+                <a:gs pos="0">
+                  <a:schemeClr val="bg1">
+                    <a:lumMod val="50000"/>
+                  </a:schemeClr>
+                </a:gs>
+                <a:gs pos="17000">
+                  <a:schemeClr val="tx1">
+                    <a:lumMod val="50000"/>
+                    <a:lumOff val="50000"/>
+                  </a:schemeClr>
+                </a:gs>
+                <a:gs pos="100000">
+                  <a:schemeClr val="tx1"/>
+                </a:gs>
+              </a:gsLst>
+              <a:lin ang="10800000" scaled="1"/>
+              <a:tileRect/>
+            </a:gradFill>
+            <a:tailEnd type="none"/>
+          </a:ln>
+        </p:spPr>
+        <p:style>
+          <a:lnRef idx="3">
+            <a:schemeClr val="accent3"/>
+          </a:lnRef>
+          <a:fillRef idx="0">
+            <a:schemeClr val="accent3"/>
+          </a:fillRef>
+          <a:effectRef idx="2">
+            <a:schemeClr val="accent3"/>
+          </a:effectRef>
+          <a:fontRef idx="minor">
+            <a:schemeClr val="tx1"/>
+          </a:fontRef>
+        </p:style>
+      </p:cxnSp>
+      <p:cxnSp>
+        <p:nvCxnSpPr>
+          <p:cNvPr id="22" name="直接连接符 21"/>
+          <p:cNvCxnSpPr>
+            <a:endCxn id="16" idx="2"/>
+          </p:cNvCxnSpPr>
+          <p:nvPr/>
+        </p:nvCxnSpPr>
+        <p:spPr>
+          <a:xfrm flipV="1">
+            <a:off x="4314456" y="448070"/>
+            <a:ext cx="473568" cy="97108"/>
+          </a:xfrm>
+          <a:prstGeom prst="line">
+            <a:avLst/>
+          </a:prstGeom>
+          <a:ln>
+            <a:gradFill flip="none" rotWithShape="1">
+              <a:gsLst>
+                <a:gs pos="52000">
+                  <a:schemeClr val="tx1">
+                    <a:lumMod val="75000"/>
+                    <a:lumOff val="25000"/>
+                  </a:schemeClr>
+                </a:gs>
+                <a:gs pos="0">
+                  <a:schemeClr val="bg1">
+                    <a:lumMod val="50000"/>
+                  </a:schemeClr>
+                </a:gs>
+                <a:gs pos="17000">
+                  <a:schemeClr val="tx1">
+                    <a:lumMod val="50000"/>
+                    <a:lumOff val="50000"/>
+                  </a:schemeClr>
+                </a:gs>
+                <a:gs pos="100000">
+                  <a:schemeClr val="tx1"/>
+                </a:gs>
+              </a:gsLst>
+              <a:lin ang="10800000" scaled="1"/>
+              <a:tileRect/>
+            </a:gradFill>
+            <a:tailEnd type="none"/>
+          </a:ln>
+        </p:spPr>
+        <p:style>
+          <a:lnRef idx="3">
+            <a:schemeClr val="accent3"/>
+          </a:lnRef>
+          <a:fillRef idx="0">
+            <a:schemeClr val="accent3"/>
+          </a:fillRef>
+          <a:effectRef idx="2">
+            <a:schemeClr val="accent3"/>
+          </a:effectRef>
+          <a:fontRef idx="minor">
+            <a:schemeClr val="tx1"/>
+          </a:fontRef>
+        </p:style>
+      </p:cxnSp>
+      <p:cxnSp>
+        <p:nvCxnSpPr>
+          <p:cNvPr id="25" name="直接连接符 24"/>
+          <p:cNvCxnSpPr>
+            <a:endCxn id="18" idx="2"/>
+          </p:cNvCxnSpPr>
+          <p:nvPr/>
+        </p:nvCxnSpPr>
+        <p:spPr>
+          <a:xfrm flipV="1">
+            <a:off x="5796136" y="6333197"/>
+            <a:ext cx="288032" cy="99128"/>
+          </a:xfrm>
+          <a:prstGeom prst="line">
+            <a:avLst/>
+          </a:prstGeom>
+          <a:ln>
+            <a:gradFill flip="none" rotWithShape="1">
+              <a:gsLst>
+                <a:gs pos="52000">
+                  <a:schemeClr val="tx1">
+                    <a:lumMod val="75000"/>
+                    <a:lumOff val="25000"/>
+                  </a:schemeClr>
+                </a:gs>
+                <a:gs pos="0">
+                  <a:schemeClr val="bg1">
+                    <a:lumMod val="50000"/>
+                  </a:schemeClr>
+                </a:gs>
+                <a:gs pos="17000">
+                  <a:schemeClr val="tx1">
+                    <a:lumMod val="50000"/>
+                    <a:lumOff val="50000"/>
+                  </a:schemeClr>
+                </a:gs>
+                <a:gs pos="100000">
+                  <a:schemeClr val="tx1"/>
+                </a:gs>
+              </a:gsLst>
+              <a:lin ang="10800000" scaled="1"/>
+              <a:tileRect/>
+            </a:gradFill>
+            <a:tailEnd type="none"/>
+          </a:ln>
+        </p:spPr>
+        <p:style>
+          <a:lnRef idx="3">
+            <a:schemeClr val="accent3"/>
+          </a:lnRef>
+          <a:fillRef idx="0">
+            <a:schemeClr val="accent3"/>
+          </a:fillRef>
+          <a:effectRef idx="2">
+            <a:schemeClr val="accent3"/>
+          </a:effectRef>
+          <a:fontRef idx="minor">
+            <a:schemeClr val="tx1"/>
+          </a:fontRef>
+        </p:style>
+      </p:cxnSp>
+      <p:cxnSp>
+        <p:nvCxnSpPr>
+          <p:cNvPr id="27" name="直接连接符 26"/>
+          <p:cNvCxnSpPr>
+            <a:stCxn id="18" idx="6"/>
+          </p:cNvCxnSpPr>
+          <p:nvPr/>
+        </p:nvCxnSpPr>
+        <p:spPr>
+          <a:xfrm flipV="1">
+            <a:off x="7287688" y="6234068"/>
+            <a:ext cx="380656" cy="99129"/>
+          </a:xfrm>
+          <a:prstGeom prst="line">
+            <a:avLst/>
+          </a:prstGeom>
+          <a:ln>
+            <a:gradFill flip="none" rotWithShape="1">
+              <a:gsLst>
+                <a:gs pos="52000">
+                  <a:schemeClr val="tx1">
+                    <a:lumMod val="75000"/>
+                    <a:lumOff val="25000"/>
+                  </a:schemeClr>
+                </a:gs>
+                <a:gs pos="0">
+                  <a:schemeClr val="bg1">
+                    <a:lumMod val="50000"/>
+                  </a:schemeClr>
+                </a:gs>
+                <a:gs pos="17000">
+                  <a:schemeClr val="tx1">
+                    <a:lumMod val="50000"/>
+                    <a:lumOff val="50000"/>
+                  </a:schemeClr>
+                </a:gs>
+                <a:gs pos="100000">
+                  <a:schemeClr val="tx1"/>
+                </a:gs>
+              </a:gsLst>
+              <a:lin ang="10800000" scaled="1"/>
+              <a:tileRect/>
+            </a:gradFill>
+            <a:tailEnd type="none"/>
+          </a:ln>
+        </p:spPr>
+        <p:style>
+          <a:lnRef idx="3">
+            <a:schemeClr val="accent3"/>
+          </a:lnRef>
+          <a:fillRef idx="0">
+            <a:schemeClr val="accent3"/>
+          </a:fillRef>
+          <a:effectRef idx="2">
+            <a:schemeClr val="accent3"/>
+          </a:effectRef>
+          <a:fontRef idx="minor">
+            <a:schemeClr val="tx1"/>
+          </a:fontRef>
+        </p:style>
+      </p:cxnSp>
     </p:spTree>
     <p:extLst>
       <p:ext uri="{BB962C8B-B14F-4D97-AF65-F5344CB8AC3E}">
-        <p14:creationId xmlns:p14="http://schemas.microsoft.com/office/powerpoint/2010/main" val="3548596523"/>
+        <p14:creationId xmlns:p14="http://schemas.microsoft.com/office/powerpoint/2010/main" val="394543911"/>
       </p:ext>
     </p:extLst>
   </p:cSld>
@@ -4889,9 +6460,32 @@
     <a:lnDef>
       <a:spPr>
         <a:ln>
-          <a:solidFill>
-            <a:schemeClr val="tx1"/>
-          </a:solidFill>
+          <a:gradFill flip="none" rotWithShape="1">
+            <a:gsLst>
+              <a:gs pos="52000">
+                <a:schemeClr val="tx1">
+                  <a:lumMod val="75000"/>
+                  <a:lumOff val="25000"/>
+                </a:schemeClr>
+              </a:gs>
+              <a:gs pos="0">
+                <a:schemeClr val="bg1">
+                  <a:lumMod val="50000"/>
+                </a:schemeClr>
+              </a:gs>
+              <a:gs pos="17000">
+                <a:schemeClr val="tx1">
+                  <a:lumMod val="50000"/>
+                  <a:lumOff val="50000"/>
+                </a:schemeClr>
+              </a:gs>
+              <a:gs pos="100000">
+                <a:schemeClr val="tx1"/>
+              </a:gs>
+            </a:gsLst>
+            <a:lin ang="10800000" scaled="1"/>
+            <a:tileRect/>
+          </a:gradFill>
           <a:tailEnd type="arrow"/>
         </a:ln>
       </a:spPr>

--- a/dom 宣传页.pptx
+++ b/dom 宣传页.pptx
@@ -4205,7 +4205,7 @@
         </p:nvSpPr>
         <p:spPr>
           <a:xfrm>
-            <a:off x="5228008" y="4848602"/>
+            <a:off x="4955346" y="4113064"/>
             <a:ext cx="1532920" cy="923330"/>
           </a:xfrm>
           <a:prstGeom prst="rect">
@@ -4222,7 +4222,7 @@
             <a:r>
               <a:rPr lang="en-US" altLang="zh-CN" b="1" dirty="0" smtClean="0">
                 <a:solidFill>
-                  <a:srgbClr val="7030A0"/>
+                  <a:srgbClr val="00B0F0"/>
                 </a:solidFill>
                 <a:latin typeface="微软雅黑" pitchFamily="34" charset="-122"/>
                 <a:ea typeface="微软雅黑" pitchFamily="34" charset="-122"/>
@@ -4240,18 +4240,19 @@
                 <a:latin typeface="微软雅黑" pitchFamily="34" charset="-122"/>
                 <a:ea typeface="微软雅黑" pitchFamily="34" charset="-122"/>
               </a:rPr>
-              <a:t> your</a:t>
-            </a:r>
-          </a:p>
-          <a:p>
+              <a:t> </a:t>
+            </a:r>
             <a:r>
               <a:rPr lang="en-US" altLang="zh-CN" b="1" dirty="0" smtClean="0">
-                <a:solidFill>
-                  <a:schemeClr val="tx1">
-                    <a:lumMod val="75000"/>
-                    <a:lumOff val="25000"/>
-                  </a:schemeClr>
-                </a:solidFill>
+                <a:latin typeface="微软雅黑" pitchFamily="34" charset="-122"/>
+                <a:ea typeface="微软雅黑" pitchFamily="34" charset="-122"/>
+              </a:rPr>
+              <a:t>your</a:t>
+            </a:r>
+          </a:p>
+          <a:p>
+            <a:r>
+              <a:rPr lang="en-US" altLang="zh-CN" b="1" dirty="0" smtClean="0">
                 <a:latin typeface="微软雅黑" pitchFamily="34" charset="-122"/>
                 <a:ea typeface="微软雅黑" pitchFamily="34" charset="-122"/>
               </a:rPr>
@@ -4261,24 +4262,12 @@
           <a:p>
             <a:r>
               <a:rPr lang="en-US" altLang="zh-CN" b="1" dirty="0" smtClean="0">
-                <a:solidFill>
-                  <a:schemeClr val="tx1">
-                    <a:lumMod val="75000"/>
-                    <a:lumOff val="25000"/>
-                  </a:schemeClr>
-                </a:solidFill>
                 <a:latin typeface="微软雅黑" pitchFamily="34" charset="-122"/>
                 <a:ea typeface="微软雅黑" pitchFamily="34" charset="-122"/>
               </a:rPr>
               <a:t>Game</a:t>
             </a:r>
             <a:endParaRPr lang="zh-CN" altLang="en-US" b="1" dirty="0">
-              <a:solidFill>
-                <a:schemeClr val="tx1">
-                  <a:lumMod val="75000"/>
-                  <a:lumOff val="25000"/>
-                </a:schemeClr>
-              </a:solidFill>
               <a:latin typeface="微软雅黑" pitchFamily="34" charset="-122"/>
               <a:ea typeface="微软雅黑" pitchFamily="34" charset="-122"/>
             </a:endParaRPr>
@@ -4524,8 +4513,8 @@
         </p:nvSpPr>
         <p:spPr>
           <a:xfrm>
-            <a:off x="4620481" y="4307260"/>
-            <a:ext cx="2130711" cy="461665"/>
+            <a:off x="4979338" y="5084729"/>
+            <a:ext cx="1551771" cy="461665"/>
           </a:xfrm>
           <a:prstGeom prst="rect">
             <a:avLst/>
@@ -4555,26 +4544,10 @@
               <a:t> </a:t>
             </a:r>
             <a:r>
-              <a:rPr lang="en-US" altLang="zh-CN" sz="2400" b="1" dirty="0" smtClean="0">
-                <a:solidFill>
-                  <a:schemeClr val="bg1"/>
-                </a:solidFill>
-              </a:rPr>
-              <a:t>Three</a:t>
-            </a:r>
-            <a:r>
-              <a:rPr lang="en-US" altLang="zh-CN" sz="2400" b="1" dirty="0" smtClean="0">
-                <a:solidFill>
-                  <a:schemeClr val="bg1"/>
-                </a:solidFill>
-              </a:rPr>
-              <a:t> days</a:t>
-            </a:r>
-            <a:endParaRPr lang="zh-CN" altLang="en-US" sz="2400" b="1" dirty="0">
-              <a:solidFill>
-                <a:schemeClr val="bg1"/>
-              </a:solidFill>
-            </a:endParaRPr>
+              <a:rPr lang="en-US" altLang="zh-CN" sz="1400" b="1" dirty="0" smtClean="0"/>
+              <a:t>Three days</a:t>
+            </a:r>
+            <a:endParaRPr lang="zh-CN" altLang="en-US" sz="1400" b="1" dirty="0"/>
           </a:p>
         </p:txBody>
       </p:sp>
@@ -5696,10 +5669,6 @@
               </a:rPr>
               <a:t>多米科技</a:t>
             </a:r>
-            <a:endParaRPr lang="zh-CN" altLang="en-US" sz="1000" dirty="0">
-              <a:latin typeface="微软雅黑" pitchFamily="34" charset="-122"/>
-              <a:ea typeface="微软雅黑" pitchFamily="34" charset="-122"/>
-            </a:endParaRPr>
           </a:p>
         </p:txBody>
       </p:sp>

--- a/dom 宣传页.pptx
+++ b/dom 宣传页.pptx
@@ -289,7 +289,7 @@
           <a:p>
             <a:fld id="{530820CF-B880-4189-942D-D702A7CBA730}" type="datetimeFigureOut">
               <a:rPr lang="zh-CN" altLang="en-US" smtClean="0"/>
-              <a:t>2017/9/7</a:t>
+              <a:t>2017/9/9</a:t>
             </a:fld>
             <a:endParaRPr lang="zh-CN" altLang="en-US"/>
           </a:p>
@@ -454,7 +454,7 @@
           <a:p>
             <a:fld id="{530820CF-B880-4189-942D-D702A7CBA730}" type="datetimeFigureOut">
               <a:rPr lang="zh-CN" altLang="en-US" smtClean="0"/>
-              <a:t>2017/9/7</a:t>
+              <a:t>2017/9/9</a:t>
             </a:fld>
             <a:endParaRPr lang="zh-CN" altLang="en-US"/>
           </a:p>
@@ -629,7 +629,7 @@
           <a:p>
             <a:fld id="{530820CF-B880-4189-942D-D702A7CBA730}" type="datetimeFigureOut">
               <a:rPr lang="zh-CN" altLang="en-US" smtClean="0"/>
-              <a:t>2017/9/7</a:t>
+              <a:t>2017/9/9</a:t>
             </a:fld>
             <a:endParaRPr lang="zh-CN" altLang="en-US"/>
           </a:p>
@@ -794,7 +794,7 @@
           <a:p>
             <a:fld id="{530820CF-B880-4189-942D-D702A7CBA730}" type="datetimeFigureOut">
               <a:rPr lang="zh-CN" altLang="en-US" smtClean="0"/>
-              <a:t>2017/9/7</a:t>
+              <a:t>2017/9/9</a:t>
             </a:fld>
             <a:endParaRPr lang="zh-CN" altLang="en-US"/>
           </a:p>
@@ -1035,7 +1035,7 @@
           <a:p>
             <a:fld id="{530820CF-B880-4189-942D-D702A7CBA730}" type="datetimeFigureOut">
               <a:rPr lang="zh-CN" altLang="en-US" smtClean="0"/>
-              <a:t>2017/9/7</a:t>
+              <a:t>2017/9/9</a:t>
             </a:fld>
             <a:endParaRPr lang="zh-CN" altLang="en-US"/>
           </a:p>
@@ -1318,7 +1318,7 @@
           <a:p>
             <a:fld id="{530820CF-B880-4189-942D-D702A7CBA730}" type="datetimeFigureOut">
               <a:rPr lang="zh-CN" altLang="en-US" smtClean="0"/>
-              <a:t>2017/9/7</a:t>
+              <a:t>2017/9/9</a:t>
             </a:fld>
             <a:endParaRPr lang="zh-CN" altLang="en-US"/>
           </a:p>
@@ -1735,7 +1735,7 @@
           <a:p>
             <a:fld id="{530820CF-B880-4189-942D-D702A7CBA730}" type="datetimeFigureOut">
               <a:rPr lang="zh-CN" altLang="en-US" smtClean="0"/>
-              <a:t>2017/9/7</a:t>
+              <a:t>2017/9/9</a:t>
             </a:fld>
             <a:endParaRPr lang="zh-CN" altLang="en-US"/>
           </a:p>
@@ -1848,7 +1848,7 @@
           <a:p>
             <a:fld id="{530820CF-B880-4189-942D-D702A7CBA730}" type="datetimeFigureOut">
               <a:rPr lang="zh-CN" altLang="en-US" smtClean="0"/>
-              <a:t>2017/9/7</a:t>
+              <a:t>2017/9/9</a:t>
             </a:fld>
             <a:endParaRPr lang="zh-CN" altLang="en-US"/>
           </a:p>
@@ -1938,7 +1938,7 @@
           <a:p>
             <a:fld id="{530820CF-B880-4189-942D-D702A7CBA730}" type="datetimeFigureOut">
               <a:rPr lang="zh-CN" altLang="en-US" smtClean="0"/>
-              <a:t>2017/9/7</a:t>
+              <a:t>2017/9/9</a:t>
             </a:fld>
             <a:endParaRPr lang="zh-CN" altLang="en-US"/>
           </a:p>
@@ -2210,7 +2210,7 @@
           <a:p>
             <a:fld id="{530820CF-B880-4189-942D-D702A7CBA730}" type="datetimeFigureOut">
               <a:rPr lang="zh-CN" altLang="en-US" smtClean="0"/>
-              <a:t>2017/9/7</a:t>
+              <a:t>2017/9/9</a:t>
             </a:fld>
             <a:endParaRPr lang="zh-CN" altLang="en-US"/>
           </a:p>
@@ -2458,7 +2458,7 @@
           <a:p>
             <a:fld id="{530820CF-B880-4189-942D-D702A7CBA730}" type="datetimeFigureOut">
               <a:rPr lang="zh-CN" altLang="en-US" smtClean="0"/>
-              <a:t>2017/9/7</a:t>
+              <a:t>2017/9/9</a:t>
             </a:fld>
             <a:endParaRPr lang="zh-CN" altLang="en-US"/>
           </a:p>
@@ -2710,7 +2710,7 @@
           <a:p>
             <a:fld id="{530820CF-B880-4189-942D-D702A7CBA730}" type="datetimeFigureOut">
               <a:rPr lang="zh-CN" altLang="en-US" smtClean="0"/>
-              <a:t>2017/9/7</a:t>
+              <a:t>2017/9/9</a:t>
             </a:fld>
             <a:endParaRPr lang="zh-CN" altLang="en-US"/>
           </a:p>
@@ -3170,7 +3170,7 @@
             </a:path>
             <a:tileRect l="-100000" t="-100000"/>
           </a:gradFill>
-          <a:ln>
+          <a:ln w="6350">
             <a:solidFill>
               <a:schemeClr val="tx1"/>
             </a:solidFill>
@@ -3242,7 +3242,7 @@
             </a:path>
             <a:tileRect l="-100000" t="-100000"/>
           </a:gradFill>
-          <a:ln>
+          <a:ln w="6350">
             <a:solidFill>
               <a:schemeClr val="tx1"/>
             </a:solidFill>
@@ -3330,7 +3330,7 @@
             </a:path>
             <a:tileRect l="-100000" t="-100000"/>
           </a:gradFill>
-          <a:ln>
+          <a:ln w="6350">
             <a:solidFill>
               <a:schemeClr val="tx1"/>
             </a:solidFill>
@@ -3480,7 +3480,7 @@
             </a:path>
             <a:tileRect r="-100000" b="-100000"/>
           </a:gradFill>
-          <a:ln>
+          <a:ln w="6350">
             <a:solidFill>
               <a:schemeClr val="tx1"/>
             </a:solidFill>
@@ -3538,7 +3538,7 @@
                 <a:srgbClr val="0070C0"/>
               </a:gs>
               <a:gs pos="100000">
-                <a:srgbClr val="00B0F0"/>
+                <a:srgbClr val="92D050"/>
               </a:gs>
             </a:gsLst>
             <a:path path="circle">
@@ -3546,7 +3546,7 @@
             </a:path>
             <a:tileRect l="-100000" b="-100000"/>
           </a:gradFill>
-          <a:ln>
+          <a:ln w="6350">
             <a:solidFill>
               <a:schemeClr val="tx1"/>
             </a:solidFill>
@@ -3594,30 +3594,17 @@
           </a:xfrm>
           <a:prstGeom prst="pie">
             <a:avLst>
-              <a:gd name="adj1" fmla="val 5389893"/>
+              <a:gd name="adj1" fmla="val 4910563"/>
               <a:gd name="adj2" fmla="val 10835923"/>
             </a:avLst>
           </a:prstGeom>
-          <a:gradFill flip="none" rotWithShape="1">
-            <a:gsLst>
-              <a:gs pos="12000">
-                <a:schemeClr val="tx1">
-                  <a:lumMod val="65000"/>
-                  <a:lumOff val="35000"/>
-                </a:schemeClr>
-              </a:gs>
-              <a:gs pos="98000">
-                <a:schemeClr val="bg1">
-                  <a:lumMod val="95000"/>
-                </a:schemeClr>
-              </a:gs>
-            </a:gsLst>
-            <a:path path="circle">
-              <a:fillToRect l="100000" t="100000"/>
-            </a:path>
-            <a:tileRect r="-100000" b="-100000"/>
-          </a:gradFill>
-          <a:ln>
+          <a:solidFill>
+            <a:schemeClr val="tx1">
+              <a:lumMod val="85000"/>
+              <a:lumOff val="15000"/>
+            </a:schemeClr>
+          </a:solidFill>
+          <a:ln w="6350">
             <a:solidFill>
               <a:schemeClr val="tx1"/>
             </a:solidFill>
@@ -3666,7 +3653,7 @@
           <a:prstGeom prst="pie">
             <a:avLst>
               <a:gd name="adj1" fmla="val 21593441"/>
-              <a:gd name="adj2" fmla="val 5394955"/>
+              <a:gd name="adj2" fmla="val 4911667"/>
             </a:avLst>
           </a:prstGeom>
           <a:gradFill flip="none" rotWithShape="1">
@@ -3689,7 +3676,7 @@
             </a:path>
             <a:tileRect l="-100000" t="-100000"/>
           </a:gradFill>
-          <a:ln>
+          <a:ln w="6350">
             <a:solidFill>
               <a:schemeClr val="tx1"/>
             </a:solidFill>
@@ -3874,14 +3861,14 @@
               <a:t>“</a:t>
             </a:r>
             <a:r>
-              <a:rPr lang="zh-CN" altLang="en-US" sz="1200" dirty="0" smtClean="0">
+              <a:rPr lang="zh-CN" altLang="en-US" sz="1200" dirty="0">
                 <a:solidFill>
                   <a:schemeClr val="bg1"/>
                 </a:solidFill>
                 <a:latin typeface="微软雅黑" pitchFamily="34" charset="-122"/>
                 <a:ea typeface="微软雅黑" pitchFamily="34" charset="-122"/>
               </a:rPr>
-              <a:t>农药</a:t>
+              <a:t>王者</a:t>
             </a:r>
             <a:r>
               <a:rPr lang="en-US" altLang="zh-CN" sz="1200" dirty="0" smtClean="0">
@@ -3911,17 +3898,17 @@
                 <a:latin typeface="微软雅黑" pitchFamily="34" charset="-122"/>
                 <a:ea typeface="微软雅黑" pitchFamily="34" charset="-122"/>
               </a:rPr>
-              <a:t>Do you want to create you own “</a:t>
-            </a:r>
-            <a:r>
-              <a:rPr lang="zh-CN" altLang="en-US" sz="1200" dirty="0" smtClean="0">
+              <a:t>Do you want to create </a:t>
+            </a:r>
+            <a:r>
+              <a:rPr lang="en-US" altLang="zh-CN" sz="1200" dirty="0" smtClean="0">
                 <a:solidFill>
                   <a:schemeClr val="bg1"/>
                 </a:solidFill>
                 <a:latin typeface="微软雅黑" pitchFamily="34" charset="-122"/>
                 <a:ea typeface="微软雅黑" pitchFamily="34" charset="-122"/>
               </a:rPr>
-              <a:t>农药</a:t>
+              <a:t>your </a:t>
             </a:r>
             <a:r>
               <a:rPr lang="en-US" altLang="zh-CN" sz="1200" dirty="0" smtClean="0">
@@ -3931,12 +3918,52 @@
                 <a:latin typeface="微软雅黑" pitchFamily="34" charset="-122"/>
                 <a:ea typeface="微软雅黑" pitchFamily="34" charset="-122"/>
               </a:rPr>
-              <a:t>”. I believe </a:t>
+              <a:t>own </a:t>
+            </a:r>
+            <a:r>
+              <a:rPr lang="en-US" altLang="zh-CN" sz="1200" dirty="0" smtClean="0">
+                <a:solidFill>
+                  <a:schemeClr val="bg1"/>
+                </a:solidFill>
+                <a:latin typeface="微软雅黑" pitchFamily="34" charset="-122"/>
+                <a:ea typeface="微软雅黑" pitchFamily="34" charset="-122"/>
+              </a:rPr>
+              <a:t>“</a:t>
+            </a:r>
+            <a:r>
+              <a:rPr lang="zh-CN" altLang="en-US" sz="1200" dirty="0">
+                <a:solidFill>
+                  <a:schemeClr val="bg1"/>
+                </a:solidFill>
+                <a:latin typeface="微软雅黑" pitchFamily="34" charset="-122"/>
+                <a:ea typeface="微软雅黑" pitchFamily="34" charset="-122"/>
+              </a:rPr>
+              <a:t>荣耀</a:t>
+            </a:r>
+            <a:r>
+              <a:rPr lang="en-US" altLang="zh-CN" sz="1200" dirty="0" smtClean="0">
+                <a:solidFill>
+                  <a:schemeClr val="bg1"/>
+                </a:solidFill>
+                <a:latin typeface="微软雅黑" pitchFamily="34" charset="-122"/>
+                <a:ea typeface="微软雅黑" pitchFamily="34" charset="-122"/>
+              </a:rPr>
+              <a:t>”. </a:t>
+            </a:r>
+            <a:r>
+              <a:rPr lang="en-US" altLang="zh-CN" sz="1200" dirty="0" smtClean="0">
+                <a:solidFill>
+                  <a:schemeClr val="bg1"/>
+                </a:solidFill>
+                <a:latin typeface="微软雅黑" pitchFamily="34" charset="-122"/>
+                <a:ea typeface="微软雅黑" pitchFamily="34" charset="-122"/>
+              </a:rPr>
+              <a:t>I believe </a:t>
             </a:r>
             <a:r>
               <a:rPr lang="en-US" altLang="zh-CN" sz="1200" b="1" dirty="0" smtClean="0">
                 <a:solidFill>
-                  <a:srgbClr val="7030A0"/>
+                  <a:srgbClr val="00B0F0"/>
                 </a:solidFill>
                 <a:latin typeface="微软雅黑" pitchFamily="34" charset="-122"/>
                 <a:ea typeface="微软雅黑" pitchFamily="34" charset="-122"/>
@@ -4062,8 +4089,8 @@
         </p:nvSpPr>
         <p:spPr>
           <a:xfrm>
-            <a:off x="1575723" y="5323698"/>
-            <a:ext cx="1615955" cy="1107996"/>
+            <a:off x="1553428" y="5733256"/>
+            <a:ext cx="1684885" cy="738664"/>
           </a:xfrm>
           <a:prstGeom prst="rect">
             <a:avLst/>
@@ -4078,37 +4105,24 @@
           <a:p>
             <a:pPr algn="ctr"/>
             <a:r>
-              <a:rPr lang="en-US" altLang="zh-CN" sz="2400" b="1" dirty="0" smtClean="0">
-                <a:solidFill>
-                  <a:srgbClr val="FF0000"/>
+              <a:rPr lang="en-US" altLang="zh-CN" sz="1400" dirty="0" smtClean="0">
+                <a:solidFill>
+                  <a:schemeClr val="bg1"/>
                 </a:solidFill>
                 <a:latin typeface="微软雅黑" pitchFamily="34" charset="-122"/>
                 <a:ea typeface="微软雅黑" pitchFamily="34" charset="-122"/>
               </a:rPr>
-              <a:t>Now</a:t>
-            </a:r>
-          </a:p>
-          <a:p>
-            <a:pPr algn="ctr"/>
-            <a:r>
-              <a:rPr lang="en-US" altLang="zh-CN" sz="1400" dirty="0" smtClean="0">
+              <a:t>Create your </a:t>
+            </a:r>
+            <a:r>
+              <a:rPr lang="en-US" altLang="zh-CN" sz="1400" dirty="0">
                 <a:solidFill>
                   <a:schemeClr val="bg1"/>
                 </a:solidFill>
                 <a:latin typeface="微软雅黑" pitchFamily="34" charset="-122"/>
                 <a:ea typeface="微软雅黑" pitchFamily="34" charset="-122"/>
               </a:rPr>
-              <a:t>Create </a:t>
-            </a:r>
-            <a:r>
-              <a:rPr lang="en-US" altLang="zh-CN" sz="1400" dirty="0">
-                <a:solidFill>
-                  <a:schemeClr val="bg1"/>
-                </a:solidFill>
-                <a:latin typeface="微软雅黑" pitchFamily="34" charset="-122"/>
-                <a:ea typeface="微软雅黑" pitchFamily="34" charset="-122"/>
-              </a:rPr>
-              <a:t>you Own </a:t>
+              <a:t>Own </a:t>
             </a:r>
           </a:p>
           <a:p>
@@ -4147,129 +4161,6 @@
               <a:solidFill>
                 <a:schemeClr val="bg1"/>
               </a:solidFill>
-            </a:endParaRPr>
-          </a:p>
-        </p:txBody>
-      </p:sp>
-      <p:sp>
-        <p:nvSpPr>
-          <p:cNvPr id="39" name="TextBox 38"/>
-          <p:cNvSpPr txBox="1"/>
-          <p:nvPr/>
-        </p:nvSpPr>
-        <p:spPr>
-          <a:xfrm>
-            <a:off x="4860032" y="3501008"/>
-            <a:ext cx="1723549" cy="246221"/>
-          </a:xfrm>
-          <a:prstGeom prst="rect">
-            <a:avLst/>
-          </a:prstGeom>
-          <a:noFill/>
-        </p:spPr>
-        <p:txBody>
-          <a:bodyPr wrap="none" rtlCol="0">
-            <a:spAutoFit/>
-          </a:bodyPr>
-          <a:lstStyle/>
-          <a:p>
-            <a:r>
-              <a:rPr lang="zh-CN" altLang="en-US" sz="1000" dirty="0" smtClean="0">
-                <a:solidFill>
-                  <a:schemeClr val="bg1">
-                    <a:lumMod val="65000"/>
-                  </a:schemeClr>
-                </a:solidFill>
-                <a:latin typeface="微软雅黑" pitchFamily="34" charset="-122"/>
-                <a:ea typeface="微软雅黑" pitchFamily="34" charset="-122"/>
-              </a:rPr>
-              <a:t>了解游戏公司对人才的需求</a:t>
-            </a:r>
-            <a:endParaRPr lang="zh-CN" altLang="en-US" sz="1000" dirty="0">
-              <a:solidFill>
-                <a:schemeClr val="bg1">
-                  <a:lumMod val="65000"/>
-                </a:schemeClr>
-              </a:solidFill>
-              <a:latin typeface="微软雅黑" pitchFamily="34" charset="-122"/>
-              <a:ea typeface="微软雅黑" pitchFamily="34" charset="-122"/>
-            </a:endParaRPr>
-          </a:p>
-        </p:txBody>
-      </p:sp>
-      <p:sp>
-        <p:nvSpPr>
-          <p:cNvPr id="40" name="TextBox 39"/>
-          <p:cNvSpPr txBox="1"/>
-          <p:nvPr/>
-        </p:nvSpPr>
-        <p:spPr>
-          <a:xfrm>
-            <a:off x="4955346" y="4113064"/>
-            <a:ext cx="1532920" cy="923330"/>
-          </a:xfrm>
-          <a:prstGeom prst="rect">
-            <a:avLst/>
-          </a:prstGeom>
-          <a:noFill/>
-        </p:spPr>
-        <p:txBody>
-          <a:bodyPr wrap="none" rtlCol="0">
-            <a:spAutoFit/>
-          </a:bodyPr>
-          <a:lstStyle/>
-          <a:p>
-            <a:r>
-              <a:rPr lang="en-US" altLang="zh-CN" b="1" dirty="0" smtClean="0">
-                <a:solidFill>
-                  <a:srgbClr val="00B0F0"/>
-                </a:solidFill>
-                <a:latin typeface="微软雅黑" pitchFamily="34" charset="-122"/>
-                <a:ea typeface="微软雅黑" pitchFamily="34" charset="-122"/>
-              </a:rPr>
-              <a:t>Create</a:t>
-            </a:r>
-            <a:r>
-              <a:rPr lang="en-US" altLang="zh-CN" b="1" dirty="0" smtClean="0">
-                <a:solidFill>
-                  <a:schemeClr val="tx1">
-                    <a:lumMod val="75000"/>
-                    <a:lumOff val="25000"/>
-                  </a:schemeClr>
-                </a:solidFill>
-                <a:latin typeface="微软雅黑" pitchFamily="34" charset="-122"/>
-                <a:ea typeface="微软雅黑" pitchFamily="34" charset="-122"/>
-              </a:rPr>
-              <a:t> </a:t>
-            </a:r>
-            <a:r>
-              <a:rPr lang="en-US" altLang="zh-CN" b="1" dirty="0" smtClean="0">
-                <a:latin typeface="微软雅黑" pitchFamily="34" charset="-122"/>
-                <a:ea typeface="微软雅黑" pitchFamily="34" charset="-122"/>
-              </a:rPr>
-              <a:t>your</a:t>
-            </a:r>
-          </a:p>
-          <a:p>
-            <a:r>
-              <a:rPr lang="en-US" altLang="zh-CN" b="1" dirty="0" smtClean="0">
-                <a:latin typeface="微软雅黑" pitchFamily="34" charset="-122"/>
-                <a:ea typeface="微软雅黑" pitchFamily="34" charset="-122"/>
-              </a:rPr>
-              <a:t>Own </a:t>
-            </a:r>
-          </a:p>
-          <a:p>
-            <a:r>
-              <a:rPr lang="en-US" altLang="zh-CN" b="1" dirty="0" smtClean="0">
-                <a:latin typeface="微软雅黑" pitchFamily="34" charset="-122"/>
-                <a:ea typeface="微软雅黑" pitchFamily="34" charset="-122"/>
-              </a:rPr>
-              <a:t>Game</a:t>
-            </a:r>
-            <a:endParaRPr lang="zh-CN" altLang="en-US" b="1" dirty="0">
-              <a:latin typeface="微软雅黑" pitchFamily="34" charset="-122"/>
-              <a:ea typeface="微软雅黑" pitchFamily="34" charset="-122"/>
             </a:endParaRPr>
           </a:p>
         </p:txBody>
@@ -4439,8 +4330,8 @@
         </p:nvSpPr>
         <p:spPr>
           <a:xfrm>
-            <a:off x="5103571" y="2509446"/>
-            <a:ext cx="1490152" cy="830997"/>
+            <a:off x="4932040" y="2718693"/>
+            <a:ext cx="1652888" cy="923330"/>
           </a:xfrm>
           <a:prstGeom prst="rect">
             <a:avLst/>
@@ -4454,11 +4345,9 @@
           <a:lstStyle/>
           <a:p>
             <a:r>
-              <a:rPr lang="en-US" altLang="zh-CN" sz="1600" dirty="0" smtClean="0">
-                <a:solidFill>
-                  <a:schemeClr val="bg1">
-                    <a:lumMod val="95000"/>
-                  </a:schemeClr>
+              <a:rPr lang="en-US" altLang="zh-CN" dirty="0" smtClean="0">
+                <a:solidFill>
+                  <a:srgbClr val="92D050"/>
                 </a:solidFill>
                 <a:latin typeface="微软雅黑" pitchFamily="34" charset="-122"/>
                 <a:ea typeface="微软雅黑" pitchFamily="34" charset="-122"/>
@@ -4468,7 +4357,7 @@
           </a:p>
           <a:p>
             <a:r>
-              <a:rPr lang="en-US" altLang="zh-CN" sz="1600" dirty="0" smtClean="0">
+              <a:rPr lang="en-US" altLang="zh-CN" dirty="0" smtClean="0">
                 <a:solidFill>
                   <a:schemeClr val="bg1">
                     <a:lumMod val="95000"/>
@@ -4482,7 +4371,7 @@
           </a:p>
           <a:p>
             <a:r>
-              <a:rPr lang="en-US" altLang="zh-CN" sz="1600" dirty="0" smtClean="0">
+              <a:rPr lang="en-US" altLang="zh-CN" dirty="0" smtClean="0">
                 <a:solidFill>
                   <a:schemeClr val="bg1">
                     <a:lumMod val="95000"/>
@@ -4493,7 +4382,7 @@
               </a:rPr>
               <a:t>requirements</a:t>
             </a:r>
-            <a:endParaRPr lang="zh-CN" altLang="en-US" sz="1600" dirty="0">
+            <a:endParaRPr lang="zh-CN" altLang="en-US" dirty="0">
               <a:solidFill>
                 <a:schemeClr val="bg1">
                   <a:lumMod val="95000"/>
@@ -4513,13 +4402,16 @@
         </p:nvSpPr>
         <p:spPr>
           <a:xfrm>
-            <a:off x="4979338" y="5084729"/>
+            <a:off x="1664336" y="5295636"/>
             <a:ext cx="1551771" cy="461665"/>
           </a:xfrm>
           <a:prstGeom prst="rect">
             <a:avLst/>
           </a:prstGeom>
           <a:noFill/>
+          <a:ln w="0">
+            <a:noFill/>
+          </a:ln>
         </p:spPr>
         <p:txBody>
           <a:bodyPr wrap="none" rtlCol="0">
@@ -4544,10 +4436,18 @@
               <a:t> </a:t>
             </a:r>
             <a:r>
-              <a:rPr lang="en-US" altLang="zh-CN" sz="1400" b="1" dirty="0" smtClean="0"/>
+              <a:rPr lang="en-US" altLang="zh-CN" sz="1400" b="1" dirty="0" smtClean="0">
+                <a:solidFill>
+                  <a:srgbClr val="FF0000"/>
+                </a:solidFill>
+              </a:rPr>
               <a:t>Three days</a:t>
             </a:r>
-            <a:endParaRPr lang="zh-CN" altLang="en-US" sz="1400" b="1" dirty="0"/>
+            <a:endParaRPr lang="zh-CN" altLang="en-US" sz="1400" b="1" dirty="0">
+              <a:solidFill>
+                <a:srgbClr val="FF0000"/>
+              </a:solidFill>
+            </a:endParaRPr>
           </a:p>
         </p:txBody>
       </p:sp>
@@ -4555,14 +4455,15 @@
         <p:nvCxnSpPr>
           <p:cNvPr id="12" name="直接连接符 11"/>
           <p:cNvCxnSpPr>
-            <a:endCxn id="34" idx="1"/>
+            <a:stCxn id="5" idx="0"/>
+            <a:endCxn id="4" idx="2"/>
           </p:cNvCxnSpPr>
           <p:nvPr/>
         </p:nvCxnSpPr>
         <p:spPr>
           <a:xfrm flipV="1">
-            <a:off x="1505574" y="2780928"/>
-            <a:ext cx="655962" cy="326223"/>
+            <a:off x="1253547" y="2708920"/>
+            <a:ext cx="870181" cy="398231"/>
           </a:xfrm>
           <a:prstGeom prst="line">
             <a:avLst/>
@@ -4594,13 +4495,14 @@
           <p:cNvPr id="35" name="直接连接符 34"/>
           <p:cNvCxnSpPr>
             <a:stCxn id="5" idx="4"/>
+            <a:endCxn id="6" idx="1"/>
           </p:cNvCxnSpPr>
           <p:nvPr/>
         </p:nvCxnSpPr>
         <p:spPr>
           <a:xfrm>
             <a:off x="1253547" y="4864146"/>
-            <a:ext cx="726165" cy="365054"/>
+            <a:ext cx="585952" cy="431490"/>
           </a:xfrm>
           <a:prstGeom prst="line">
             <a:avLst/>
@@ -4635,7 +4537,7 @@
         </p:nvSpPr>
         <p:spPr>
           <a:xfrm>
-            <a:off x="6935557" y="4768925"/>
+            <a:off x="7167590" y="4815155"/>
             <a:ext cx="45719" cy="86602"/>
           </a:xfrm>
           <a:prstGeom prst="ellipse">
@@ -4683,13 +4585,16 @@
         </p:nvSpPr>
         <p:spPr>
           <a:xfrm>
-            <a:off x="7098883" y="4644424"/>
+            <a:off x="7291491" y="4725144"/>
             <a:ext cx="1244251" cy="954107"/>
           </a:xfrm>
           <a:prstGeom prst="rect">
             <a:avLst/>
           </a:prstGeom>
           <a:noFill/>
+          <a:ln w="6350">
+            <a:noFill/>
+          </a:ln>
         </p:spPr>
         <p:txBody>
           <a:bodyPr wrap="none" rtlCol="0">
@@ -4737,7 +4642,7 @@
         </p:nvSpPr>
         <p:spPr>
           <a:xfrm>
-            <a:off x="6935558" y="5157192"/>
+            <a:off x="7164288" y="5157192"/>
             <a:ext cx="75310" cy="87044"/>
           </a:xfrm>
           <a:prstGeom prst="ellipse">
@@ -4879,7 +4784,7 @@
         </p:nvSpPr>
         <p:spPr>
           <a:xfrm>
-            <a:off x="7098883" y="5055567"/>
+            <a:off x="7239598" y="5069920"/>
             <a:ext cx="1258678" cy="461665"/>
           </a:xfrm>
           <a:prstGeom prst="rect">
@@ -5046,6 +4951,2464 @@
           </a:fontRef>
         </p:style>
       </p:cxnSp>
+      <p:sp>
+        <p:nvSpPr>
+          <p:cNvPr id="20" name="TextBox 19"/>
+          <p:cNvSpPr txBox="1"/>
+          <p:nvPr/>
+        </p:nvSpPr>
+        <p:spPr>
+          <a:xfrm>
+            <a:off x="4789588" y="4168606"/>
+            <a:ext cx="783035" cy="369332"/>
+          </a:xfrm>
+          <a:prstGeom prst="rect">
+            <a:avLst/>
+          </a:prstGeom>
+          <a:noFill/>
+        </p:spPr>
+        <p:txBody>
+          <a:bodyPr wrap="none" rtlCol="0">
+            <a:spAutoFit/>
+          </a:bodyPr>
+          <a:lstStyle/>
+          <a:p>
+            <a:r>
+              <a:rPr lang="en-US" altLang="zh-CN" b="1" dirty="0" smtClean="0">
+                <a:solidFill>
+                  <a:schemeClr val="bg1">
+                    <a:lumMod val="65000"/>
+                  </a:schemeClr>
+                </a:solidFill>
+              </a:rPr>
+              <a:t>Corps</a:t>
+            </a:r>
+            <a:r>
+              <a:rPr lang="en-US" altLang="zh-CN" dirty="0" smtClean="0">
+                <a:solidFill>
+                  <a:schemeClr val="bg1"/>
+                </a:solidFill>
+              </a:rPr>
+              <a:t>:</a:t>
+            </a:r>
+            <a:endParaRPr lang="zh-CN" altLang="en-US" dirty="0">
+              <a:solidFill>
+                <a:schemeClr val="bg1"/>
+              </a:solidFill>
+            </a:endParaRPr>
+          </a:p>
+        </p:txBody>
+      </p:sp>
+      <p:grpSp>
+        <p:nvGrpSpPr>
+          <p:cNvPr id="97" name="Group 16"/>
+          <p:cNvGrpSpPr/>
+          <p:nvPr/>
+        </p:nvGrpSpPr>
+        <p:grpSpPr>
+          <a:xfrm>
+            <a:off x="5537230" y="5295636"/>
+            <a:ext cx="1411034" cy="779681"/>
+            <a:chOff x="1053315" y="610123"/>
+            <a:chExt cx="5827422" cy="3864005"/>
+          </a:xfrm>
+        </p:grpSpPr>
+        <p:sp>
+          <p:nvSpPr>
+            <p:cNvPr id="98" name="Shape 6"/>
+            <p:cNvSpPr/>
+            <p:nvPr/>
+          </p:nvSpPr>
+          <p:spPr>
+            <a:xfrm>
+              <a:off x="1066014" y="711724"/>
+              <a:ext cx="5814723" cy="3762404"/>
+            </a:xfrm>
+            <a:custGeom>
+              <a:avLst/>
+              <a:gdLst/>
+              <a:ahLst/>
+              <a:cxnLst>
+                <a:cxn ang="0">
+                  <a:pos x="wd2" y="hd2"/>
+                </a:cxn>
+                <a:cxn ang="5400000">
+                  <a:pos x="wd2" y="hd2"/>
+                </a:cxn>
+                <a:cxn ang="10800000">
+                  <a:pos x="wd2" y="hd2"/>
+                </a:cxn>
+                <a:cxn ang="16200000">
+                  <a:pos x="wd2" y="hd2"/>
+                </a:cxn>
+              </a:cxnLst>
+              <a:rect l="0" t="0" r="r" b="b"/>
+              <a:pathLst>
+                <a:path w="21569" h="21600" extrusionOk="0">
+                  <a:moveTo>
+                    <a:pt x="21166" y="8127"/>
+                  </a:moveTo>
+                  <a:lnTo>
+                    <a:pt x="10803" y="0"/>
+                  </a:lnTo>
+                  <a:lnTo>
+                    <a:pt x="402" y="8127"/>
+                  </a:lnTo>
+                  <a:cubicBezTo>
+                    <a:pt x="134" y="8337"/>
+                    <a:pt x="0" y="8613"/>
+                    <a:pt x="0" y="8890"/>
+                  </a:cubicBezTo>
+                  <a:lnTo>
+                    <a:pt x="1" y="12783"/>
+                  </a:lnTo>
+                  <a:cubicBezTo>
+                    <a:pt x="17" y="13042"/>
+                    <a:pt x="151" y="13298"/>
+                    <a:pt x="402" y="13494"/>
+                  </a:cubicBezTo>
+                  <a:lnTo>
+                    <a:pt x="10798" y="21600"/>
+                  </a:lnTo>
+                  <a:lnTo>
+                    <a:pt x="21166" y="13494"/>
+                  </a:lnTo>
+                  <a:cubicBezTo>
+                    <a:pt x="21425" y="13292"/>
+                    <a:pt x="21559" y="13028"/>
+                    <a:pt x="21568" y="12762"/>
+                  </a:cubicBezTo>
+                  <a:lnTo>
+                    <a:pt x="21569" y="8903"/>
+                  </a:lnTo>
+                  <a:cubicBezTo>
+                    <a:pt x="21568" y="8940"/>
+                    <a:pt x="21559" y="8976"/>
+                    <a:pt x="21554" y="9013"/>
+                  </a:cubicBezTo>
+                  <a:cubicBezTo>
+                    <a:pt x="21600" y="8697"/>
+                    <a:pt x="21475" y="8368"/>
+                    <a:pt x="21166" y="8127"/>
+                  </a:cubicBezTo>
+                  <a:close/>
+                </a:path>
+              </a:pathLst>
+            </a:custGeom>
+            <a:solidFill>
+              <a:srgbClr val="010101">
+                <a:alpha val="10000"/>
+              </a:srgbClr>
+            </a:solidFill>
+            <a:ln w="12700">
+              <a:miter lim="400000"/>
+            </a:ln>
+          </p:spPr>
+          <p:txBody>
+            <a:bodyPr lIns="0" tIns="0" rIns="0" bIns="0" anchor="ctr"/>
+            <a:lstStyle/>
+            <a:p>
+              <a:pPr marL="0" marR="0" lvl="0" indent="0" defTabSz="914400" eaLnBrk="1" fontAlgn="auto" latinLnBrk="0" hangingPunct="1">
+                <a:lnSpc>
+                  <a:spcPct val="100000"/>
+                </a:lnSpc>
+                <a:spcBef>
+                  <a:spcPts val="0"/>
+                </a:spcBef>
+                <a:spcAft>
+                  <a:spcPts val="0"/>
+                </a:spcAft>
+                <a:buClrTx/>
+                <a:buSzTx/>
+                <a:buFontTx/>
+                <a:buNone/>
+                <a:tabLst/>
+                <a:defRPr sz="3000">
+                  <a:solidFill>
+                    <a:srgbClr val="FFFFFF"/>
+                  </a:solidFill>
+                  <a:effectLst>
+                    <a:outerShdw blurRad="38100" dist="12700" dir="5400000" rotWithShape="0">
+                      <a:srgbClr val="000000">
+                        <a:alpha val="50000"/>
+                      </a:srgbClr>
+                    </a:outerShdw>
+                  </a:effectLst>
+                </a:defRPr>
+              </a:pPr>
+              <a:endParaRPr kumimoji="0" sz="3000" b="0" i="0" u="none" strike="noStrike" kern="0" cap="none" spc="0" normalizeH="0" baseline="0" noProof="0">
+                <a:ln>
+                  <a:noFill/>
+                </a:ln>
+                <a:solidFill>
+                  <a:srgbClr val="FFFFFF"/>
+                </a:solidFill>
+                <a:effectLst>
+                  <a:outerShdw blurRad="38100" dist="12700" dir="5400000" rotWithShape="0">
+                    <a:srgbClr val="000000">
+                      <a:alpha val="50000"/>
+                    </a:srgbClr>
+                  </a:outerShdw>
+                </a:effectLst>
+                <a:uLnTx/>
+                <a:uFillTx/>
+              </a:endParaRPr>
+            </a:p>
+          </p:txBody>
+        </p:sp>
+        <p:sp>
+          <p:nvSpPr>
+            <p:cNvPr id="99" name="Shape 7"/>
+            <p:cNvSpPr/>
+            <p:nvPr/>
+          </p:nvSpPr>
+          <p:spPr>
+            <a:xfrm>
+              <a:off x="1053315" y="610123"/>
+              <a:ext cx="5814759" cy="3093226"/>
+            </a:xfrm>
+            <a:custGeom>
+              <a:avLst/>
+              <a:gdLst/>
+              <a:ahLst/>
+              <a:cxnLst>
+                <a:cxn ang="0">
+                  <a:pos x="wd2" y="hd2"/>
+                </a:cxn>
+                <a:cxn ang="5400000">
+                  <a:pos x="wd2" y="hd2"/>
+                </a:cxn>
+                <a:cxn ang="10800000">
+                  <a:pos x="wd2" y="hd2"/>
+                </a:cxn>
+                <a:cxn ang="16200000">
+                  <a:pos x="wd2" y="hd2"/>
+                </a:cxn>
+              </a:cxnLst>
+              <a:rect l="0" t="0" r="r" b="b"/>
+              <a:pathLst>
+                <a:path w="21335" h="21600" extrusionOk="0">
+                  <a:moveTo>
+                    <a:pt x="20936" y="9885"/>
+                  </a:moveTo>
+                  <a:lnTo>
+                    <a:pt x="10685" y="0"/>
+                  </a:lnTo>
+                  <a:lnTo>
+                    <a:pt x="398" y="9885"/>
+                  </a:lnTo>
+                  <a:cubicBezTo>
+                    <a:pt x="-133" y="10395"/>
+                    <a:pt x="-133" y="11230"/>
+                    <a:pt x="398" y="11741"/>
+                  </a:cubicBezTo>
+                  <a:lnTo>
+                    <a:pt x="10680" y="21600"/>
+                  </a:lnTo>
+                  <a:lnTo>
+                    <a:pt x="20936" y="11741"/>
+                  </a:lnTo>
+                  <a:cubicBezTo>
+                    <a:pt x="21467" y="11230"/>
+                    <a:pt x="21467" y="10395"/>
+                    <a:pt x="20936" y="9885"/>
+                  </a:cubicBezTo>
+                  <a:close/>
+                </a:path>
+              </a:pathLst>
+            </a:custGeom>
+            <a:gradFill>
+              <a:gsLst>
+                <a:gs pos="100000">
+                  <a:srgbClr val="3CBEB4">
+                    <a:lumMod val="60000"/>
+                    <a:lumOff val="40000"/>
+                  </a:srgbClr>
+                </a:gs>
+                <a:gs pos="0">
+                  <a:srgbClr val="3CBEB4"/>
+                </a:gs>
+              </a:gsLst>
+              <a:lin ang="15000000" scaled="0"/>
+            </a:gradFill>
+            <a:ln w="12700">
+              <a:miter lim="400000"/>
+            </a:ln>
+          </p:spPr>
+          <p:txBody>
+            <a:bodyPr lIns="0" tIns="0" rIns="0" bIns="0" anchor="ctr"/>
+            <a:lstStyle/>
+            <a:p>
+              <a:pPr marL="0" marR="0" lvl="0" indent="0" defTabSz="914400" eaLnBrk="1" fontAlgn="auto" latinLnBrk="0" hangingPunct="1">
+                <a:lnSpc>
+                  <a:spcPct val="100000"/>
+                </a:lnSpc>
+                <a:spcBef>
+                  <a:spcPts val="0"/>
+                </a:spcBef>
+                <a:spcAft>
+                  <a:spcPts val="0"/>
+                </a:spcAft>
+                <a:buClrTx/>
+                <a:buSzTx/>
+                <a:buFontTx/>
+                <a:buNone/>
+                <a:tabLst/>
+                <a:defRPr sz="3000">
+                  <a:solidFill>
+                    <a:srgbClr val="FFFFFF"/>
+                  </a:solidFill>
+                  <a:effectLst>
+                    <a:outerShdw blurRad="38100" dist="12700" dir="5400000" rotWithShape="0">
+                      <a:srgbClr val="000000">
+                        <a:alpha val="50000"/>
+                      </a:srgbClr>
+                    </a:outerShdw>
+                  </a:effectLst>
+                </a:defRPr>
+              </a:pPr>
+              <a:endParaRPr kumimoji="0" sz="3000" b="0" i="0" u="none" strike="noStrike" kern="0" cap="none" spc="0" normalizeH="0" baseline="0" noProof="0">
+                <a:ln>
+                  <a:noFill/>
+                </a:ln>
+                <a:solidFill>
+                  <a:srgbClr val="FFFFFF"/>
+                </a:solidFill>
+                <a:effectLst>
+                  <a:outerShdw blurRad="38100" dist="12700" dir="5400000" rotWithShape="0">
+                    <a:srgbClr val="000000">
+                      <a:alpha val="50000"/>
+                    </a:srgbClr>
+                  </a:outerShdw>
+                </a:effectLst>
+                <a:uLnTx/>
+                <a:uFillTx/>
+              </a:endParaRPr>
+            </a:p>
+          </p:txBody>
+        </p:sp>
+        <p:sp>
+          <p:nvSpPr>
+            <p:cNvPr id="100" name="Shape 8"/>
+            <p:cNvSpPr/>
+            <p:nvPr/>
+          </p:nvSpPr>
+          <p:spPr>
+            <a:xfrm>
+              <a:off x="2158215" y="610123"/>
+              <a:ext cx="4712038" cy="2942882"/>
+            </a:xfrm>
+            <a:custGeom>
+              <a:avLst/>
+              <a:gdLst/>
+              <a:ahLst/>
+              <a:cxnLst>
+                <a:cxn ang="0">
+                  <a:pos x="wd2" y="hd2"/>
+                </a:cxn>
+                <a:cxn ang="5400000">
+                  <a:pos x="wd2" y="hd2"/>
+                </a:cxn>
+                <a:cxn ang="10800000">
+                  <a:pos x="wd2" y="hd2"/>
+                </a:cxn>
+                <a:cxn ang="16200000">
+                  <a:pos x="wd2" y="hd2"/>
+                </a:cxn>
+              </a:cxnLst>
+              <a:rect l="0" t="0" r="r" b="b"/>
+              <a:pathLst>
+                <a:path w="21435" h="21600" extrusionOk="0">
+                  <a:moveTo>
+                    <a:pt x="9580" y="21600"/>
+                  </a:moveTo>
+                  <a:lnTo>
+                    <a:pt x="20942" y="12341"/>
+                  </a:lnTo>
+                  <a:cubicBezTo>
+                    <a:pt x="21600" y="11804"/>
+                    <a:pt x="21600" y="10927"/>
+                    <a:pt x="20942" y="10390"/>
+                  </a:cubicBezTo>
+                  <a:lnTo>
+                    <a:pt x="8232" y="0"/>
+                  </a:lnTo>
+                  <a:lnTo>
+                    <a:pt x="0" y="6706"/>
+                  </a:lnTo>
+                  <a:cubicBezTo>
+                    <a:pt x="0" y="6706"/>
+                    <a:pt x="9580" y="21600"/>
+                    <a:pt x="9580" y="21600"/>
+                  </a:cubicBezTo>
+                  <a:close/>
+                </a:path>
+              </a:pathLst>
+            </a:custGeom>
+            <a:gradFill>
+              <a:gsLst>
+                <a:gs pos="80000">
+                  <a:srgbClr val="FEFEFE">
+                    <a:alpha val="0"/>
+                  </a:srgbClr>
+                </a:gs>
+                <a:gs pos="0">
+                  <a:srgbClr val="3CBEB4">
+                    <a:lumMod val="50000"/>
+                    <a:alpha val="25000"/>
+                  </a:srgbClr>
+                </a:gs>
+              </a:gsLst>
+              <a:lin ang="3793388"/>
+            </a:gradFill>
+            <a:ln w="12700">
+              <a:miter lim="400000"/>
+            </a:ln>
+          </p:spPr>
+          <p:txBody>
+            <a:bodyPr lIns="0" tIns="0" rIns="0" bIns="0" anchor="ctr"/>
+            <a:lstStyle/>
+            <a:p>
+              <a:pPr marL="0" marR="0" lvl="0" indent="0" defTabSz="914400" eaLnBrk="1" fontAlgn="auto" latinLnBrk="0" hangingPunct="1">
+                <a:lnSpc>
+                  <a:spcPct val="100000"/>
+                </a:lnSpc>
+                <a:spcBef>
+                  <a:spcPts val="0"/>
+                </a:spcBef>
+                <a:spcAft>
+                  <a:spcPts val="0"/>
+                </a:spcAft>
+                <a:buClrTx/>
+                <a:buSzTx/>
+                <a:buFontTx/>
+                <a:buNone/>
+                <a:tabLst/>
+                <a:defRPr sz="3000">
+                  <a:solidFill>
+                    <a:srgbClr val="FFFFFF"/>
+                  </a:solidFill>
+                  <a:effectLst>
+                    <a:outerShdw blurRad="38100" dist="12700" dir="5400000" rotWithShape="0">
+                      <a:srgbClr val="000000">
+                        <a:alpha val="50000"/>
+                      </a:srgbClr>
+                    </a:outerShdw>
+                  </a:effectLst>
+                </a:defRPr>
+              </a:pPr>
+              <a:endParaRPr kumimoji="0" sz="3000" b="0" i="0" u="none" strike="noStrike" kern="0" cap="none" spc="0" normalizeH="0" baseline="0" noProof="0">
+                <a:ln>
+                  <a:noFill/>
+                </a:ln>
+                <a:solidFill>
+                  <a:srgbClr val="FFFFFF"/>
+                </a:solidFill>
+                <a:effectLst>
+                  <a:outerShdw blurRad="38100" dist="12700" dir="5400000" rotWithShape="0">
+                    <a:srgbClr val="000000">
+                      <a:alpha val="50000"/>
+                    </a:srgbClr>
+                  </a:outerShdw>
+                </a:effectLst>
+                <a:uLnTx/>
+                <a:uFillTx/>
+              </a:endParaRPr>
+            </a:p>
+          </p:txBody>
+        </p:sp>
+        <p:sp>
+          <p:nvSpPr>
+            <p:cNvPr id="101" name="Freeform 20"/>
+            <p:cNvSpPr/>
+            <p:nvPr/>
+          </p:nvSpPr>
+          <p:spPr>
+            <a:xfrm>
+              <a:off x="1053315" y="2159523"/>
+              <a:ext cx="5815652" cy="2212139"/>
+            </a:xfrm>
+            <a:custGeom>
+              <a:avLst/>
+              <a:gdLst>
+                <a:gd name="connsiteX0" fmla="*/ 5815652 w 5815652"/>
+                <a:gd name="connsiteY0" fmla="*/ 0 h 2212139"/>
+                <a:gd name="connsiteX1" fmla="*/ 5815518 w 5815652"/>
+                <a:gd name="connsiteY1" fmla="*/ 672307 h 2212139"/>
+                <a:gd name="connsiteX2" fmla="*/ 5707165 w 5815652"/>
+                <a:gd name="connsiteY2" fmla="*/ 799785 h 2212139"/>
+                <a:gd name="connsiteX3" fmla="*/ 2911800 w 5815652"/>
+                <a:gd name="connsiteY3" fmla="*/ 2211670 h 2212139"/>
+                <a:gd name="connsiteX4" fmla="*/ 2908300 w 5815652"/>
+                <a:gd name="connsiteY4" fmla="*/ 2209929 h 2212139"/>
+                <a:gd name="connsiteX5" fmla="*/ 2908300 w 5815652"/>
+                <a:gd name="connsiteY5" fmla="*/ 1540695 h 2212139"/>
+                <a:gd name="connsiteX6" fmla="*/ 2911800 w 5815652"/>
+                <a:gd name="connsiteY6" fmla="*/ 1542538 h 2212139"/>
+                <a:gd name="connsiteX7" fmla="*/ 5707165 w 5815652"/>
+                <a:gd name="connsiteY7" fmla="*/ 130652 h 2212139"/>
+                <a:gd name="connsiteX8" fmla="*/ 5815652 w 5815652"/>
+                <a:gd name="connsiteY8" fmla="*/ 0 h 2212139"/>
+                <a:gd name="connsiteX9" fmla="*/ 0 w 5815652"/>
+                <a:gd name="connsiteY9" fmla="*/ 0 h 2212139"/>
+                <a:gd name="connsiteX10" fmla="*/ 108488 w 5815652"/>
+                <a:gd name="connsiteY10" fmla="*/ 132831 h 2212139"/>
+                <a:gd name="connsiteX11" fmla="*/ 2907377 w 5815652"/>
+                <a:gd name="connsiteY11" fmla="*/ 1542967 h 2212139"/>
+                <a:gd name="connsiteX12" fmla="*/ 2907377 w 5815652"/>
+                <a:gd name="connsiteY12" fmla="*/ 2212139 h 2212139"/>
+                <a:gd name="connsiteX13" fmla="*/ 108488 w 5815652"/>
+                <a:gd name="connsiteY13" fmla="*/ 802003 h 2212139"/>
+                <a:gd name="connsiteX14" fmla="*/ 404 w 5815652"/>
+                <a:gd name="connsiteY14" fmla="*/ 678185 h 2212139"/>
+              </a:gdLst>
+              <a:ahLst/>
+              <a:cxnLst>
+                <a:cxn ang="0">
+                  <a:pos x="connsiteX0" y="connsiteY0"/>
+                </a:cxn>
+                <a:cxn ang="0">
+                  <a:pos x="connsiteX1" y="connsiteY1"/>
+                </a:cxn>
+                <a:cxn ang="0">
+                  <a:pos x="connsiteX2" y="connsiteY2"/>
+                </a:cxn>
+                <a:cxn ang="0">
+                  <a:pos x="connsiteX3" y="connsiteY3"/>
+                </a:cxn>
+                <a:cxn ang="0">
+                  <a:pos x="connsiteX4" y="connsiteY4"/>
+                </a:cxn>
+                <a:cxn ang="0">
+                  <a:pos x="connsiteX5" y="connsiteY5"/>
+                </a:cxn>
+                <a:cxn ang="0">
+                  <a:pos x="connsiteX6" y="connsiteY6"/>
+                </a:cxn>
+                <a:cxn ang="0">
+                  <a:pos x="connsiteX7" y="connsiteY7"/>
+                </a:cxn>
+                <a:cxn ang="0">
+                  <a:pos x="connsiteX8" y="connsiteY8"/>
+                </a:cxn>
+                <a:cxn ang="0">
+                  <a:pos x="connsiteX9" y="connsiteY9"/>
+                </a:cxn>
+                <a:cxn ang="0">
+                  <a:pos x="connsiteX10" y="connsiteY10"/>
+                </a:cxn>
+                <a:cxn ang="0">
+                  <a:pos x="connsiteX11" y="connsiteY11"/>
+                </a:cxn>
+                <a:cxn ang="0">
+                  <a:pos x="connsiteX12" y="connsiteY12"/>
+                </a:cxn>
+                <a:cxn ang="0">
+                  <a:pos x="connsiteX13" y="connsiteY13"/>
+                </a:cxn>
+                <a:cxn ang="0">
+                  <a:pos x="connsiteX14" y="connsiteY14"/>
+                </a:cxn>
+              </a:cxnLst>
+              <a:rect l="l" t="t" r="r" b="b"/>
+              <a:pathLst>
+                <a:path w="5815652" h="2212139">
+                  <a:moveTo>
+                    <a:pt x="5815652" y="0"/>
+                  </a:moveTo>
+                  <a:lnTo>
+                    <a:pt x="5815518" y="672307"/>
+                  </a:lnTo>
+                  <a:cubicBezTo>
+                    <a:pt x="5812960" y="718588"/>
+                    <a:pt x="5776887" y="764562"/>
+                    <a:pt x="5707165" y="799785"/>
+                  </a:cubicBezTo>
+                  <a:lnTo>
+                    <a:pt x="2911800" y="2211670"/>
+                  </a:lnTo>
+                  <a:lnTo>
+                    <a:pt x="2908300" y="2209929"/>
+                  </a:lnTo>
+                  <a:lnTo>
+                    <a:pt x="2908300" y="1540695"/>
+                  </a:lnTo>
+                  <a:lnTo>
+                    <a:pt x="2911800" y="1542538"/>
+                  </a:lnTo>
+                  <a:lnTo>
+                    <a:pt x="5707165" y="130652"/>
+                  </a:lnTo>
+                  <a:cubicBezTo>
+                    <a:pt x="5778368" y="94610"/>
+                    <a:pt x="5814575" y="47408"/>
+                    <a:pt x="5815652" y="0"/>
+                  </a:cubicBezTo>
+                  <a:close/>
+                  <a:moveTo>
+                    <a:pt x="0" y="0"/>
+                  </a:moveTo>
+                  <a:cubicBezTo>
+                    <a:pt x="0" y="48135"/>
+                    <a:pt x="36208" y="96372"/>
+                    <a:pt x="108488" y="132831"/>
+                  </a:cubicBezTo>
+                  <a:cubicBezTo>
+                    <a:pt x="108488" y="132831"/>
+                    <a:pt x="2907377" y="1542967"/>
+                    <a:pt x="2907377" y="1542967"/>
+                  </a:cubicBezTo>
+                  <a:lnTo>
+                    <a:pt x="2907377" y="2212139"/>
+                  </a:lnTo>
+                  <a:lnTo>
+                    <a:pt x="108488" y="802003"/>
+                  </a:lnTo>
+                  <a:cubicBezTo>
+                    <a:pt x="40649" y="767797"/>
+                    <a:pt x="4711" y="723349"/>
+                    <a:pt x="404" y="678185"/>
+                  </a:cubicBezTo>
+                  <a:close/>
+                </a:path>
+              </a:pathLst>
+            </a:custGeom>
+            <a:solidFill>
+              <a:srgbClr val="3CBEB4">
+                <a:lumMod val="60000"/>
+                <a:lumOff val="40000"/>
+              </a:srgbClr>
+            </a:solidFill>
+            <a:ln w="12700">
+              <a:miter lim="400000"/>
+            </a:ln>
+          </p:spPr>
+          <p:txBody>
+            <a:bodyPr wrap="square" lIns="0" tIns="0" rIns="0" bIns="0" anchor="ctr">
+              <a:noAutofit/>
+            </a:bodyPr>
+            <a:lstStyle/>
+            <a:p>
+              <a:pPr marL="0" marR="0" lvl="0" indent="0" defTabSz="914400" eaLnBrk="1" fontAlgn="auto" latinLnBrk="0" hangingPunct="1">
+                <a:lnSpc>
+                  <a:spcPct val="100000"/>
+                </a:lnSpc>
+                <a:spcBef>
+                  <a:spcPts val="0"/>
+                </a:spcBef>
+                <a:spcAft>
+                  <a:spcPts val="0"/>
+                </a:spcAft>
+                <a:buClrTx/>
+                <a:buSzTx/>
+                <a:buFontTx/>
+                <a:buNone/>
+                <a:tabLst/>
+                <a:defRPr sz="3000">
+                  <a:solidFill>
+                    <a:srgbClr val="FFFFFF"/>
+                  </a:solidFill>
+                  <a:effectLst>
+                    <a:outerShdw blurRad="38100" dist="12700" dir="5400000" rotWithShape="0">
+                      <a:srgbClr val="000000">
+                        <a:alpha val="50000"/>
+                      </a:srgbClr>
+                    </a:outerShdw>
+                  </a:effectLst>
+                </a:defRPr>
+              </a:pPr>
+              <a:endParaRPr kumimoji="0" sz="3000" b="0" i="0" u="none" strike="noStrike" kern="0" cap="none" spc="0" normalizeH="0" baseline="0" noProof="0">
+                <a:ln>
+                  <a:noFill/>
+                </a:ln>
+                <a:solidFill>
+                  <a:srgbClr val="FFFFFF"/>
+                </a:solidFill>
+                <a:effectLst>
+                  <a:outerShdw blurRad="38100" dist="12700" dir="5400000" rotWithShape="0">
+                    <a:srgbClr val="000000">
+                      <a:alpha val="50000"/>
+                    </a:srgbClr>
+                  </a:outerShdw>
+                </a:effectLst>
+                <a:uLnTx/>
+                <a:uFillTx/>
+              </a:endParaRPr>
+            </a:p>
+          </p:txBody>
+        </p:sp>
+        <p:sp>
+          <p:nvSpPr>
+            <p:cNvPr id="102" name="Shape 10"/>
+            <p:cNvSpPr/>
+            <p:nvPr/>
+          </p:nvSpPr>
+          <p:spPr>
+            <a:xfrm>
+              <a:off x="3961615" y="2159992"/>
+              <a:ext cx="2907352" cy="2211670"/>
+            </a:xfrm>
+            <a:custGeom>
+              <a:avLst/>
+              <a:gdLst/>
+              <a:ahLst/>
+              <a:cxnLst>
+                <a:cxn ang="0">
+                  <a:pos x="wd2" y="hd2"/>
+                </a:cxn>
+                <a:cxn ang="5400000">
+                  <a:pos x="wd2" y="hd2"/>
+                </a:cxn>
+                <a:cxn ang="10800000">
+                  <a:pos x="wd2" y="hd2"/>
+                </a:cxn>
+                <a:cxn ang="16200000">
+                  <a:pos x="wd2" y="hd2"/>
+                </a:cxn>
+              </a:cxnLst>
+              <a:rect l="0" t="0" r="r" b="b"/>
+              <a:pathLst>
+                <a:path w="21600" h="21600" extrusionOk="0">
+                  <a:moveTo>
+                    <a:pt x="20794" y="1276"/>
+                  </a:moveTo>
+                  <a:lnTo>
+                    <a:pt x="26" y="15065"/>
+                  </a:lnTo>
+                  <a:lnTo>
+                    <a:pt x="0" y="15047"/>
+                  </a:lnTo>
+                  <a:lnTo>
+                    <a:pt x="0" y="21583"/>
+                  </a:lnTo>
+                  <a:lnTo>
+                    <a:pt x="26" y="21600"/>
+                  </a:lnTo>
+                  <a:lnTo>
+                    <a:pt x="20794" y="7811"/>
+                  </a:lnTo>
+                  <a:cubicBezTo>
+                    <a:pt x="21312" y="7467"/>
+                    <a:pt x="21580" y="7018"/>
+                    <a:pt x="21599" y="6566"/>
+                  </a:cubicBezTo>
+                  <a:lnTo>
+                    <a:pt x="21600" y="0"/>
+                  </a:lnTo>
+                  <a:cubicBezTo>
+                    <a:pt x="21592" y="463"/>
+                    <a:pt x="21323" y="924"/>
+                    <a:pt x="20794" y="1276"/>
+                  </a:cubicBezTo>
+                  <a:close/>
+                </a:path>
+              </a:pathLst>
+            </a:custGeom>
+            <a:solidFill>
+              <a:srgbClr val="3CBEB4">
+                <a:lumMod val="75000"/>
+              </a:srgbClr>
+            </a:solidFill>
+            <a:ln w="12700">
+              <a:miter lim="400000"/>
+            </a:ln>
+          </p:spPr>
+          <p:txBody>
+            <a:bodyPr lIns="0" tIns="0" rIns="0" bIns="0" anchor="ctr"/>
+            <a:lstStyle/>
+            <a:p>
+              <a:pPr marL="0" marR="0" lvl="0" indent="0" defTabSz="914400" eaLnBrk="1" fontAlgn="auto" latinLnBrk="0" hangingPunct="1">
+                <a:lnSpc>
+                  <a:spcPct val="100000"/>
+                </a:lnSpc>
+                <a:spcBef>
+                  <a:spcPts val="0"/>
+                </a:spcBef>
+                <a:spcAft>
+                  <a:spcPts val="0"/>
+                </a:spcAft>
+                <a:buClrTx/>
+                <a:buSzTx/>
+                <a:buFontTx/>
+                <a:buNone/>
+                <a:tabLst/>
+                <a:defRPr sz="3000">
+                  <a:solidFill>
+                    <a:srgbClr val="FFFFFF"/>
+                  </a:solidFill>
+                  <a:effectLst>
+                    <a:outerShdw blurRad="38100" dist="12700" dir="5400000" rotWithShape="0">
+                      <a:srgbClr val="000000">
+                        <a:alpha val="50000"/>
+                      </a:srgbClr>
+                    </a:outerShdw>
+                  </a:effectLst>
+                </a:defRPr>
+              </a:pPr>
+              <a:endParaRPr kumimoji="0" sz="3000" b="0" i="0" u="none" strike="noStrike" kern="0" cap="none" spc="0" normalizeH="0" baseline="0" noProof="0">
+                <a:ln>
+                  <a:noFill/>
+                </a:ln>
+                <a:solidFill>
+                  <a:srgbClr val="FFFFFF"/>
+                </a:solidFill>
+                <a:effectLst>
+                  <a:outerShdw blurRad="38100" dist="12700" dir="5400000" rotWithShape="0">
+                    <a:srgbClr val="000000">
+                      <a:alpha val="50000"/>
+                    </a:srgbClr>
+                  </a:outerShdw>
+                </a:effectLst>
+                <a:uLnTx/>
+                <a:uFillTx/>
+              </a:endParaRPr>
+            </a:p>
+          </p:txBody>
+        </p:sp>
+      </p:grpSp>
+      <p:sp>
+        <p:nvSpPr>
+          <p:cNvPr id="22" name="TextBox 21"/>
+          <p:cNvSpPr txBox="1"/>
+          <p:nvPr/>
+        </p:nvSpPr>
+        <p:spPr>
+          <a:xfrm>
+            <a:off x="5815644" y="5579948"/>
+            <a:ext cx="988604" cy="369332"/>
+          </a:xfrm>
+          <a:prstGeom prst="rect">
+            <a:avLst/>
+          </a:prstGeom>
+          <a:noFill/>
+        </p:spPr>
+        <p:txBody>
+          <a:bodyPr wrap="none" rtlCol="0">
+            <a:spAutoFit/>
+          </a:bodyPr>
+          <a:lstStyle/>
+          <a:p>
+            <a:r>
+              <a:rPr lang="en-US" altLang="zh-CN" b="1" dirty="0" smtClean="0">
+                <a:solidFill>
+                  <a:srgbClr val="7030A0"/>
+                </a:solidFill>
+              </a:rPr>
+              <a:t>Zeus Ent</a:t>
+            </a:r>
+            <a:endParaRPr lang="zh-CN" altLang="en-US" b="1" dirty="0">
+              <a:solidFill>
+                <a:srgbClr val="7030A0"/>
+              </a:solidFill>
+            </a:endParaRPr>
+          </a:p>
+        </p:txBody>
+      </p:sp>
+      <p:grpSp>
+        <p:nvGrpSpPr>
+          <p:cNvPr id="103" name="Group 29"/>
+          <p:cNvGrpSpPr/>
+          <p:nvPr/>
+        </p:nvGrpSpPr>
+        <p:grpSpPr>
+          <a:xfrm>
+            <a:off x="5533727" y="4941168"/>
+            <a:ext cx="1270521" cy="803959"/>
+            <a:chOff x="1053315" y="610123"/>
+            <a:chExt cx="5816938" cy="4417008"/>
+          </a:xfrm>
+        </p:grpSpPr>
+        <p:sp>
+          <p:nvSpPr>
+            <p:cNvPr id="104" name="Shape 7"/>
+            <p:cNvSpPr/>
+            <p:nvPr/>
+          </p:nvSpPr>
+          <p:spPr>
+            <a:xfrm>
+              <a:off x="1344531" y="2243734"/>
+              <a:ext cx="5232328" cy="2783397"/>
+            </a:xfrm>
+            <a:custGeom>
+              <a:avLst/>
+              <a:gdLst/>
+              <a:ahLst/>
+              <a:cxnLst>
+                <a:cxn ang="0">
+                  <a:pos x="wd2" y="hd2"/>
+                </a:cxn>
+                <a:cxn ang="5400000">
+                  <a:pos x="wd2" y="hd2"/>
+                </a:cxn>
+                <a:cxn ang="10800000">
+                  <a:pos x="wd2" y="hd2"/>
+                </a:cxn>
+                <a:cxn ang="16200000">
+                  <a:pos x="wd2" y="hd2"/>
+                </a:cxn>
+              </a:cxnLst>
+              <a:rect l="0" t="0" r="r" b="b"/>
+              <a:pathLst>
+                <a:path w="21335" h="21600" extrusionOk="0">
+                  <a:moveTo>
+                    <a:pt x="20936" y="9885"/>
+                  </a:moveTo>
+                  <a:lnTo>
+                    <a:pt x="10685" y="0"/>
+                  </a:lnTo>
+                  <a:lnTo>
+                    <a:pt x="398" y="9885"/>
+                  </a:lnTo>
+                  <a:cubicBezTo>
+                    <a:pt x="-133" y="10395"/>
+                    <a:pt x="-133" y="11230"/>
+                    <a:pt x="398" y="11741"/>
+                  </a:cubicBezTo>
+                  <a:lnTo>
+                    <a:pt x="10680" y="21600"/>
+                  </a:lnTo>
+                  <a:lnTo>
+                    <a:pt x="20936" y="11741"/>
+                  </a:lnTo>
+                  <a:cubicBezTo>
+                    <a:pt x="21467" y="11230"/>
+                    <a:pt x="21467" y="10395"/>
+                    <a:pt x="20936" y="9885"/>
+                  </a:cubicBezTo>
+                  <a:close/>
+                </a:path>
+              </a:pathLst>
+            </a:custGeom>
+            <a:solidFill>
+              <a:srgbClr val="010101">
+                <a:alpha val="8000"/>
+              </a:srgbClr>
+            </a:solidFill>
+            <a:ln w="12700">
+              <a:miter lim="400000"/>
+            </a:ln>
+          </p:spPr>
+          <p:txBody>
+            <a:bodyPr lIns="0" tIns="0" rIns="0" bIns="0" anchor="ctr"/>
+            <a:lstStyle/>
+            <a:p>
+              <a:pPr marL="0" marR="0" lvl="0" indent="0" defTabSz="914400" eaLnBrk="1" fontAlgn="auto" latinLnBrk="0" hangingPunct="1">
+                <a:lnSpc>
+                  <a:spcPct val="100000"/>
+                </a:lnSpc>
+                <a:spcBef>
+                  <a:spcPts val="0"/>
+                </a:spcBef>
+                <a:spcAft>
+                  <a:spcPts val="0"/>
+                </a:spcAft>
+                <a:buClrTx/>
+                <a:buSzTx/>
+                <a:buFontTx/>
+                <a:buNone/>
+                <a:tabLst/>
+                <a:defRPr sz="3000">
+                  <a:solidFill>
+                    <a:srgbClr val="FFFFFF"/>
+                  </a:solidFill>
+                  <a:effectLst>
+                    <a:outerShdw blurRad="38100" dist="12700" dir="5400000" rotWithShape="0">
+                      <a:srgbClr val="000000">
+                        <a:alpha val="50000"/>
+                      </a:srgbClr>
+                    </a:outerShdw>
+                  </a:effectLst>
+                </a:defRPr>
+              </a:pPr>
+              <a:endParaRPr kumimoji="0" sz="3000" b="0" i="0" u="none" strike="noStrike" kern="0" cap="none" spc="0" normalizeH="0" baseline="0" noProof="0">
+                <a:ln>
+                  <a:noFill/>
+                </a:ln>
+                <a:solidFill>
+                  <a:srgbClr val="FFFFFF"/>
+                </a:solidFill>
+                <a:effectLst>
+                  <a:outerShdw blurRad="38100" dist="12700" dir="5400000" rotWithShape="0">
+                    <a:srgbClr val="000000">
+                      <a:alpha val="50000"/>
+                    </a:srgbClr>
+                  </a:outerShdw>
+                </a:effectLst>
+                <a:uLnTx/>
+                <a:uFillTx/>
+              </a:endParaRPr>
+            </a:p>
+          </p:txBody>
+        </p:sp>
+        <p:sp>
+          <p:nvSpPr>
+            <p:cNvPr id="105" name="Shape 7"/>
+            <p:cNvSpPr/>
+            <p:nvPr/>
+          </p:nvSpPr>
+          <p:spPr>
+            <a:xfrm>
+              <a:off x="1053315" y="610123"/>
+              <a:ext cx="5814759" cy="3093226"/>
+            </a:xfrm>
+            <a:custGeom>
+              <a:avLst/>
+              <a:gdLst/>
+              <a:ahLst/>
+              <a:cxnLst>
+                <a:cxn ang="0">
+                  <a:pos x="wd2" y="hd2"/>
+                </a:cxn>
+                <a:cxn ang="5400000">
+                  <a:pos x="wd2" y="hd2"/>
+                </a:cxn>
+                <a:cxn ang="10800000">
+                  <a:pos x="wd2" y="hd2"/>
+                </a:cxn>
+                <a:cxn ang="16200000">
+                  <a:pos x="wd2" y="hd2"/>
+                </a:cxn>
+              </a:cxnLst>
+              <a:rect l="0" t="0" r="r" b="b"/>
+              <a:pathLst>
+                <a:path w="21335" h="21600" extrusionOk="0">
+                  <a:moveTo>
+                    <a:pt x="20936" y="9885"/>
+                  </a:moveTo>
+                  <a:lnTo>
+                    <a:pt x="10685" y="0"/>
+                  </a:lnTo>
+                  <a:lnTo>
+                    <a:pt x="398" y="9885"/>
+                  </a:lnTo>
+                  <a:cubicBezTo>
+                    <a:pt x="-133" y="10395"/>
+                    <a:pt x="-133" y="11230"/>
+                    <a:pt x="398" y="11741"/>
+                  </a:cubicBezTo>
+                  <a:lnTo>
+                    <a:pt x="10680" y="21600"/>
+                  </a:lnTo>
+                  <a:lnTo>
+                    <a:pt x="20936" y="11741"/>
+                  </a:lnTo>
+                  <a:cubicBezTo>
+                    <a:pt x="21467" y="11230"/>
+                    <a:pt x="21467" y="10395"/>
+                    <a:pt x="20936" y="9885"/>
+                  </a:cubicBezTo>
+                  <a:close/>
+                </a:path>
+              </a:pathLst>
+            </a:custGeom>
+            <a:gradFill>
+              <a:gsLst>
+                <a:gs pos="100000">
+                  <a:srgbClr val="6491C8">
+                    <a:lumMod val="60000"/>
+                    <a:lumOff val="40000"/>
+                  </a:srgbClr>
+                </a:gs>
+                <a:gs pos="0">
+                  <a:srgbClr val="6491C8"/>
+                </a:gs>
+              </a:gsLst>
+              <a:lin ang="15000000" scaled="0"/>
+            </a:gradFill>
+            <a:ln w="12700">
+              <a:miter lim="400000"/>
+            </a:ln>
+          </p:spPr>
+          <p:txBody>
+            <a:bodyPr lIns="0" tIns="0" rIns="0" bIns="0" anchor="ctr"/>
+            <a:lstStyle/>
+            <a:p>
+              <a:pPr marL="0" marR="0" lvl="0" indent="0" defTabSz="914400" eaLnBrk="1" fontAlgn="auto" latinLnBrk="0" hangingPunct="1">
+                <a:lnSpc>
+                  <a:spcPct val="100000"/>
+                </a:lnSpc>
+                <a:spcBef>
+                  <a:spcPts val="0"/>
+                </a:spcBef>
+                <a:spcAft>
+                  <a:spcPts val="0"/>
+                </a:spcAft>
+                <a:buClrTx/>
+                <a:buSzTx/>
+                <a:buFontTx/>
+                <a:buNone/>
+                <a:tabLst/>
+                <a:defRPr sz="3000">
+                  <a:solidFill>
+                    <a:srgbClr val="FFFFFF"/>
+                  </a:solidFill>
+                  <a:effectLst>
+                    <a:outerShdw blurRad="38100" dist="12700" dir="5400000" rotWithShape="0">
+                      <a:srgbClr val="000000">
+                        <a:alpha val="50000"/>
+                      </a:srgbClr>
+                    </a:outerShdw>
+                  </a:effectLst>
+                </a:defRPr>
+              </a:pPr>
+              <a:endParaRPr kumimoji="0" sz="3000" b="0" i="0" u="none" strike="noStrike" kern="0" cap="none" spc="0" normalizeH="0" baseline="0" noProof="0">
+                <a:ln>
+                  <a:noFill/>
+                </a:ln>
+                <a:solidFill>
+                  <a:srgbClr val="FFFFFF"/>
+                </a:solidFill>
+                <a:effectLst>
+                  <a:outerShdw blurRad="38100" dist="12700" dir="5400000" rotWithShape="0">
+                    <a:srgbClr val="000000">
+                      <a:alpha val="50000"/>
+                    </a:srgbClr>
+                  </a:outerShdw>
+                </a:effectLst>
+                <a:uLnTx/>
+                <a:uFillTx/>
+              </a:endParaRPr>
+            </a:p>
+          </p:txBody>
+        </p:sp>
+        <p:sp>
+          <p:nvSpPr>
+            <p:cNvPr id="106" name="Shape 8"/>
+            <p:cNvSpPr/>
+            <p:nvPr/>
+          </p:nvSpPr>
+          <p:spPr>
+            <a:xfrm>
+              <a:off x="2158215" y="610123"/>
+              <a:ext cx="4712038" cy="2942882"/>
+            </a:xfrm>
+            <a:custGeom>
+              <a:avLst/>
+              <a:gdLst/>
+              <a:ahLst/>
+              <a:cxnLst>
+                <a:cxn ang="0">
+                  <a:pos x="wd2" y="hd2"/>
+                </a:cxn>
+                <a:cxn ang="5400000">
+                  <a:pos x="wd2" y="hd2"/>
+                </a:cxn>
+                <a:cxn ang="10800000">
+                  <a:pos x="wd2" y="hd2"/>
+                </a:cxn>
+                <a:cxn ang="16200000">
+                  <a:pos x="wd2" y="hd2"/>
+                </a:cxn>
+              </a:cxnLst>
+              <a:rect l="0" t="0" r="r" b="b"/>
+              <a:pathLst>
+                <a:path w="21435" h="21600" extrusionOk="0">
+                  <a:moveTo>
+                    <a:pt x="9580" y="21600"/>
+                  </a:moveTo>
+                  <a:lnTo>
+                    <a:pt x="20942" y="12341"/>
+                  </a:lnTo>
+                  <a:cubicBezTo>
+                    <a:pt x="21600" y="11804"/>
+                    <a:pt x="21600" y="10927"/>
+                    <a:pt x="20942" y="10390"/>
+                  </a:cubicBezTo>
+                  <a:lnTo>
+                    <a:pt x="8232" y="0"/>
+                  </a:lnTo>
+                  <a:lnTo>
+                    <a:pt x="0" y="6706"/>
+                  </a:lnTo>
+                  <a:cubicBezTo>
+                    <a:pt x="0" y="6706"/>
+                    <a:pt x="9580" y="21600"/>
+                    <a:pt x="9580" y="21600"/>
+                  </a:cubicBezTo>
+                  <a:close/>
+                </a:path>
+              </a:pathLst>
+            </a:custGeom>
+            <a:gradFill>
+              <a:gsLst>
+                <a:gs pos="80000">
+                  <a:srgbClr val="FEFEFE">
+                    <a:alpha val="0"/>
+                  </a:srgbClr>
+                </a:gs>
+                <a:gs pos="0">
+                  <a:srgbClr val="6491C8">
+                    <a:lumMod val="50000"/>
+                    <a:alpha val="25000"/>
+                  </a:srgbClr>
+                </a:gs>
+              </a:gsLst>
+              <a:lin ang="3793388"/>
+            </a:gradFill>
+            <a:ln w="12700">
+              <a:miter lim="400000"/>
+            </a:ln>
+          </p:spPr>
+          <p:txBody>
+            <a:bodyPr lIns="0" tIns="0" rIns="0" bIns="0" anchor="ctr"/>
+            <a:lstStyle/>
+            <a:p>
+              <a:pPr marL="0" marR="0" lvl="0" indent="0" defTabSz="914400" eaLnBrk="1" fontAlgn="auto" latinLnBrk="0" hangingPunct="1">
+                <a:lnSpc>
+                  <a:spcPct val="100000"/>
+                </a:lnSpc>
+                <a:spcBef>
+                  <a:spcPts val="0"/>
+                </a:spcBef>
+                <a:spcAft>
+                  <a:spcPts val="0"/>
+                </a:spcAft>
+                <a:buClrTx/>
+                <a:buSzTx/>
+                <a:buFontTx/>
+                <a:buNone/>
+                <a:tabLst/>
+                <a:defRPr sz="3000">
+                  <a:solidFill>
+                    <a:srgbClr val="FFFFFF"/>
+                  </a:solidFill>
+                  <a:effectLst>
+                    <a:outerShdw blurRad="38100" dist="12700" dir="5400000" rotWithShape="0">
+                      <a:srgbClr val="000000">
+                        <a:alpha val="50000"/>
+                      </a:srgbClr>
+                    </a:outerShdw>
+                  </a:effectLst>
+                </a:defRPr>
+              </a:pPr>
+              <a:endParaRPr kumimoji="0" sz="3000" b="0" i="0" u="none" strike="noStrike" kern="0" cap="none" spc="0" normalizeH="0" baseline="0" noProof="0">
+                <a:ln>
+                  <a:noFill/>
+                </a:ln>
+                <a:solidFill>
+                  <a:srgbClr val="FFFFFF"/>
+                </a:solidFill>
+                <a:effectLst>
+                  <a:outerShdw blurRad="38100" dist="12700" dir="5400000" rotWithShape="0">
+                    <a:srgbClr val="000000">
+                      <a:alpha val="50000"/>
+                    </a:srgbClr>
+                  </a:outerShdw>
+                </a:effectLst>
+                <a:uLnTx/>
+                <a:uFillTx/>
+              </a:endParaRPr>
+            </a:p>
+          </p:txBody>
+        </p:sp>
+        <p:sp>
+          <p:nvSpPr>
+            <p:cNvPr id="107" name="Freeform 33"/>
+            <p:cNvSpPr/>
+            <p:nvPr/>
+          </p:nvSpPr>
+          <p:spPr>
+            <a:xfrm>
+              <a:off x="1053315" y="2159523"/>
+              <a:ext cx="5815652" cy="2212139"/>
+            </a:xfrm>
+            <a:custGeom>
+              <a:avLst/>
+              <a:gdLst>
+                <a:gd name="connsiteX0" fmla="*/ 5815652 w 5815652"/>
+                <a:gd name="connsiteY0" fmla="*/ 0 h 2212139"/>
+                <a:gd name="connsiteX1" fmla="*/ 5815518 w 5815652"/>
+                <a:gd name="connsiteY1" fmla="*/ 672307 h 2212139"/>
+                <a:gd name="connsiteX2" fmla="*/ 5707165 w 5815652"/>
+                <a:gd name="connsiteY2" fmla="*/ 799785 h 2212139"/>
+                <a:gd name="connsiteX3" fmla="*/ 2911800 w 5815652"/>
+                <a:gd name="connsiteY3" fmla="*/ 2211670 h 2212139"/>
+                <a:gd name="connsiteX4" fmla="*/ 2908300 w 5815652"/>
+                <a:gd name="connsiteY4" fmla="*/ 2209929 h 2212139"/>
+                <a:gd name="connsiteX5" fmla="*/ 2908300 w 5815652"/>
+                <a:gd name="connsiteY5" fmla="*/ 1540695 h 2212139"/>
+                <a:gd name="connsiteX6" fmla="*/ 2911800 w 5815652"/>
+                <a:gd name="connsiteY6" fmla="*/ 1542538 h 2212139"/>
+                <a:gd name="connsiteX7" fmla="*/ 5707165 w 5815652"/>
+                <a:gd name="connsiteY7" fmla="*/ 130652 h 2212139"/>
+                <a:gd name="connsiteX8" fmla="*/ 5815652 w 5815652"/>
+                <a:gd name="connsiteY8" fmla="*/ 0 h 2212139"/>
+                <a:gd name="connsiteX9" fmla="*/ 0 w 5815652"/>
+                <a:gd name="connsiteY9" fmla="*/ 0 h 2212139"/>
+                <a:gd name="connsiteX10" fmla="*/ 108488 w 5815652"/>
+                <a:gd name="connsiteY10" fmla="*/ 132831 h 2212139"/>
+                <a:gd name="connsiteX11" fmla="*/ 2907377 w 5815652"/>
+                <a:gd name="connsiteY11" fmla="*/ 1542967 h 2212139"/>
+                <a:gd name="connsiteX12" fmla="*/ 2907377 w 5815652"/>
+                <a:gd name="connsiteY12" fmla="*/ 2212139 h 2212139"/>
+                <a:gd name="connsiteX13" fmla="*/ 108488 w 5815652"/>
+                <a:gd name="connsiteY13" fmla="*/ 802003 h 2212139"/>
+                <a:gd name="connsiteX14" fmla="*/ 404 w 5815652"/>
+                <a:gd name="connsiteY14" fmla="*/ 678185 h 2212139"/>
+              </a:gdLst>
+              <a:ahLst/>
+              <a:cxnLst>
+                <a:cxn ang="0">
+                  <a:pos x="connsiteX0" y="connsiteY0"/>
+                </a:cxn>
+                <a:cxn ang="0">
+                  <a:pos x="connsiteX1" y="connsiteY1"/>
+                </a:cxn>
+                <a:cxn ang="0">
+                  <a:pos x="connsiteX2" y="connsiteY2"/>
+                </a:cxn>
+                <a:cxn ang="0">
+                  <a:pos x="connsiteX3" y="connsiteY3"/>
+                </a:cxn>
+                <a:cxn ang="0">
+                  <a:pos x="connsiteX4" y="connsiteY4"/>
+                </a:cxn>
+                <a:cxn ang="0">
+                  <a:pos x="connsiteX5" y="connsiteY5"/>
+                </a:cxn>
+                <a:cxn ang="0">
+                  <a:pos x="connsiteX6" y="connsiteY6"/>
+                </a:cxn>
+                <a:cxn ang="0">
+                  <a:pos x="connsiteX7" y="connsiteY7"/>
+                </a:cxn>
+                <a:cxn ang="0">
+                  <a:pos x="connsiteX8" y="connsiteY8"/>
+                </a:cxn>
+                <a:cxn ang="0">
+                  <a:pos x="connsiteX9" y="connsiteY9"/>
+                </a:cxn>
+                <a:cxn ang="0">
+                  <a:pos x="connsiteX10" y="connsiteY10"/>
+                </a:cxn>
+                <a:cxn ang="0">
+                  <a:pos x="connsiteX11" y="connsiteY11"/>
+                </a:cxn>
+                <a:cxn ang="0">
+                  <a:pos x="connsiteX12" y="connsiteY12"/>
+                </a:cxn>
+                <a:cxn ang="0">
+                  <a:pos x="connsiteX13" y="connsiteY13"/>
+                </a:cxn>
+                <a:cxn ang="0">
+                  <a:pos x="connsiteX14" y="connsiteY14"/>
+                </a:cxn>
+              </a:cxnLst>
+              <a:rect l="l" t="t" r="r" b="b"/>
+              <a:pathLst>
+                <a:path w="5815652" h="2212139">
+                  <a:moveTo>
+                    <a:pt x="5815652" y="0"/>
+                  </a:moveTo>
+                  <a:lnTo>
+                    <a:pt x="5815518" y="672307"/>
+                  </a:lnTo>
+                  <a:cubicBezTo>
+                    <a:pt x="5812960" y="718588"/>
+                    <a:pt x="5776887" y="764562"/>
+                    <a:pt x="5707165" y="799785"/>
+                  </a:cubicBezTo>
+                  <a:lnTo>
+                    <a:pt x="2911800" y="2211670"/>
+                  </a:lnTo>
+                  <a:lnTo>
+                    <a:pt x="2908300" y="2209929"/>
+                  </a:lnTo>
+                  <a:lnTo>
+                    <a:pt x="2908300" y="1540695"/>
+                  </a:lnTo>
+                  <a:lnTo>
+                    <a:pt x="2911800" y="1542538"/>
+                  </a:lnTo>
+                  <a:lnTo>
+                    <a:pt x="5707165" y="130652"/>
+                  </a:lnTo>
+                  <a:cubicBezTo>
+                    <a:pt x="5778368" y="94610"/>
+                    <a:pt x="5814575" y="47408"/>
+                    <a:pt x="5815652" y="0"/>
+                  </a:cubicBezTo>
+                  <a:close/>
+                  <a:moveTo>
+                    <a:pt x="0" y="0"/>
+                  </a:moveTo>
+                  <a:cubicBezTo>
+                    <a:pt x="0" y="48135"/>
+                    <a:pt x="36208" y="96372"/>
+                    <a:pt x="108488" y="132831"/>
+                  </a:cubicBezTo>
+                  <a:cubicBezTo>
+                    <a:pt x="108488" y="132831"/>
+                    <a:pt x="2907377" y="1542967"/>
+                    <a:pt x="2907377" y="1542967"/>
+                  </a:cubicBezTo>
+                  <a:lnTo>
+                    <a:pt x="2907377" y="2212139"/>
+                  </a:lnTo>
+                  <a:lnTo>
+                    <a:pt x="108488" y="802003"/>
+                  </a:lnTo>
+                  <a:cubicBezTo>
+                    <a:pt x="40649" y="767797"/>
+                    <a:pt x="4711" y="723349"/>
+                    <a:pt x="404" y="678185"/>
+                  </a:cubicBezTo>
+                  <a:close/>
+                </a:path>
+              </a:pathLst>
+            </a:custGeom>
+            <a:solidFill>
+              <a:srgbClr val="6491C8">
+                <a:lumMod val="60000"/>
+                <a:lumOff val="40000"/>
+              </a:srgbClr>
+            </a:solidFill>
+            <a:ln w="12700">
+              <a:miter lim="400000"/>
+            </a:ln>
+          </p:spPr>
+          <p:txBody>
+            <a:bodyPr wrap="square" lIns="0" tIns="0" rIns="0" bIns="0" anchor="ctr">
+              <a:noAutofit/>
+            </a:bodyPr>
+            <a:lstStyle/>
+            <a:p>
+              <a:pPr marL="0" marR="0" lvl="0" indent="0" defTabSz="914400" eaLnBrk="1" fontAlgn="auto" latinLnBrk="0" hangingPunct="1">
+                <a:lnSpc>
+                  <a:spcPct val="100000"/>
+                </a:lnSpc>
+                <a:spcBef>
+                  <a:spcPts val="0"/>
+                </a:spcBef>
+                <a:spcAft>
+                  <a:spcPts val="0"/>
+                </a:spcAft>
+                <a:buClrTx/>
+                <a:buSzTx/>
+                <a:buFontTx/>
+                <a:buNone/>
+                <a:tabLst/>
+                <a:defRPr sz="3000">
+                  <a:solidFill>
+                    <a:srgbClr val="FFFFFF"/>
+                  </a:solidFill>
+                  <a:effectLst>
+                    <a:outerShdw blurRad="38100" dist="12700" dir="5400000" rotWithShape="0">
+                      <a:srgbClr val="000000">
+                        <a:alpha val="50000"/>
+                      </a:srgbClr>
+                    </a:outerShdw>
+                  </a:effectLst>
+                </a:defRPr>
+              </a:pPr>
+              <a:endParaRPr kumimoji="0" sz="3000" b="0" i="0" u="none" strike="noStrike" kern="0" cap="none" spc="0" normalizeH="0" baseline="0" noProof="0">
+                <a:ln>
+                  <a:noFill/>
+                </a:ln>
+                <a:solidFill>
+                  <a:srgbClr val="FFFFFF"/>
+                </a:solidFill>
+                <a:effectLst>
+                  <a:outerShdw blurRad="38100" dist="12700" dir="5400000" rotWithShape="0">
+                    <a:srgbClr val="000000">
+                      <a:alpha val="50000"/>
+                    </a:srgbClr>
+                  </a:outerShdw>
+                </a:effectLst>
+                <a:uLnTx/>
+                <a:uFillTx/>
+              </a:endParaRPr>
+            </a:p>
+          </p:txBody>
+        </p:sp>
+        <p:sp>
+          <p:nvSpPr>
+            <p:cNvPr id="108" name="Shape 10"/>
+            <p:cNvSpPr/>
+            <p:nvPr/>
+          </p:nvSpPr>
+          <p:spPr>
+            <a:xfrm>
+              <a:off x="3961615" y="2159992"/>
+              <a:ext cx="2907352" cy="2211670"/>
+            </a:xfrm>
+            <a:custGeom>
+              <a:avLst/>
+              <a:gdLst/>
+              <a:ahLst/>
+              <a:cxnLst>
+                <a:cxn ang="0">
+                  <a:pos x="wd2" y="hd2"/>
+                </a:cxn>
+                <a:cxn ang="5400000">
+                  <a:pos x="wd2" y="hd2"/>
+                </a:cxn>
+                <a:cxn ang="10800000">
+                  <a:pos x="wd2" y="hd2"/>
+                </a:cxn>
+                <a:cxn ang="16200000">
+                  <a:pos x="wd2" y="hd2"/>
+                </a:cxn>
+              </a:cxnLst>
+              <a:rect l="0" t="0" r="r" b="b"/>
+              <a:pathLst>
+                <a:path w="21600" h="21600" extrusionOk="0">
+                  <a:moveTo>
+                    <a:pt x="20794" y="1276"/>
+                  </a:moveTo>
+                  <a:lnTo>
+                    <a:pt x="26" y="15065"/>
+                  </a:lnTo>
+                  <a:lnTo>
+                    <a:pt x="0" y="15047"/>
+                  </a:lnTo>
+                  <a:lnTo>
+                    <a:pt x="0" y="21583"/>
+                  </a:lnTo>
+                  <a:lnTo>
+                    <a:pt x="26" y="21600"/>
+                  </a:lnTo>
+                  <a:lnTo>
+                    <a:pt x="20794" y="7811"/>
+                  </a:lnTo>
+                  <a:cubicBezTo>
+                    <a:pt x="21312" y="7467"/>
+                    <a:pt x="21580" y="7018"/>
+                    <a:pt x="21599" y="6566"/>
+                  </a:cubicBezTo>
+                  <a:lnTo>
+                    <a:pt x="21600" y="0"/>
+                  </a:lnTo>
+                  <a:cubicBezTo>
+                    <a:pt x="21592" y="463"/>
+                    <a:pt x="21323" y="924"/>
+                    <a:pt x="20794" y="1276"/>
+                  </a:cubicBezTo>
+                  <a:close/>
+                </a:path>
+              </a:pathLst>
+            </a:custGeom>
+            <a:solidFill>
+              <a:srgbClr val="6491C8">
+                <a:lumMod val="75000"/>
+              </a:srgbClr>
+            </a:solidFill>
+            <a:ln w="12700">
+              <a:miter lim="400000"/>
+            </a:ln>
+          </p:spPr>
+          <p:txBody>
+            <a:bodyPr lIns="0" tIns="0" rIns="0" bIns="0" anchor="ctr"/>
+            <a:lstStyle/>
+            <a:p>
+              <a:pPr marL="0" marR="0" lvl="0" indent="0" defTabSz="914400" eaLnBrk="1" fontAlgn="auto" latinLnBrk="0" hangingPunct="1">
+                <a:lnSpc>
+                  <a:spcPct val="100000"/>
+                </a:lnSpc>
+                <a:spcBef>
+                  <a:spcPts val="0"/>
+                </a:spcBef>
+                <a:spcAft>
+                  <a:spcPts val="0"/>
+                </a:spcAft>
+                <a:buClrTx/>
+                <a:buSzTx/>
+                <a:buFontTx/>
+                <a:buNone/>
+                <a:tabLst/>
+                <a:defRPr sz="3000">
+                  <a:solidFill>
+                    <a:srgbClr val="FFFFFF"/>
+                  </a:solidFill>
+                  <a:effectLst>
+                    <a:outerShdw blurRad="38100" dist="12700" dir="5400000" rotWithShape="0">
+                      <a:srgbClr val="000000">
+                        <a:alpha val="50000"/>
+                      </a:srgbClr>
+                    </a:outerShdw>
+                  </a:effectLst>
+                </a:defRPr>
+              </a:pPr>
+              <a:endParaRPr kumimoji="0" sz="3000" b="0" i="0" u="none" strike="noStrike" kern="0" cap="none" spc="0" normalizeH="0" baseline="0" noProof="0">
+                <a:ln>
+                  <a:noFill/>
+                </a:ln>
+                <a:solidFill>
+                  <a:srgbClr val="FFFFFF"/>
+                </a:solidFill>
+                <a:effectLst>
+                  <a:outerShdw blurRad="38100" dist="12700" dir="5400000" rotWithShape="0">
+                    <a:srgbClr val="000000">
+                      <a:alpha val="50000"/>
+                    </a:srgbClr>
+                  </a:outerShdw>
+                </a:effectLst>
+                <a:uLnTx/>
+                <a:uFillTx/>
+              </a:endParaRPr>
+            </a:p>
+          </p:txBody>
+        </p:sp>
+      </p:grpSp>
+      <p:sp>
+        <p:nvSpPr>
+          <p:cNvPr id="109" name="TextBox 108"/>
+          <p:cNvSpPr txBox="1"/>
+          <p:nvPr/>
+        </p:nvSpPr>
+        <p:spPr>
+          <a:xfrm>
+            <a:off x="5724128" y="5079890"/>
+            <a:ext cx="1031437" cy="369332"/>
+          </a:xfrm>
+          <a:prstGeom prst="rect">
+            <a:avLst/>
+          </a:prstGeom>
+          <a:noFill/>
+        </p:spPr>
+        <p:txBody>
+          <a:bodyPr wrap="square" rtlCol="0">
+            <a:spAutoFit/>
+          </a:bodyPr>
+          <a:lstStyle/>
+          <a:p>
+            <a:r>
+              <a:rPr lang="en-US" altLang="zh-CN" b="1" dirty="0" smtClean="0">
+                <a:solidFill>
+                  <a:srgbClr val="FFFF00"/>
+                </a:solidFill>
+              </a:rPr>
+              <a:t>Fun</a:t>
+            </a:r>
+            <a:r>
+              <a:rPr lang="en-US" altLang="zh-CN" b="1" dirty="0" smtClean="0">
+                <a:solidFill>
+                  <a:schemeClr val="bg1"/>
+                </a:solidFill>
+              </a:rPr>
+              <a:t>plus</a:t>
+            </a:r>
+            <a:endParaRPr lang="zh-CN" altLang="en-US" b="1" dirty="0">
+              <a:solidFill>
+                <a:schemeClr val="bg1"/>
+              </a:solidFill>
+            </a:endParaRPr>
+          </a:p>
+        </p:txBody>
+      </p:sp>
+      <p:grpSp>
+        <p:nvGrpSpPr>
+          <p:cNvPr id="116" name="Group 22"/>
+          <p:cNvGrpSpPr/>
+          <p:nvPr/>
+        </p:nvGrpSpPr>
+        <p:grpSpPr>
+          <a:xfrm>
+            <a:off x="5508104" y="4437112"/>
+            <a:ext cx="1228487" cy="698207"/>
+            <a:chOff x="1053315" y="610123"/>
+            <a:chExt cx="5827422" cy="3864005"/>
+          </a:xfrm>
+        </p:grpSpPr>
+        <p:sp>
+          <p:nvSpPr>
+            <p:cNvPr id="117" name="Shape 6"/>
+            <p:cNvSpPr/>
+            <p:nvPr/>
+          </p:nvSpPr>
+          <p:spPr>
+            <a:xfrm>
+              <a:off x="1066015" y="711723"/>
+              <a:ext cx="5814722" cy="3762405"/>
+            </a:xfrm>
+            <a:custGeom>
+              <a:avLst/>
+              <a:gdLst/>
+              <a:ahLst/>
+              <a:cxnLst>
+                <a:cxn ang="0">
+                  <a:pos x="wd2" y="hd2"/>
+                </a:cxn>
+                <a:cxn ang="5400000">
+                  <a:pos x="wd2" y="hd2"/>
+                </a:cxn>
+                <a:cxn ang="10800000">
+                  <a:pos x="wd2" y="hd2"/>
+                </a:cxn>
+                <a:cxn ang="16200000">
+                  <a:pos x="wd2" y="hd2"/>
+                </a:cxn>
+              </a:cxnLst>
+              <a:rect l="0" t="0" r="r" b="b"/>
+              <a:pathLst>
+                <a:path w="21569" h="21600" extrusionOk="0">
+                  <a:moveTo>
+                    <a:pt x="21166" y="8127"/>
+                  </a:moveTo>
+                  <a:lnTo>
+                    <a:pt x="10803" y="0"/>
+                  </a:lnTo>
+                  <a:lnTo>
+                    <a:pt x="402" y="8127"/>
+                  </a:lnTo>
+                  <a:cubicBezTo>
+                    <a:pt x="134" y="8337"/>
+                    <a:pt x="0" y="8613"/>
+                    <a:pt x="0" y="8890"/>
+                  </a:cubicBezTo>
+                  <a:lnTo>
+                    <a:pt x="1" y="12783"/>
+                  </a:lnTo>
+                  <a:cubicBezTo>
+                    <a:pt x="17" y="13042"/>
+                    <a:pt x="151" y="13298"/>
+                    <a:pt x="402" y="13494"/>
+                  </a:cubicBezTo>
+                  <a:lnTo>
+                    <a:pt x="10798" y="21600"/>
+                  </a:lnTo>
+                  <a:lnTo>
+                    <a:pt x="21166" y="13494"/>
+                  </a:lnTo>
+                  <a:cubicBezTo>
+                    <a:pt x="21425" y="13292"/>
+                    <a:pt x="21559" y="13028"/>
+                    <a:pt x="21568" y="12762"/>
+                  </a:cubicBezTo>
+                  <a:lnTo>
+                    <a:pt x="21569" y="8903"/>
+                  </a:lnTo>
+                  <a:cubicBezTo>
+                    <a:pt x="21568" y="8940"/>
+                    <a:pt x="21559" y="8976"/>
+                    <a:pt x="21554" y="9013"/>
+                  </a:cubicBezTo>
+                  <a:cubicBezTo>
+                    <a:pt x="21600" y="8697"/>
+                    <a:pt x="21475" y="8368"/>
+                    <a:pt x="21166" y="8127"/>
+                  </a:cubicBezTo>
+                  <a:close/>
+                </a:path>
+              </a:pathLst>
+            </a:custGeom>
+            <a:solidFill>
+              <a:srgbClr val="010101">
+                <a:alpha val="20000"/>
+              </a:srgbClr>
+            </a:solidFill>
+            <a:ln w="12700">
+              <a:miter lim="400000"/>
+            </a:ln>
+          </p:spPr>
+          <p:txBody>
+            <a:bodyPr lIns="0" tIns="0" rIns="0" bIns="0" anchor="ctr"/>
+            <a:lstStyle/>
+            <a:p>
+              <a:pPr marL="0" marR="0" lvl="0" indent="0" defTabSz="914400" eaLnBrk="1" fontAlgn="auto" latinLnBrk="0" hangingPunct="1">
+                <a:lnSpc>
+                  <a:spcPct val="100000"/>
+                </a:lnSpc>
+                <a:spcBef>
+                  <a:spcPts val="0"/>
+                </a:spcBef>
+                <a:spcAft>
+                  <a:spcPts val="0"/>
+                </a:spcAft>
+                <a:buClrTx/>
+                <a:buSzTx/>
+                <a:buFontTx/>
+                <a:buNone/>
+                <a:tabLst/>
+                <a:defRPr sz="3000">
+                  <a:solidFill>
+                    <a:srgbClr val="FFFFFF"/>
+                  </a:solidFill>
+                  <a:effectLst>
+                    <a:outerShdw blurRad="38100" dist="12700" dir="5400000" rotWithShape="0">
+                      <a:srgbClr val="000000">
+                        <a:alpha val="50000"/>
+                      </a:srgbClr>
+                    </a:outerShdw>
+                  </a:effectLst>
+                </a:defRPr>
+              </a:pPr>
+              <a:endParaRPr kumimoji="0" sz="3000" b="0" i="0" u="none" strike="noStrike" kern="0" cap="none" spc="0" normalizeH="0" baseline="0" noProof="0">
+                <a:ln>
+                  <a:noFill/>
+                </a:ln>
+                <a:solidFill>
+                  <a:srgbClr val="FFFFFF"/>
+                </a:solidFill>
+                <a:effectLst>
+                  <a:outerShdw blurRad="38100" dist="12700" dir="5400000" rotWithShape="0">
+                    <a:srgbClr val="000000">
+                      <a:alpha val="50000"/>
+                    </a:srgbClr>
+                  </a:outerShdw>
+                </a:effectLst>
+                <a:uLnTx/>
+                <a:uFillTx/>
+              </a:endParaRPr>
+            </a:p>
+          </p:txBody>
+        </p:sp>
+        <p:sp>
+          <p:nvSpPr>
+            <p:cNvPr id="118" name="Shape 7"/>
+            <p:cNvSpPr/>
+            <p:nvPr/>
+          </p:nvSpPr>
+          <p:spPr>
+            <a:xfrm>
+              <a:off x="1053315" y="610123"/>
+              <a:ext cx="5814759" cy="3093226"/>
+            </a:xfrm>
+            <a:custGeom>
+              <a:avLst/>
+              <a:gdLst/>
+              <a:ahLst/>
+              <a:cxnLst>
+                <a:cxn ang="0">
+                  <a:pos x="wd2" y="hd2"/>
+                </a:cxn>
+                <a:cxn ang="5400000">
+                  <a:pos x="wd2" y="hd2"/>
+                </a:cxn>
+                <a:cxn ang="10800000">
+                  <a:pos x="wd2" y="hd2"/>
+                </a:cxn>
+                <a:cxn ang="16200000">
+                  <a:pos x="wd2" y="hd2"/>
+                </a:cxn>
+              </a:cxnLst>
+              <a:rect l="0" t="0" r="r" b="b"/>
+              <a:pathLst>
+                <a:path w="21335" h="21600" extrusionOk="0">
+                  <a:moveTo>
+                    <a:pt x="20936" y="9885"/>
+                  </a:moveTo>
+                  <a:lnTo>
+                    <a:pt x="10685" y="0"/>
+                  </a:lnTo>
+                  <a:lnTo>
+                    <a:pt x="398" y="9885"/>
+                  </a:lnTo>
+                  <a:cubicBezTo>
+                    <a:pt x="-133" y="10395"/>
+                    <a:pt x="-133" y="11230"/>
+                    <a:pt x="398" y="11741"/>
+                  </a:cubicBezTo>
+                  <a:lnTo>
+                    <a:pt x="10680" y="21600"/>
+                  </a:lnTo>
+                  <a:lnTo>
+                    <a:pt x="20936" y="11741"/>
+                  </a:lnTo>
+                  <a:cubicBezTo>
+                    <a:pt x="21467" y="11230"/>
+                    <a:pt x="21467" y="10395"/>
+                    <a:pt x="20936" y="9885"/>
+                  </a:cubicBezTo>
+                  <a:close/>
+                </a:path>
+              </a:pathLst>
+            </a:custGeom>
+            <a:gradFill>
+              <a:gsLst>
+                <a:gs pos="100000">
+                  <a:srgbClr val="96C83C">
+                    <a:lumMod val="60000"/>
+                    <a:lumOff val="40000"/>
+                  </a:srgbClr>
+                </a:gs>
+                <a:gs pos="0">
+                  <a:srgbClr val="96C83C"/>
+                </a:gs>
+              </a:gsLst>
+              <a:lin ang="15000000" scaled="0"/>
+            </a:gradFill>
+            <a:ln w="12700">
+              <a:miter lim="400000"/>
+            </a:ln>
+          </p:spPr>
+          <p:txBody>
+            <a:bodyPr lIns="0" tIns="0" rIns="0" bIns="0" anchor="ctr"/>
+            <a:lstStyle/>
+            <a:p>
+              <a:pPr marL="0" marR="0" lvl="0" indent="0" defTabSz="914400" eaLnBrk="1" fontAlgn="auto" latinLnBrk="0" hangingPunct="1">
+                <a:lnSpc>
+                  <a:spcPct val="100000"/>
+                </a:lnSpc>
+                <a:spcBef>
+                  <a:spcPts val="0"/>
+                </a:spcBef>
+                <a:spcAft>
+                  <a:spcPts val="0"/>
+                </a:spcAft>
+                <a:buClrTx/>
+                <a:buSzTx/>
+                <a:buFontTx/>
+                <a:buNone/>
+                <a:tabLst/>
+                <a:defRPr sz="3000">
+                  <a:solidFill>
+                    <a:srgbClr val="FFFFFF"/>
+                  </a:solidFill>
+                  <a:effectLst>
+                    <a:outerShdw blurRad="38100" dist="12700" dir="5400000" rotWithShape="0">
+                      <a:srgbClr val="000000">
+                        <a:alpha val="50000"/>
+                      </a:srgbClr>
+                    </a:outerShdw>
+                  </a:effectLst>
+                </a:defRPr>
+              </a:pPr>
+              <a:endParaRPr kumimoji="0" sz="3000" b="0" i="0" u="none" strike="noStrike" kern="0" cap="none" spc="0" normalizeH="0" baseline="0" noProof="0">
+                <a:ln>
+                  <a:noFill/>
+                </a:ln>
+                <a:solidFill>
+                  <a:srgbClr val="FFFFFF"/>
+                </a:solidFill>
+                <a:effectLst>
+                  <a:outerShdw blurRad="38100" dist="12700" dir="5400000" rotWithShape="0">
+                    <a:srgbClr val="000000">
+                      <a:alpha val="50000"/>
+                    </a:srgbClr>
+                  </a:outerShdw>
+                </a:effectLst>
+                <a:uLnTx/>
+                <a:uFillTx/>
+              </a:endParaRPr>
+            </a:p>
+          </p:txBody>
+        </p:sp>
+        <p:sp>
+          <p:nvSpPr>
+            <p:cNvPr id="119" name="Shape 8"/>
+            <p:cNvSpPr/>
+            <p:nvPr/>
+          </p:nvSpPr>
+          <p:spPr>
+            <a:xfrm>
+              <a:off x="2158215" y="610123"/>
+              <a:ext cx="4712038" cy="2942882"/>
+            </a:xfrm>
+            <a:custGeom>
+              <a:avLst/>
+              <a:gdLst/>
+              <a:ahLst/>
+              <a:cxnLst>
+                <a:cxn ang="0">
+                  <a:pos x="wd2" y="hd2"/>
+                </a:cxn>
+                <a:cxn ang="5400000">
+                  <a:pos x="wd2" y="hd2"/>
+                </a:cxn>
+                <a:cxn ang="10800000">
+                  <a:pos x="wd2" y="hd2"/>
+                </a:cxn>
+                <a:cxn ang="16200000">
+                  <a:pos x="wd2" y="hd2"/>
+                </a:cxn>
+              </a:cxnLst>
+              <a:rect l="0" t="0" r="r" b="b"/>
+              <a:pathLst>
+                <a:path w="21435" h="21600" extrusionOk="0">
+                  <a:moveTo>
+                    <a:pt x="9580" y="21600"/>
+                  </a:moveTo>
+                  <a:lnTo>
+                    <a:pt x="20942" y="12341"/>
+                  </a:lnTo>
+                  <a:cubicBezTo>
+                    <a:pt x="21600" y="11804"/>
+                    <a:pt x="21600" y="10927"/>
+                    <a:pt x="20942" y="10390"/>
+                  </a:cubicBezTo>
+                  <a:lnTo>
+                    <a:pt x="8232" y="0"/>
+                  </a:lnTo>
+                  <a:lnTo>
+                    <a:pt x="0" y="6706"/>
+                  </a:lnTo>
+                  <a:cubicBezTo>
+                    <a:pt x="0" y="6706"/>
+                    <a:pt x="9580" y="21600"/>
+                    <a:pt x="9580" y="21600"/>
+                  </a:cubicBezTo>
+                  <a:close/>
+                </a:path>
+              </a:pathLst>
+            </a:custGeom>
+            <a:gradFill>
+              <a:gsLst>
+                <a:gs pos="80000">
+                  <a:srgbClr val="FEFEFE">
+                    <a:alpha val="0"/>
+                  </a:srgbClr>
+                </a:gs>
+                <a:gs pos="0">
+                  <a:srgbClr val="96C83C">
+                    <a:lumMod val="50000"/>
+                    <a:alpha val="25000"/>
+                  </a:srgbClr>
+                </a:gs>
+              </a:gsLst>
+              <a:lin ang="3793388"/>
+            </a:gradFill>
+            <a:ln w="12700">
+              <a:miter lim="400000"/>
+            </a:ln>
+          </p:spPr>
+          <p:txBody>
+            <a:bodyPr lIns="0" tIns="0" rIns="0" bIns="0" anchor="ctr"/>
+            <a:lstStyle/>
+            <a:p>
+              <a:pPr marL="0" marR="0" lvl="0" indent="0" defTabSz="914400" eaLnBrk="1" fontAlgn="auto" latinLnBrk="0" hangingPunct="1">
+                <a:lnSpc>
+                  <a:spcPct val="100000"/>
+                </a:lnSpc>
+                <a:spcBef>
+                  <a:spcPts val="0"/>
+                </a:spcBef>
+                <a:spcAft>
+                  <a:spcPts val="0"/>
+                </a:spcAft>
+                <a:buClrTx/>
+                <a:buSzTx/>
+                <a:buFontTx/>
+                <a:buNone/>
+                <a:tabLst/>
+                <a:defRPr sz="3000">
+                  <a:solidFill>
+                    <a:srgbClr val="FFFFFF"/>
+                  </a:solidFill>
+                  <a:effectLst>
+                    <a:outerShdw blurRad="38100" dist="12700" dir="5400000" rotWithShape="0">
+                      <a:srgbClr val="000000">
+                        <a:alpha val="50000"/>
+                      </a:srgbClr>
+                    </a:outerShdw>
+                  </a:effectLst>
+                </a:defRPr>
+              </a:pPr>
+              <a:endParaRPr kumimoji="0" sz="3000" b="0" i="0" u="none" strike="noStrike" kern="0" cap="none" spc="0" normalizeH="0" baseline="0" noProof="0">
+                <a:ln>
+                  <a:noFill/>
+                </a:ln>
+                <a:solidFill>
+                  <a:srgbClr val="FFFFFF"/>
+                </a:solidFill>
+                <a:effectLst>
+                  <a:outerShdw blurRad="38100" dist="12700" dir="5400000" rotWithShape="0">
+                    <a:srgbClr val="000000">
+                      <a:alpha val="50000"/>
+                    </a:srgbClr>
+                  </a:outerShdw>
+                </a:effectLst>
+                <a:uLnTx/>
+                <a:uFillTx/>
+              </a:endParaRPr>
+            </a:p>
+          </p:txBody>
+        </p:sp>
+        <p:sp>
+          <p:nvSpPr>
+            <p:cNvPr id="120" name="Freeform 26"/>
+            <p:cNvSpPr/>
+            <p:nvPr/>
+          </p:nvSpPr>
+          <p:spPr>
+            <a:xfrm>
+              <a:off x="1053315" y="2159523"/>
+              <a:ext cx="5815652" cy="2212139"/>
+            </a:xfrm>
+            <a:custGeom>
+              <a:avLst/>
+              <a:gdLst>
+                <a:gd name="connsiteX0" fmla="*/ 5815652 w 5815652"/>
+                <a:gd name="connsiteY0" fmla="*/ 0 h 2212139"/>
+                <a:gd name="connsiteX1" fmla="*/ 5815518 w 5815652"/>
+                <a:gd name="connsiteY1" fmla="*/ 672307 h 2212139"/>
+                <a:gd name="connsiteX2" fmla="*/ 5707165 w 5815652"/>
+                <a:gd name="connsiteY2" fmla="*/ 799785 h 2212139"/>
+                <a:gd name="connsiteX3" fmla="*/ 2911800 w 5815652"/>
+                <a:gd name="connsiteY3" fmla="*/ 2211670 h 2212139"/>
+                <a:gd name="connsiteX4" fmla="*/ 2908300 w 5815652"/>
+                <a:gd name="connsiteY4" fmla="*/ 2209929 h 2212139"/>
+                <a:gd name="connsiteX5" fmla="*/ 2908300 w 5815652"/>
+                <a:gd name="connsiteY5" fmla="*/ 1540695 h 2212139"/>
+                <a:gd name="connsiteX6" fmla="*/ 2911800 w 5815652"/>
+                <a:gd name="connsiteY6" fmla="*/ 1542538 h 2212139"/>
+                <a:gd name="connsiteX7" fmla="*/ 5707165 w 5815652"/>
+                <a:gd name="connsiteY7" fmla="*/ 130652 h 2212139"/>
+                <a:gd name="connsiteX8" fmla="*/ 5815652 w 5815652"/>
+                <a:gd name="connsiteY8" fmla="*/ 0 h 2212139"/>
+                <a:gd name="connsiteX9" fmla="*/ 0 w 5815652"/>
+                <a:gd name="connsiteY9" fmla="*/ 0 h 2212139"/>
+                <a:gd name="connsiteX10" fmla="*/ 108488 w 5815652"/>
+                <a:gd name="connsiteY10" fmla="*/ 132831 h 2212139"/>
+                <a:gd name="connsiteX11" fmla="*/ 2907377 w 5815652"/>
+                <a:gd name="connsiteY11" fmla="*/ 1542967 h 2212139"/>
+                <a:gd name="connsiteX12" fmla="*/ 2907377 w 5815652"/>
+                <a:gd name="connsiteY12" fmla="*/ 2212139 h 2212139"/>
+                <a:gd name="connsiteX13" fmla="*/ 108488 w 5815652"/>
+                <a:gd name="connsiteY13" fmla="*/ 802003 h 2212139"/>
+                <a:gd name="connsiteX14" fmla="*/ 404 w 5815652"/>
+                <a:gd name="connsiteY14" fmla="*/ 678185 h 2212139"/>
+              </a:gdLst>
+              <a:ahLst/>
+              <a:cxnLst>
+                <a:cxn ang="0">
+                  <a:pos x="connsiteX0" y="connsiteY0"/>
+                </a:cxn>
+                <a:cxn ang="0">
+                  <a:pos x="connsiteX1" y="connsiteY1"/>
+                </a:cxn>
+                <a:cxn ang="0">
+                  <a:pos x="connsiteX2" y="connsiteY2"/>
+                </a:cxn>
+                <a:cxn ang="0">
+                  <a:pos x="connsiteX3" y="connsiteY3"/>
+                </a:cxn>
+                <a:cxn ang="0">
+                  <a:pos x="connsiteX4" y="connsiteY4"/>
+                </a:cxn>
+                <a:cxn ang="0">
+                  <a:pos x="connsiteX5" y="connsiteY5"/>
+                </a:cxn>
+                <a:cxn ang="0">
+                  <a:pos x="connsiteX6" y="connsiteY6"/>
+                </a:cxn>
+                <a:cxn ang="0">
+                  <a:pos x="connsiteX7" y="connsiteY7"/>
+                </a:cxn>
+                <a:cxn ang="0">
+                  <a:pos x="connsiteX8" y="connsiteY8"/>
+                </a:cxn>
+                <a:cxn ang="0">
+                  <a:pos x="connsiteX9" y="connsiteY9"/>
+                </a:cxn>
+                <a:cxn ang="0">
+                  <a:pos x="connsiteX10" y="connsiteY10"/>
+                </a:cxn>
+                <a:cxn ang="0">
+                  <a:pos x="connsiteX11" y="connsiteY11"/>
+                </a:cxn>
+                <a:cxn ang="0">
+                  <a:pos x="connsiteX12" y="connsiteY12"/>
+                </a:cxn>
+                <a:cxn ang="0">
+                  <a:pos x="connsiteX13" y="connsiteY13"/>
+                </a:cxn>
+                <a:cxn ang="0">
+                  <a:pos x="connsiteX14" y="connsiteY14"/>
+                </a:cxn>
+              </a:cxnLst>
+              <a:rect l="l" t="t" r="r" b="b"/>
+              <a:pathLst>
+                <a:path w="5815652" h="2212139">
+                  <a:moveTo>
+                    <a:pt x="5815652" y="0"/>
+                  </a:moveTo>
+                  <a:lnTo>
+                    <a:pt x="5815518" y="672307"/>
+                  </a:lnTo>
+                  <a:cubicBezTo>
+                    <a:pt x="5812960" y="718588"/>
+                    <a:pt x="5776887" y="764562"/>
+                    <a:pt x="5707165" y="799785"/>
+                  </a:cubicBezTo>
+                  <a:lnTo>
+                    <a:pt x="2911800" y="2211670"/>
+                  </a:lnTo>
+                  <a:lnTo>
+                    <a:pt x="2908300" y="2209929"/>
+                  </a:lnTo>
+                  <a:lnTo>
+                    <a:pt x="2908300" y="1540695"/>
+                  </a:lnTo>
+                  <a:lnTo>
+                    <a:pt x="2911800" y="1542538"/>
+                  </a:lnTo>
+                  <a:lnTo>
+                    <a:pt x="5707165" y="130652"/>
+                  </a:lnTo>
+                  <a:cubicBezTo>
+                    <a:pt x="5778368" y="94610"/>
+                    <a:pt x="5814575" y="47408"/>
+                    <a:pt x="5815652" y="0"/>
+                  </a:cubicBezTo>
+                  <a:close/>
+                  <a:moveTo>
+                    <a:pt x="0" y="0"/>
+                  </a:moveTo>
+                  <a:cubicBezTo>
+                    <a:pt x="0" y="48135"/>
+                    <a:pt x="36208" y="96372"/>
+                    <a:pt x="108488" y="132831"/>
+                  </a:cubicBezTo>
+                  <a:cubicBezTo>
+                    <a:pt x="108488" y="132831"/>
+                    <a:pt x="2907377" y="1542967"/>
+                    <a:pt x="2907377" y="1542967"/>
+                  </a:cubicBezTo>
+                  <a:lnTo>
+                    <a:pt x="2907377" y="2212139"/>
+                  </a:lnTo>
+                  <a:lnTo>
+                    <a:pt x="108488" y="802003"/>
+                  </a:lnTo>
+                  <a:cubicBezTo>
+                    <a:pt x="40649" y="767797"/>
+                    <a:pt x="4711" y="723349"/>
+                    <a:pt x="404" y="678185"/>
+                  </a:cubicBezTo>
+                  <a:close/>
+                </a:path>
+              </a:pathLst>
+            </a:custGeom>
+            <a:solidFill>
+              <a:srgbClr val="96C83C">
+                <a:lumMod val="60000"/>
+                <a:lumOff val="40000"/>
+              </a:srgbClr>
+            </a:solidFill>
+            <a:ln w="12700">
+              <a:miter lim="400000"/>
+            </a:ln>
+          </p:spPr>
+          <p:txBody>
+            <a:bodyPr wrap="square" lIns="0" tIns="0" rIns="0" bIns="0" anchor="ctr">
+              <a:noAutofit/>
+            </a:bodyPr>
+            <a:lstStyle/>
+            <a:p>
+              <a:pPr marL="0" marR="0" lvl="0" indent="0" defTabSz="914400" eaLnBrk="1" fontAlgn="auto" latinLnBrk="0" hangingPunct="1">
+                <a:lnSpc>
+                  <a:spcPct val="100000"/>
+                </a:lnSpc>
+                <a:spcBef>
+                  <a:spcPts val="0"/>
+                </a:spcBef>
+                <a:spcAft>
+                  <a:spcPts val="0"/>
+                </a:spcAft>
+                <a:buClrTx/>
+                <a:buSzTx/>
+                <a:buFontTx/>
+                <a:buNone/>
+                <a:tabLst/>
+                <a:defRPr sz="3000">
+                  <a:solidFill>
+                    <a:srgbClr val="FFFFFF"/>
+                  </a:solidFill>
+                  <a:effectLst>
+                    <a:outerShdw blurRad="38100" dist="12700" dir="5400000" rotWithShape="0">
+                      <a:srgbClr val="000000">
+                        <a:alpha val="50000"/>
+                      </a:srgbClr>
+                    </a:outerShdw>
+                  </a:effectLst>
+                </a:defRPr>
+              </a:pPr>
+              <a:endParaRPr kumimoji="0" sz="3000" b="0" i="0" u="none" strike="noStrike" kern="0" cap="none" spc="0" normalizeH="0" baseline="0" noProof="0">
+                <a:ln>
+                  <a:noFill/>
+                </a:ln>
+                <a:solidFill>
+                  <a:srgbClr val="FFFFFF"/>
+                </a:solidFill>
+                <a:effectLst>
+                  <a:outerShdw blurRad="38100" dist="12700" dir="5400000" rotWithShape="0">
+                    <a:srgbClr val="000000">
+                      <a:alpha val="50000"/>
+                    </a:srgbClr>
+                  </a:outerShdw>
+                </a:effectLst>
+                <a:uLnTx/>
+                <a:uFillTx/>
+              </a:endParaRPr>
+            </a:p>
+          </p:txBody>
+        </p:sp>
+        <p:sp>
+          <p:nvSpPr>
+            <p:cNvPr id="121" name="Shape 10"/>
+            <p:cNvSpPr/>
+            <p:nvPr/>
+          </p:nvSpPr>
+          <p:spPr>
+            <a:xfrm>
+              <a:off x="3961615" y="2159992"/>
+              <a:ext cx="2907352" cy="2211670"/>
+            </a:xfrm>
+            <a:custGeom>
+              <a:avLst/>
+              <a:gdLst/>
+              <a:ahLst/>
+              <a:cxnLst>
+                <a:cxn ang="0">
+                  <a:pos x="wd2" y="hd2"/>
+                </a:cxn>
+                <a:cxn ang="5400000">
+                  <a:pos x="wd2" y="hd2"/>
+                </a:cxn>
+                <a:cxn ang="10800000">
+                  <a:pos x="wd2" y="hd2"/>
+                </a:cxn>
+                <a:cxn ang="16200000">
+                  <a:pos x="wd2" y="hd2"/>
+                </a:cxn>
+              </a:cxnLst>
+              <a:rect l="0" t="0" r="r" b="b"/>
+              <a:pathLst>
+                <a:path w="21600" h="21600" extrusionOk="0">
+                  <a:moveTo>
+                    <a:pt x="20794" y="1276"/>
+                  </a:moveTo>
+                  <a:lnTo>
+                    <a:pt x="26" y="15065"/>
+                  </a:lnTo>
+                  <a:lnTo>
+                    <a:pt x="0" y="15047"/>
+                  </a:lnTo>
+                  <a:lnTo>
+                    <a:pt x="0" y="21583"/>
+                  </a:lnTo>
+                  <a:lnTo>
+                    <a:pt x="26" y="21600"/>
+                  </a:lnTo>
+                  <a:lnTo>
+                    <a:pt x="20794" y="7811"/>
+                  </a:lnTo>
+                  <a:cubicBezTo>
+                    <a:pt x="21312" y="7467"/>
+                    <a:pt x="21580" y="7018"/>
+                    <a:pt x="21599" y="6566"/>
+                  </a:cubicBezTo>
+                  <a:lnTo>
+                    <a:pt x="21600" y="0"/>
+                  </a:lnTo>
+                  <a:cubicBezTo>
+                    <a:pt x="21592" y="463"/>
+                    <a:pt x="21323" y="924"/>
+                    <a:pt x="20794" y="1276"/>
+                  </a:cubicBezTo>
+                  <a:close/>
+                </a:path>
+              </a:pathLst>
+            </a:custGeom>
+            <a:solidFill>
+              <a:srgbClr val="96C83C">
+                <a:lumMod val="75000"/>
+              </a:srgbClr>
+            </a:solidFill>
+            <a:ln w="12700">
+              <a:miter lim="400000"/>
+            </a:ln>
+          </p:spPr>
+          <p:txBody>
+            <a:bodyPr lIns="0" tIns="0" rIns="0" bIns="0" anchor="ctr"/>
+            <a:lstStyle/>
+            <a:p>
+              <a:pPr marL="0" marR="0" lvl="0" indent="0" defTabSz="914400" eaLnBrk="1" fontAlgn="auto" latinLnBrk="0" hangingPunct="1">
+                <a:lnSpc>
+                  <a:spcPct val="100000"/>
+                </a:lnSpc>
+                <a:spcBef>
+                  <a:spcPts val="0"/>
+                </a:spcBef>
+                <a:spcAft>
+                  <a:spcPts val="0"/>
+                </a:spcAft>
+                <a:buClrTx/>
+                <a:buSzTx/>
+                <a:buFontTx/>
+                <a:buNone/>
+                <a:tabLst/>
+                <a:defRPr sz="3000">
+                  <a:solidFill>
+                    <a:srgbClr val="FFFFFF"/>
+                  </a:solidFill>
+                  <a:effectLst>
+                    <a:outerShdw blurRad="38100" dist="12700" dir="5400000" rotWithShape="0">
+                      <a:srgbClr val="000000">
+                        <a:alpha val="50000"/>
+                      </a:srgbClr>
+                    </a:outerShdw>
+                  </a:effectLst>
+                </a:defRPr>
+              </a:pPr>
+              <a:endParaRPr kumimoji="0" sz="3000" b="0" i="0" u="none" strike="noStrike" kern="0" cap="none" spc="0" normalizeH="0" baseline="0" noProof="0">
+                <a:ln>
+                  <a:noFill/>
+                </a:ln>
+                <a:solidFill>
+                  <a:srgbClr val="FFFFFF"/>
+                </a:solidFill>
+                <a:effectLst>
+                  <a:outerShdw blurRad="38100" dist="12700" dir="5400000" rotWithShape="0">
+                    <a:srgbClr val="000000">
+                      <a:alpha val="50000"/>
+                    </a:srgbClr>
+                  </a:outerShdw>
+                </a:effectLst>
+                <a:uLnTx/>
+                <a:uFillTx/>
+              </a:endParaRPr>
+            </a:p>
+          </p:txBody>
+        </p:sp>
+      </p:grpSp>
+      <p:sp>
+        <p:nvSpPr>
+          <p:cNvPr id="122" name="TextBox 121"/>
+          <p:cNvSpPr txBox="1"/>
+          <p:nvPr/>
+        </p:nvSpPr>
+        <p:spPr>
+          <a:xfrm>
+            <a:off x="5652120" y="4571836"/>
+            <a:ext cx="923458" cy="369332"/>
+          </a:xfrm>
+          <a:prstGeom prst="rect">
+            <a:avLst/>
+          </a:prstGeom>
+          <a:noFill/>
+        </p:spPr>
+        <p:txBody>
+          <a:bodyPr wrap="none" rtlCol="0">
+            <a:spAutoFit/>
+          </a:bodyPr>
+          <a:lstStyle/>
+          <a:p>
+            <a:r>
+              <a:rPr lang="en-US" altLang="zh-CN" b="1" dirty="0" smtClean="0">
+                <a:solidFill>
+                  <a:srgbClr val="00B0F0"/>
+                </a:solidFill>
+              </a:rPr>
+              <a:t>Ten</a:t>
+            </a:r>
+            <a:r>
+              <a:rPr lang="en-US" altLang="zh-CN" b="1" dirty="0" smtClean="0">
+                <a:solidFill>
+                  <a:schemeClr val="bg1"/>
+                </a:solidFill>
+              </a:rPr>
+              <a:t>cent</a:t>
+            </a:r>
+            <a:endParaRPr lang="zh-CN" altLang="en-US" b="1" dirty="0">
+              <a:solidFill>
+                <a:schemeClr val="bg1"/>
+              </a:solidFill>
+            </a:endParaRPr>
+          </a:p>
+        </p:txBody>
+      </p:sp>
     </p:spTree>
     <p:extLst>
       <p:ext uri="{BB962C8B-B14F-4D97-AF65-F5344CB8AC3E}">

--- a/dom 宣传页.pptx
+++ b/dom 宣传页.pptx
@@ -289,7 +289,7 @@
           <a:p>
             <a:fld id="{530820CF-B880-4189-942D-D702A7CBA730}" type="datetimeFigureOut">
               <a:rPr lang="zh-CN" altLang="en-US" smtClean="0"/>
-              <a:t>2017/9/9</a:t>
+              <a:t>2017/9/10</a:t>
             </a:fld>
             <a:endParaRPr lang="zh-CN" altLang="en-US"/>
           </a:p>
@@ -454,7 +454,7 @@
           <a:p>
             <a:fld id="{530820CF-B880-4189-942D-D702A7CBA730}" type="datetimeFigureOut">
               <a:rPr lang="zh-CN" altLang="en-US" smtClean="0"/>
-              <a:t>2017/9/9</a:t>
+              <a:t>2017/9/10</a:t>
             </a:fld>
             <a:endParaRPr lang="zh-CN" altLang="en-US"/>
           </a:p>
@@ -629,7 +629,7 @@
           <a:p>
             <a:fld id="{530820CF-B880-4189-942D-D702A7CBA730}" type="datetimeFigureOut">
               <a:rPr lang="zh-CN" altLang="en-US" smtClean="0"/>
-              <a:t>2017/9/9</a:t>
+              <a:t>2017/9/10</a:t>
             </a:fld>
             <a:endParaRPr lang="zh-CN" altLang="en-US"/>
           </a:p>
@@ -794,7 +794,7 @@
           <a:p>
             <a:fld id="{530820CF-B880-4189-942D-D702A7CBA730}" type="datetimeFigureOut">
               <a:rPr lang="zh-CN" altLang="en-US" smtClean="0"/>
-              <a:t>2017/9/9</a:t>
+              <a:t>2017/9/10</a:t>
             </a:fld>
             <a:endParaRPr lang="zh-CN" altLang="en-US"/>
           </a:p>
@@ -1035,7 +1035,7 @@
           <a:p>
             <a:fld id="{530820CF-B880-4189-942D-D702A7CBA730}" type="datetimeFigureOut">
               <a:rPr lang="zh-CN" altLang="en-US" smtClean="0"/>
-              <a:t>2017/9/9</a:t>
+              <a:t>2017/9/10</a:t>
             </a:fld>
             <a:endParaRPr lang="zh-CN" altLang="en-US"/>
           </a:p>
@@ -1318,7 +1318,7 @@
           <a:p>
             <a:fld id="{530820CF-B880-4189-942D-D702A7CBA730}" type="datetimeFigureOut">
               <a:rPr lang="zh-CN" altLang="en-US" smtClean="0"/>
-              <a:t>2017/9/9</a:t>
+              <a:t>2017/9/10</a:t>
             </a:fld>
             <a:endParaRPr lang="zh-CN" altLang="en-US"/>
           </a:p>
@@ -1735,7 +1735,7 @@
           <a:p>
             <a:fld id="{530820CF-B880-4189-942D-D702A7CBA730}" type="datetimeFigureOut">
               <a:rPr lang="zh-CN" altLang="en-US" smtClean="0"/>
-              <a:t>2017/9/9</a:t>
+              <a:t>2017/9/10</a:t>
             </a:fld>
             <a:endParaRPr lang="zh-CN" altLang="en-US"/>
           </a:p>
@@ -1848,7 +1848,7 @@
           <a:p>
             <a:fld id="{530820CF-B880-4189-942D-D702A7CBA730}" type="datetimeFigureOut">
               <a:rPr lang="zh-CN" altLang="en-US" smtClean="0"/>
-              <a:t>2017/9/9</a:t>
+              <a:t>2017/9/10</a:t>
             </a:fld>
             <a:endParaRPr lang="zh-CN" altLang="en-US"/>
           </a:p>
@@ -1938,7 +1938,7 @@
           <a:p>
             <a:fld id="{530820CF-B880-4189-942D-D702A7CBA730}" type="datetimeFigureOut">
               <a:rPr lang="zh-CN" altLang="en-US" smtClean="0"/>
-              <a:t>2017/9/9</a:t>
+              <a:t>2017/9/10</a:t>
             </a:fld>
             <a:endParaRPr lang="zh-CN" altLang="en-US"/>
           </a:p>
@@ -2210,7 +2210,7 @@
           <a:p>
             <a:fld id="{530820CF-B880-4189-942D-D702A7CBA730}" type="datetimeFigureOut">
               <a:rPr lang="zh-CN" altLang="en-US" smtClean="0"/>
-              <a:t>2017/9/9</a:t>
+              <a:t>2017/9/10</a:t>
             </a:fld>
             <a:endParaRPr lang="zh-CN" altLang="en-US"/>
           </a:p>
@@ -2458,7 +2458,7 @@
           <a:p>
             <a:fld id="{530820CF-B880-4189-942D-D702A7CBA730}" type="datetimeFigureOut">
               <a:rPr lang="zh-CN" altLang="en-US" smtClean="0"/>
-              <a:t>2017/9/9</a:t>
+              <a:t>2017/9/10</a:t>
             </a:fld>
             <a:endParaRPr lang="zh-CN" altLang="en-US"/>
           </a:p>
@@ -2710,7 +2710,7 @@
           <a:p>
             <a:fld id="{530820CF-B880-4189-942D-D702A7CBA730}" type="datetimeFigureOut">
               <a:rPr lang="zh-CN" altLang="en-US" smtClean="0"/>
-              <a:t>2017/9/9</a:t>
+              <a:t>2017/9/10</a:t>
             </a:fld>
             <a:endParaRPr lang="zh-CN" altLang="en-US"/>
           </a:p>
@@ -3898,37 +3898,7 @@
                 <a:latin typeface="微软雅黑" pitchFamily="34" charset="-122"/>
                 <a:ea typeface="微软雅黑" pitchFamily="34" charset="-122"/>
               </a:rPr>
-              <a:t>Do you want to create </a:t>
-            </a:r>
-            <a:r>
-              <a:rPr lang="en-US" altLang="zh-CN" sz="1200" dirty="0" smtClean="0">
-                <a:solidFill>
-                  <a:schemeClr val="bg1"/>
-                </a:solidFill>
-                <a:latin typeface="微软雅黑" pitchFamily="34" charset="-122"/>
-                <a:ea typeface="微软雅黑" pitchFamily="34" charset="-122"/>
-              </a:rPr>
-              <a:t>your </a:t>
-            </a:r>
-            <a:r>
-              <a:rPr lang="en-US" altLang="zh-CN" sz="1200" dirty="0" smtClean="0">
-                <a:solidFill>
-                  <a:schemeClr val="bg1"/>
-                </a:solidFill>
-                <a:latin typeface="微软雅黑" pitchFamily="34" charset="-122"/>
-                <a:ea typeface="微软雅黑" pitchFamily="34" charset="-122"/>
-              </a:rPr>
-              <a:t>own </a:t>
-            </a:r>
-            <a:r>
-              <a:rPr lang="en-US" altLang="zh-CN" sz="1200" dirty="0" smtClean="0">
-                <a:solidFill>
-                  <a:schemeClr val="bg1"/>
-                </a:solidFill>
-                <a:latin typeface="微软雅黑" pitchFamily="34" charset="-122"/>
-                <a:ea typeface="微软雅黑" pitchFamily="34" charset="-122"/>
-              </a:rPr>
-              <a:t>“</a:t>
+              <a:t>Do you want to create your own “</a:t>
             </a:r>
             <a:r>
               <a:rPr lang="zh-CN" altLang="en-US" sz="1200" dirty="0">
@@ -3948,17 +3918,7 @@
                 <a:latin typeface="微软雅黑" pitchFamily="34" charset="-122"/>
                 <a:ea typeface="微软雅黑" pitchFamily="34" charset="-122"/>
               </a:rPr>
-              <a:t>”. </a:t>
-            </a:r>
-            <a:r>
-              <a:rPr lang="en-US" altLang="zh-CN" sz="1200" dirty="0" smtClean="0">
-                <a:solidFill>
-                  <a:schemeClr val="bg1"/>
-                </a:solidFill>
-                <a:latin typeface="微软雅黑" pitchFamily="34" charset="-122"/>
-                <a:ea typeface="微软雅黑" pitchFamily="34" charset="-122"/>
-              </a:rPr>
-              <a:t>I believe </a:t>
+              <a:t>”. I believe </a:t>
             </a:r>
             <a:r>
               <a:rPr lang="en-US" altLang="zh-CN" sz="1200" b="1" dirty="0" smtClean="0">
@@ -5774,8 +5734,8 @@
         </p:nvSpPr>
         <p:spPr>
           <a:xfrm>
-            <a:off x="5815644" y="5579948"/>
-            <a:ext cx="988604" cy="369332"/>
+            <a:off x="5940152" y="5579948"/>
+            <a:ext cx="570605" cy="369332"/>
           </a:xfrm>
           <a:prstGeom prst="rect">
             <a:avLst/>
@@ -5791,14 +5751,14 @@
             <a:r>
               <a:rPr lang="en-US" altLang="zh-CN" b="1" dirty="0" smtClean="0">
                 <a:solidFill>
-                  <a:srgbClr val="7030A0"/>
+                  <a:schemeClr val="bg1"/>
                 </a:solidFill>
               </a:rPr>
-              <a:t>Zeus Ent</a:t>
+              <a:t>Elex</a:t>
             </a:r>
             <a:endParaRPr lang="zh-CN" altLang="en-US" b="1" dirty="0">
               <a:solidFill>
-                <a:srgbClr val="7030A0"/>
+                <a:schemeClr val="bg1"/>
               </a:solidFill>
             </a:endParaRPr>
           </a:p>
@@ -7970,8 +7930,8 @@
         </p:nvSpPr>
         <p:spPr>
           <a:xfrm>
-            <a:off x="4788024" y="67019"/>
-            <a:ext cx="1008112" cy="762102"/>
+            <a:off x="4788024" y="44624"/>
+            <a:ext cx="864096" cy="769693"/>
           </a:xfrm>
           <a:prstGeom prst="ellipse">
             <a:avLst/>
@@ -8317,8 +8277,8 @@
         </p:nvCxnSpPr>
         <p:spPr>
           <a:xfrm flipV="1">
-            <a:off x="4314456" y="448070"/>
-            <a:ext cx="473568" cy="97108"/>
+            <a:off x="4314456" y="429471"/>
+            <a:ext cx="473568" cy="93312"/>
           </a:xfrm>
           <a:prstGeom prst="line">
             <a:avLst/>

--- a/dom 宣传页.pptx
+++ b/dom 宣传页.pptx
@@ -289,7 +289,7 @@
           <a:p>
             <a:fld id="{530820CF-B880-4189-942D-D702A7CBA730}" type="datetimeFigureOut">
               <a:rPr lang="zh-CN" altLang="en-US" smtClean="0"/>
-              <a:t>2017/9/10</a:t>
+              <a:t>2017/9/11</a:t>
             </a:fld>
             <a:endParaRPr lang="zh-CN" altLang="en-US"/>
           </a:p>
@@ -454,7 +454,7 @@
           <a:p>
             <a:fld id="{530820CF-B880-4189-942D-D702A7CBA730}" type="datetimeFigureOut">
               <a:rPr lang="zh-CN" altLang="en-US" smtClean="0"/>
-              <a:t>2017/9/10</a:t>
+              <a:t>2017/9/11</a:t>
             </a:fld>
             <a:endParaRPr lang="zh-CN" altLang="en-US"/>
           </a:p>
@@ -629,7 +629,7 @@
           <a:p>
             <a:fld id="{530820CF-B880-4189-942D-D702A7CBA730}" type="datetimeFigureOut">
               <a:rPr lang="zh-CN" altLang="en-US" smtClean="0"/>
-              <a:t>2017/9/10</a:t>
+              <a:t>2017/9/11</a:t>
             </a:fld>
             <a:endParaRPr lang="zh-CN" altLang="en-US"/>
           </a:p>
@@ -794,7 +794,7 @@
           <a:p>
             <a:fld id="{530820CF-B880-4189-942D-D702A7CBA730}" type="datetimeFigureOut">
               <a:rPr lang="zh-CN" altLang="en-US" smtClean="0"/>
-              <a:t>2017/9/10</a:t>
+              <a:t>2017/9/11</a:t>
             </a:fld>
             <a:endParaRPr lang="zh-CN" altLang="en-US"/>
           </a:p>
@@ -1035,7 +1035,7 @@
           <a:p>
             <a:fld id="{530820CF-B880-4189-942D-D702A7CBA730}" type="datetimeFigureOut">
               <a:rPr lang="zh-CN" altLang="en-US" smtClean="0"/>
-              <a:t>2017/9/10</a:t>
+              <a:t>2017/9/11</a:t>
             </a:fld>
             <a:endParaRPr lang="zh-CN" altLang="en-US"/>
           </a:p>
@@ -1318,7 +1318,7 @@
           <a:p>
             <a:fld id="{530820CF-B880-4189-942D-D702A7CBA730}" type="datetimeFigureOut">
               <a:rPr lang="zh-CN" altLang="en-US" smtClean="0"/>
-              <a:t>2017/9/10</a:t>
+              <a:t>2017/9/11</a:t>
             </a:fld>
             <a:endParaRPr lang="zh-CN" altLang="en-US"/>
           </a:p>
@@ -1735,7 +1735,7 @@
           <a:p>
             <a:fld id="{530820CF-B880-4189-942D-D702A7CBA730}" type="datetimeFigureOut">
               <a:rPr lang="zh-CN" altLang="en-US" smtClean="0"/>
-              <a:t>2017/9/10</a:t>
+              <a:t>2017/9/11</a:t>
             </a:fld>
             <a:endParaRPr lang="zh-CN" altLang="en-US"/>
           </a:p>
@@ -1848,7 +1848,7 @@
           <a:p>
             <a:fld id="{530820CF-B880-4189-942D-D702A7CBA730}" type="datetimeFigureOut">
               <a:rPr lang="zh-CN" altLang="en-US" smtClean="0"/>
-              <a:t>2017/9/10</a:t>
+              <a:t>2017/9/11</a:t>
             </a:fld>
             <a:endParaRPr lang="zh-CN" altLang="en-US"/>
           </a:p>
@@ -1938,7 +1938,7 @@
           <a:p>
             <a:fld id="{530820CF-B880-4189-942D-D702A7CBA730}" type="datetimeFigureOut">
               <a:rPr lang="zh-CN" altLang="en-US" smtClean="0"/>
-              <a:t>2017/9/10</a:t>
+              <a:t>2017/9/11</a:t>
             </a:fld>
             <a:endParaRPr lang="zh-CN" altLang="en-US"/>
           </a:p>
@@ -2210,7 +2210,7 @@
           <a:p>
             <a:fld id="{530820CF-B880-4189-942D-D702A7CBA730}" type="datetimeFigureOut">
               <a:rPr lang="zh-CN" altLang="en-US" smtClean="0"/>
-              <a:t>2017/9/10</a:t>
+              <a:t>2017/9/11</a:t>
             </a:fld>
             <a:endParaRPr lang="zh-CN" altLang="en-US"/>
           </a:p>
@@ -2458,7 +2458,7 @@
           <a:p>
             <a:fld id="{530820CF-B880-4189-942D-D702A7CBA730}" type="datetimeFigureOut">
               <a:rPr lang="zh-CN" altLang="en-US" smtClean="0"/>
-              <a:t>2017/9/10</a:t>
+              <a:t>2017/9/11</a:t>
             </a:fld>
             <a:endParaRPr lang="zh-CN" altLang="en-US"/>
           </a:p>
@@ -2710,7 +2710,7 @@
           <a:p>
             <a:fld id="{530820CF-B880-4189-942D-D702A7CBA730}" type="datetimeFigureOut">
               <a:rPr lang="zh-CN" altLang="en-US" smtClean="0"/>
-              <a:t>2017/9/10</a:t>
+              <a:t>2017/9/11</a:t>
             </a:fld>
             <a:endParaRPr lang="zh-CN" altLang="en-US"/>
           </a:p>
@@ -3137,7 +3137,7 @@
         </p:nvSpPr>
         <p:spPr>
           <a:xfrm>
-            <a:off x="2123728" y="1988840"/>
+            <a:off x="2411760" y="1988840"/>
             <a:ext cx="1584176" cy="1440160"/>
           </a:xfrm>
           <a:prstGeom prst="ellipse">
@@ -3209,7 +3209,7 @@
         </p:nvSpPr>
         <p:spPr>
           <a:xfrm>
-            <a:off x="107504" y="3107151"/>
+            <a:off x="395536" y="3107151"/>
             <a:ext cx="2292086" cy="1756995"/>
           </a:xfrm>
           <a:prstGeom prst="ellipse">
@@ -3270,22 +3270,29 @@
           <a:p>
             <a:pPr algn="ctr"/>
             <a:r>
-              <a:rPr lang="en-US" altLang="zh-CN" sz="3200" dirty="0" smtClean="0">
+              <a:rPr lang="zh-CN" altLang="en-US" sz="2400" b="1" dirty="0" smtClean="0">
                 <a:solidFill>
                   <a:srgbClr val="92D050"/>
                 </a:solidFill>
+                <a:latin typeface="微软雅黑" pitchFamily="34" charset="-122"/>
+                <a:ea typeface="微软雅黑" pitchFamily="34" charset="-122"/>
               </a:rPr>
-              <a:t>I want </a:t>
-            </a:r>
-            <a:r>
-              <a:rPr lang="en-US" altLang="zh-CN" sz="2800" dirty="0" smtClean="0">
+              <a:t>我要</a:t>
+            </a:r>
+            <a:r>
+              <a:rPr lang="zh-CN" altLang="en-US" sz="2400" b="1" dirty="0" smtClean="0">
                 <a:solidFill>
                   <a:srgbClr val="FF0000"/>
                 </a:solidFill>
+                <a:latin typeface="微软雅黑" pitchFamily="34" charset="-122"/>
+                <a:ea typeface="微软雅黑" pitchFamily="34" charset="-122"/>
               </a:rPr>
-              <a:t>In</a:t>
-            </a:r>
-            <a:endParaRPr lang="zh-CN" altLang="en-US" dirty="0"/>
+              <a:t>参加</a:t>
+            </a:r>
+            <a:endParaRPr lang="zh-CN" altLang="en-US" sz="2400" b="1" dirty="0">
+              <a:latin typeface="微软雅黑" pitchFamily="34" charset="-122"/>
+              <a:ea typeface="微软雅黑" pitchFamily="34" charset="-122"/>
+            </a:endParaRPr>
           </a:p>
         </p:txBody>
       </p:sp>
@@ -3297,7 +3304,7 @@
         </p:nvSpPr>
         <p:spPr>
           <a:xfrm>
-            <a:off x="1607502" y="5084729"/>
+            <a:off x="1895534" y="5084729"/>
             <a:ext cx="1584176" cy="1440160"/>
           </a:xfrm>
           <a:prstGeom prst="ellipse">
@@ -3372,7 +3379,7 @@
         </p:nvSpPr>
         <p:spPr>
           <a:xfrm>
-            <a:off x="2263777" y="260648"/>
+            <a:off x="2263777" y="404664"/>
             <a:ext cx="4835106" cy="369332"/>
           </a:xfrm>
           <a:prstGeom prst="rect">
@@ -3454,8 +3461,8 @@
         </p:nvSpPr>
         <p:spPr>
           <a:xfrm>
-            <a:off x="4572000" y="1700808"/>
-            <a:ext cx="4392488" cy="4536504"/>
+            <a:off x="4572000" y="1988840"/>
+            <a:ext cx="3963742" cy="4248472"/>
           </a:xfrm>
           <a:prstGeom prst="pie">
             <a:avLst>
@@ -3523,8 +3530,8 @@
         </p:nvSpPr>
         <p:spPr>
           <a:xfrm>
-            <a:off x="4572000" y="1700808"/>
-            <a:ext cx="4392488" cy="4536504"/>
+            <a:off x="4572000" y="1988840"/>
+            <a:ext cx="3963742" cy="4248472"/>
           </a:xfrm>
           <a:prstGeom prst="pie">
             <a:avLst>
@@ -3589,8 +3596,8 @@
         </p:nvSpPr>
         <p:spPr>
           <a:xfrm>
-            <a:off x="4572000" y="1700808"/>
-            <a:ext cx="4392488" cy="4536504"/>
+            <a:off x="4572000" y="1988840"/>
+            <a:ext cx="3963742" cy="4248472"/>
           </a:xfrm>
           <a:prstGeom prst="pie">
             <a:avLst>
@@ -3647,8 +3654,8 @@
         </p:nvSpPr>
         <p:spPr>
           <a:xfrm>
-            <a:off x="4572000" y="1700808"/>
-            <a:ext cx="4392488" cy="4536504"/>
+            <a:off x="4572000" y="1988840"/>
+            <a:ext cx="3963742" cy="4248472"/>
           </a:xfrm>
           <a:prstGeom prst="pie">
             <a:avLst>
@@ -3719,8 +3726,8 @@
         </p:nvSpPr>
         <p:spPr>
           <a:xfrm>
-            <a:off x="6336196" y="3584848"/>
-            <a:ext cx="864096" cy="768424"/>
+            <a:off x="6106947" y="3694760"/>
+            <a:ext cx="779753" cy="719635"/>
           </a:xfrm>
           <a:prstGeom prst="ellipse">
             <a:avLst/>
@@ -3800,8 +3807,8 @@
         </p:blipFill>
         <p:spPr>
           <a:xfrm>
-            <a:off x="6031113" y="3549690"/>
-            <a:ext cx="1440159" cy="871915"/>
+            <a:off x="5780701" y="3664903"/>
+            <a:ext cx="1348720" cy="816555"/>
           </a:xfrm>
           <a:prstGeom prst="rect">
             <a:avLst/>
@@ -3958,8 +3965,8 @@
         </p:nvSpPr>
         <p:spPr>
           <a:xfrm>
-            <a:off x="2161536" y="2334652"/>
-            <a:ext cx="1561581" cy="892552"/>
+            <a:off x="2449568" y="2334652"/>
+            <a:ext cx="1370888" cy="707886"/>
           </a:xfrm>
           <a:prstGeom prst="rect">
             <a:avLst/>
@@ -3973,36 +3980,108 @@
           <a:lstStyle/>
           <a:p>
             <a:r>
-              <a:rPr lang="en-US" altLang="zh-CN" sz="2400" dirty="0" smtClean="0">
+              <a:rPr lang="zh-CN" altLang="en-US" sz="2400" dirty="0" smtClean="0">
                 <a:solidFill>
                   <a:srgbClr val="FF0000"/>
                 </a:solidFill>
                 <a:latin typeface="微软雅黑" pitchFamily="34" charset="-122"/>
                 <a:ea typeface="微软雅黑" pitchFamily="34" charset="-122"/>
               </a:rPr>
-              <a:t>Pay</a:t>
-            </a:r>
-            <a:r>
-              <a:rPr lang="en-US" altLang="zh-CN" sz="1400" dirty="0" smtClean="0">
+              <a:t>报销</a:t>
+            </a:r>
+            <a:endParaRPr lang="en-US" altLang="zh-CN" sz="2400" dirty="0" smtClean="0">
+              <a:solidFill>
+                <a:srgbClr val="FF0000"/>
+              </a:solidFill>
+              <a:latin typeface="微软雅黑" pitchFamily="34" charset="-122"/>
+              <a:ea typeface="微软雅黑" pitchFamily="34" charset="-122"/>
+            </a:endParaRPr>
+          </a:p>
+          <a:p>
+            <a:r>
+              <a:rPr lang="en-US" altLang="zh-CN" sz="1600" dirty="0">
+                <a:solidFill>
+                  <a:srgbClr val="FF0000"/>
+                </a:solidFill>
+                <a:latin typeface="微软雅黑" pitchFamily="34" charset="-122"/>
+                <a:ea typeface="微软雅黑" pitchFamily="34" charset="-122"/>
+              </a:rPr>
+              <a:t> </a:t>
+            </a:r>
+            <a:r>
+              <a:rPr lang="en-US" altLang="zh-CN" sz="1600" dirty="0" smtClean="0">
+                <a:solidFill>
+                  <a:srgbClr val="FF0000"/>
+                </a:solidFill>
+                <a:latin typeface="微软雅黑" pitchFamily="34" charset="-122"/>
+                <a:ea typeface="微软雅黑" pitchFamily="34" charset="-122"/>
+              </a:rPr>
+              <a:t>     </a:t>
+            </a:r>
+            <a:r>
+              <a:rPr lang="zh-CN" altLang="en-US" sz="1600" dirty="0" smtClean="0">
                 <a:solidFill>
                   <a:schemeClr val="bg1"/>
                 </a:solidFill>
                 <a:latin typeface="微软雅黑" pitchFamily="34" charset="-122"/>
                 <a:ea typeface="微软雅黑" pitchFamily="34" charset="-122"/>
               </a:rPr>
-              <a:t> your </a:t>
-            </a:r>
-            <a:r>
-              <a:rPr lang="en-US" altLang="zh-CN" sz="1400" dirty="0">
+              <a:t>来回路费</a:t>
+            </a:r>
+            <a:endParaRPr lang="zh-CN" altLang="en-US" sz="1600" dirty="0">
+              <a:solidFill>
+                <a:schemeClr val="bg1"/>
+              </a:solidFill>
+              <a:latin typeface="微软雅黑" pitchFamily="34" charset="-122"/>
+              <a:ea typeface="微软雅黑" pitchFamily="34" charset="-122"/>
+            </a:endParaRPr>
+          </a:p>
+        </p:txBody>
+      </p:sp>
+      <p:sp>
+        <p:nvSpPr>
+          <p:cNvPr id="36" name="TextBox 35"/>
+          <p:cNvSpPr txBox="1"/>
+          <p:nvPr/>
+        </p:nvSpPr>
+        <p:spPr>
+          <a:xfrm>
+            <a:off x="1873420" y="5784591"/>
+            <a:ext cx="1620958" cy="523220"/>
+          </a:xfrm>
+          <a:prstGeom prst="rect">
+            <a:avLst/>
+          </a:prstGeom>
+          <a:noFill/>
+        </p:spPr>
+        <p:txBody>
+          <a:bodyPr wrap="none" rtlCol="0">
+            <a:spAutoFit/>
+          </a:bodyPr>
+          <a:lstStyle/>
+          <a:p>
+            <a:pPr algn="ctr"/>
+            <a:r>
+              <a:rPr lang="zh-CN" altLang="en-US" sz="1400" b="1" dirty="0">
                 <a:solidFill>
                   <a:schemeClr val="bg1"/>
                 </a:solidFill>
                 <a:latin typeface="微软雅黑" pitchFamily="34" charset="-122"/>
                 <a:ea typeface="微软雅黑" pitchFamily="34" charset="-122"/>
               </a:rPr>
-              <a:t>Taxi </a:t>
-            </a:r>
-            <a:endParaRPr lang="en-US" altLang="zh-CN" sz="1400" dirty="0" smtClean="0">
+              <a:t>制作一</a:t>
+            </a:r>
+            <a:r>
+              <a:rPr lang="zh-CN" altLang="en-US" sz="1400" b="1" dirty="0" smtClean="0">
+                <a:solidFill>
+                  <a:schemeClr val="bg1"/>
+                </a:solidFill>
+                <a:latin typeface="微软雅黑" pitchFamily="34" charset="-122"/>
+                <a:ea typeface="微软雅黑" pitchFamily="34" charset="-122"/>
+              </a:rPr>
+              <a:t>款手机游戏</a:t>
+            </a:r>
+            <a:endParaRPr lang="zh-CN" altLang="en-US" sz="1400" b="1" dirty="0">
               <a:solidFill>
                 <a:schemeClr val="bg1"/>
               </a:solidFill>
@@ -4012,141 +4091,46 @@
           </a:p>
           <a:p>
             <a:pPr algn="ctr"/>
-            <a:r>
-              <a:rPr lang="en-US" altLang="zh-CN" sz="1400" dirty="0" smtClean="0">
+            <a:endParaRPr lang="zh-CN" altLang="en-US" sz="1400" b="1" dirty="0">
+              <a:solidFill>
+                <a:schemeClr val="bg1"/>
+              </a:solidFill>
+            </a:endParaRPr>
+          </a:p>
+        </p:txBody>
+      </p:sp>
+      <p:sp>
+        <p:nvSpPr>
+          <p:cNvPr id="41" name="TextBox 40"/>
+          <p:cNvSpPr txBox="1"/>
+          <p:nvPr/>
+        </p:nvSpPr>
+        <p:spPr>
+          <a:xfrm>
+            <a:off x="6810621" y="2910278"/>
+            <a:ext cx="1488775" cy="707886"/>
+          </a:xfrm>
+          <a:prstGeom prst="rect">
+            <a:avLst/>
+          </a:prstGeom>
+          <a:noFill/>
+        </p:spPr>
+        <p:txBody>
+          <a:bodyPr wrap="square" rtlCol="0">
+            <a:spAutoFit/>
+          </a:bodyPr>
+          <a:lstStyle/>
+          <a:p>
+            <a:r>
+              <a:rPr lang="zh-CN" altLang="en-US" sz="2000" b="1" dirty="0" smtClean="0">
                 <a:solidFill>
                   <a:schemeClr val="bg1"/>
                 </a:solidFill>
                 <a:latin typeface="微软雅黑" pitchFamily="34" charset="-122"/>
                 <a:ea typeface="微软雅黑" pitchFamily="34" charset="-122"/>
               </a:rPr>
-              <a:t>Expense</a:t>
-            </a:r>
-            <a:endParaRPr lang="zh-CN" altLang="en-US" sz="1400" dirty="0">
-              <a:solidFill>
-                <a:schemeClr val="bg1"/>
-              </a:solidFill>
-              <a:latin typeface="微软雅黑" pitchFamily="34" charset="-122"/>
-              <a:ea typeface="微软雅黑" pitchFamily="34" charset="-122"/>
-            </a:endParaRPr>
-          </a:p>
-          <a:p>
-            <a:endParaRPr lang="zh-CN" altLang="en-US" sz="1400" dirty="0">
-              <a:solidFill>
-                <a:schemeClr val="bg1"/>
-              </a:solidFill>
-              <a:latin typeface="微软雅黑" pitchFamily="34" charset="-122"/>
-              <a:ea typeface="微软雅黑" pitchFamily="34" charset="-122"/>
-            </a:endParaRPr>
-          </a:p>
-        </p:txBody>
-      </p:sp>
-      <p:sp>
-        <p:nvSpPr>
-          <p:cNvPr id="36" name="TextBox 35"/>
-          <p:cNvSpPr txBox="1"/>
-          <p:nvPr/>
-        </p:nvSpPr>
-        <p:spPr>
-          <a:xfrm>
-            <a:off x="1553428" y="5733256"/>
-            <a:ext cx="1684885" cy="738664"/>
-          </a:xfrm>
-          <a:prstGeom prst="rect">
-            <a:avLst/>
-          </a:prstGeom>
-          <a:noFill/>
-        </p:spPr>
-        <p:txBody>
-          <a:bodyPr wrap="none" rtlCol="0">
-            <a:spAutoFit/>
-          </a:bodyPr>
-          <a:lstStyle/>
-          <a:p>
-            <a:pPr algn="ctr"/>
-            <a:r>
-              <a:rPr lang="en-US" altLang="zh-CN" sz="1400" dirty="0" smtClean="0">
-                <a:solidFill>
-                  <a:schemeClr val="bg1"/>
-                </a:solidFill>
-                <a:latin typeface="微软雅黑" pitchFamily="34" charset="-122"/>
-                <a:ea typeface="微软雅黑" pitchFamily="34" charset="-122"/>
-              </a:rPr>
-              <a:t>Create your </a:t>
-            </a:r>
-            <a:r>
-              <a:rPr lang="en-US" altLang="zh-CN" sz="1400" dirty="0">
-                <a:solidFill>
-                  <a:schemeClr val="bg1"/>
-                </a:solidFill>
-                <a:latin typeface="微软雅黑" pitchFamily="34" charset="-122"/>
-                <a:ea typeface="微软雅黑" pitchFamily="34" charset="-122"/>
-              </a:rPr>
-              <a:t>Own </a:t>
-            </a:r>
-          </a:p>
-          <a:p>
-            <a:pPr algn="ctr"/>
-            <a:r>
-              <a:rPr lang="en-US" altLang="zh-CN" sz="1400" dirty="0" smtClean="0">
-                <a:solidFill>
-                  <a:schemeClr val="bg1"/>
-                </a:solidFill>
-                <a:latin typeface="微软雅黑" pitchFamily="34" charset="-122"/>
-                <a:ea typeface="微软雅黑" pitchFamily="34" charset="-122"/>
-              </a:rPr>
-              <a:t>mobile </a:t>
-            </a:r>
-            <a:r>
-              <a:rPr lang="en-US" altLang="zh-CN" sz="1400" dirty="0">
-                <a:solidFill>
-                  <a:schemeClr val="bg1"/>
-                </a:solidFill>
-                <a:latin typeface="微软雅黑" pitchFamily="34" charset="-122"/>
-                <a:ea typeface="微软雅黑" pitchFamily="34" charset="-122"/>
-              </a:rPr>
-              <a:t>game</a:t>
-            </a:r>
-            <a:endParaRPr lang="zh-CN" altLang="en-US" sz="1400" dirty="0">
-              <a:solidFill>
-                <a:schemeClr val="bg1"/>
-              </a:solidFill>
-              <a:latin typeface="微软雅黑" pitchFamily="34" charset="-122"/>
-              <a:ea typeface="微软雅黑" pitchFamily="34" charset="-122"/>
-            </a:endParaRPr>
-          </a:p>
-          <a:p>
-            <a:pPr algn="ctr"/>
-            <a:endParaRPr lang="zh-CN" altLang="en-US" sz="1400" dirty="0">
-              <a:solidFill>
-                <a:schemeClr val="bg1"/>
-              </a:solidFill>
-            </a:endParaRPr>
-          </a:p>
-        </p:txBody>
-      </p:sp>
-      <p:sp>
-        <p:nvSpPr>
-          <p:cNvPr id="41" name="TextBox 40"/>
-          <p:cNvSpPr txBox="1"/>
-          <p:nvPr/>
-        </p:nvSpPr>
-        <p:spPr>
-          <a:xfrm>
-            <a:off x="6751193" y="2907096"/>
-            <a:ext cx="2024208" cy="400110"/>
-          </a:xfrm>
-          <a:prstGeom prst="rect">
-            <a:avLst/>
-          </a:prstGeom>
-          <a:noFill/>
-        </p:spPr>
-        <p:txBody>
-          <a:bodyPr wrap="none" rtlCol="0">
-            <a:spAutoFit/>
-          </a:bodyPr>
-          <a:lstStyle/>
-          <a:p>
+              <a:t>亲身体验</a:t>
+            </a:r>
             <a:r>
               <a:rPr lang="en-US" altLang="zh-CN" sz="2000" b="1" dirty="0" smtClean="0">
                 <a:solidFill>
@@ -4155,7 +4139,17 @@
                 <a:latin typeface="微软雅黑" pitchFamily="34" charset="-122"/>
                 <a:ea typeface="微软雅黑" pitchFamily="34" charset="-122"/>
               </a:rPr>
-              <a:t>Experience VR</a:t>
+              <a:t> </a:t>
+            </a:r>
+            <a:r>
+              <a:rPr lang="en-US" altLang="zh-CN" sz="2000" b="1" dirty="0" smtClean="0">
+                <a:solidFill>
+                  <a:schemeClr val="bg1"/>
+                </a:solidFill>
+                <a:latin typeface="微软雅黑" pitchFamily="34" charset="-122"/>
+                <a:ea typeface="微软雅黑" pitchFamily="34" charset="-122"/>
+              </a:rPr>
+              <a:t>VR</a:t>
             </a:r>
             <a:endParaRPr lang="zh-CN" altLang="en-US" sz="2000" b="1" dirty="0">
               <a:solidFill>
@@ -4175,7 +4169,7 @@
         </p:nvSpPr>
         <p:spPr>
           <a:xfrm>
-            <a:off x="120687" y="1686976"/>
+            <a:off x="408719" y="1686976"/>
             <a:ext cx="2507097" cy="369332"/>
           </a:xfrm>
           <a:prstGeom prst="rect">
@@ -4227,7 +4221,7 @@
         </p:nvSpPr>
         <p:spPr>
           <a:xfrm rot="16200000" flipH="1">
-            <a:off x="929510" y="2348880"/>
+            <a:off x="1217542" y="2348880"/>
             <a:ext cx="648073" cy="504055"/>
           </a:xfrm>
           <a:prstGeom prst="rightArrow">
@@ -4290,8 +4284,8 @@
         </p:nvSpPr>
         <p:spPr>
           <a:xfrm>
-            <a:off x="4932040" y="2718693"/>
-            <a:ext cx="1652888" cy="923330"/>
+            <a:off x="4899509" y="2825022"/>
+            <a:ext cx="1528575" cy="646331"/>
           </a:xfrm>
           <a:prstGeom prst="rect">
             <a:avLst/>
@@ -4299,25 +4293,34 @@
           <a:noFill/>
         </p:spPr>
         <p:txBody>
-          <a:bodyPr wrap="none" rtlCol="0">
+          <a:bodyPr wrap="square" rtlCol="0">
             <a:spAutoFit/>
           </a:bodyPr>
           <a:lstStyle/>
           <a:p>
             <a:r>
-              <a:rPr lang="en-US" altLang="zh-CN" dirty="0" smtClean="0">
+              <a:rPr lang="zh-CN" altLang="en-US" dirty="0" smtClean="0">
                 <a:solidFill>
                   <a:srgbClr val="92D050"/>
                 </a:solidFill>
                 <a:latin typeface="微软雅黑" pitchFamily="34" charset="-122"/>
                 <a:ea typeface="微软雅黑" pitchFamily="34" charset="-122"/>
               </a:rPr>
-              <a:t>Understand</a:t>
-            </a:r>
-          </a:p>
-          <a:p>
-            <a:r>
-              <a:rPr lang="en-US" altLang="zh-CN" dirty="0" smtClean="0">
+              <a:t>了解</a:t>
+            </a:r>
+            <a:endParaRPr lang="en-US" altLang="zh-CN" dirty="0" smtClean="0">
+              <a:solidFill>
+                <a:schemeClr val="bg1">
+                  <a:lumMod val="95000"/>
+                </a:schemeClr>
+              </a:solidFill>
+              <a:latin typeface="微软雅黑" pitchFamily="34" charset="-122"/>
+              <a:ea typeface="微软雅黑" pitchFamily="34" charset="-122"/>
+            </a:endParaRPr>
+          </a:p>
+          <a:p>
+            <a:r>
+              <a:rPr lang="zh-CN" altLang="en-US" dirty="0" smtClean="0">
                 <a:solidFill>
                   <a:schemeClr val="bg1">
                     <a:lumMod val="95000"/>
@@ -4326,21 +4329,7 @@
                 <a:latin typeface="微软雅黑" pitchFamily="34" charset="-122"/>
                 <a:ea typeface="微软雅黑" pitchFamily="34" charset="-122"/>
               </a:rPr>
-              <a:t>company </a:t>
-            </a:r>
-          </a:p>
-          <a:p>
-            <a:r>
-              <a:rPr lang="en-US" altLang="zh-CN" dirty="0" smtClean="0">
-                <a:solidFill>
-                  <a:schemeClr val="bg1">
-                    <a:lumMod val="95000"/>
-                  </a:schemeClr>
-                </a:solidFill>
-                <a:latin typeface="微软雅黑" pitchFamily="34" charset="-122"/>
-                <a:ea typeface="微软雅黑" pitchFamily="34" charset="-122"/>
-              </a:rPr>
-              <a:t>requirements</a:t>
+              <a:t>     企业需求</a:t>
             </a:r>
             <a:endParaRPr lang="zh-CN" altLang="en-US" dirty="0">
               <a:solidFill>
@@ -4362,8 +4351,8 @@
         </p:nvSpPr>
         <p:spPr>
           <a:xfrm>
-            <a:off x="1664336" y="5295636"/>
-            <a:ext cx="1551771" cy="461665"/>
+            <a:off x="2079641" y="5322926"/>
+            <a:ext cx="1338828" cy="461665"/>
           </a:xfrm>
           <a:prstGeom prst="rect">
             <a:avLst/>
@@ -4380,33 +4369,31 @@
           <a:lstStyle/>
           <a:p>
             <a:r>
-              <a:rPr lang="en-US" altLang="zh-CN" sz="2400" b="1" dirty="0" smtClean="0">
+              <a:rPr lang="zh-CN" altLang="en-US" sz="1400" b="1" dirty="0" smtClean="0">
+                <a:solidFill>
+                  <a:schemeClr val="bg1"/>
+                </a:solidFill>
+                <a:latin typeface="微软雅黑" pitchFamily="34" charset="-122"/>
+                <a:ea typeface="微软雅黑" pitchFamily="34" charset="-122"/>
+              </a:rPr>
+              <a:t>仅需要</a:t>
+            </a:r>
+            <a:r>
+              <a:rPr lang="zh-CN" altLang="en-US" sz="2400" b="1" dirty="0" smtClean="0">
                 <a:solidFill>
                   <a:srgbClr val="FF0000"/>
                 </a:solidFill>
+                <a:latin typeface="微软雅黑" pitchFamily="34" charset="-122"/>
+                <a:ea typeface="微软雅黑" pitchFamily="34" charset="-122"/>
               </a:rPr>
-              <a:t>Just</a:t>
-            </a:r>
-            <a:r>
-              <a:rPr lang="en-US" altLang="zh-CN" sz="2400" b="1" dirty="0" smtClean="0">
-                <a:solidFill>
-                  <a:schemeClr val="bg1"/>
-                </a:solidFill>
-              </a:rPr>
-              <a:t> </a:t>
-            </a:r>
-            <a:r>
-              <a:rPr lang="en-US" altLang="zh-CN" sz="1400" b="1" dirty="0" smtClean="0">
-                <a:solidFill>
-                  <a:srgbClr val="FF0000"/>
-                </a:solidFill>
-              </a:rPr>
-              <a:t>Three days</a:t>
-            </a:r>
-            <a:endParaRPr lang="zh-CN" altLang="en-US" sz="1400" b="1" dirty="0">
+              <a:t>三天</a:t>
+            </a:r>
+            <a:endParaRPr lang="zh-CN" altLang="en-US" sz="2400" b="1" dirty="0">
               <a:solidFill>
                 <a:srgbClr val="FF0000"/>
               </a:solidFill>
+              <a:latin typeface="微软雅黑" pitchFamily="34" charset="-122"/>
+              <a:ea typeface="微软雅黑" pitchFamily="34" charset="-122"/>
             </a:endParaRPr>
           </a:p>
         </p:txBody>
@@ -4422,7 +4409,7 @@
         </p:nvCxnSpPr>
         <p:spPr>
           <a:xfrm flipV="1">
-            <a:off x="1253547" y="2708920"/>
+            <a:off x="1541579" y="2708920"/>
             <a:ext cx="870181" cy="398231"/>
           </a:xfrm>
           <a:prstGeom prst="line">
@@ -4461,7 +4448,7 @@
         </p:nvCxnSpPr>
         <p:spPr>
           <a:xfrm>
-            <a:off x="1253547" y="4864146"/>
+            <a:off x="1541579" y="4864146"/>
             <a:ext cx="585952" cy="431490"/>
           </a:xfrm>
           <a:prstGeom prst="line">
@@ -4497,8 +4484,8 @@
         </p:nvSpPr>
         <p:spPr>
           <a:xfrm>
-            <a:off x="7167590" y="4815155"/>
-            <a:ext cx="45719" cy="86602"/>
+            <a:off x="6948264" y="4788057"/>
+            <a:ext cx="45719" cy="81103"/>
           </a:xfrm>
           <a:prstGeom prst="ellipse">
             <a:avLst/>
@@ -4545,8 +4532,8 @@
         </p:nvSpPr>
         <p:spPr>
           <a:xfrm>
-            <a:off x="7291491" y="4725144"/>
-            <a:ext cx="1244251" cy="954107"/>
+            <a:off x="7164288" y="4658265"/>
+            <a:ext cx="1466028" cy="954107"/>
           </a:xfrm>
           <a:prstGeom prst="rect">
             <a:avLst/>
@@ -4557,7 +4544,7 @@
           </a:ln>
         </p:spPr>
         <p:txBody>
-          <a:bodyPr wrap="none" rtlCol="0">
+          <a:bodyPr wrap="square" rtlCol="0">
             <a:spAutoFit/>
           </a:bodyPr>
           <a:lstStyle/>
@@ -4602,8 +4589,8 @@
         </p:nvSpPr>
         <p:spPr>
           <a:xfrm>
-            <a:off x="7164288" y="5157192"/>
-            <a:ext cx="75310" cy="87044"/>
+            <a:off x="6948264" y="5075675"/>
+            <a:ext cx="67959" cy="81517"/>
           </a:xfrm>
           <a:prstGeom prst="ellipse">
             <a:avLst/>
@@ -4650,7 +4637,7 @@
         </p:nvSpPr>
         <p:spPr>
           <a:xfrm>
-            <a:off x="6293121" y="6581001"/>
+            <a:off x="6156176" y="6392361"/>
             <a:ext cx="2598788" cy="276999"/>
           </a:xfrm>
           <a:prstGeom prst="rect">
@@ -4744,8 +4731,8 @@
         </p:nvSpPr>
         <p:spPr>
           <a:xfrm>
-            <a:off x="7239598" y="5069920"/>
-            <a:ext cx="1258678" cy="461665"/>
+            <a:off x="7164288" y="4983559"/>
+            <a:ext cx="1488718" cy="461665"/>
           </a:xfrm>
           <a:prstGeom prst="rect">
             <a:avLst/>
@@ -4753,7 +4740,7 @@
           <a:noFill/>
         </p:spPr>
         <p:txBody>
-          <a:bodyPr wrap="none" rtlCol="0">
+          <a:bodyPr wrap="square" rtlCol="0">
             <a:spAutoFit/>
           </a:bodyPr>
           <a:lstStyle/>
@@ -4780,7 +4767,7 @@
         </p:nvSpPr>
         <p:spPr>
           <a:xfrm>
-            <a:off x="3723117" y="6093296"/>
+            <a:off x="3721624" y="5929536"/>
             <a:ext cx="1113125" cy="369332"/>
           </a:xfrm>
           <a:prstGeom prst="rect">
@@ -4818,7 +4805,7 @@
         </p:nvSpPr>
         <p:spPr>
           <a:xfrm>
-            <a:off x="3540757" y="6431694"/>
+            <a:off x="3540757" y="6237312"/>
             <a:ext cx="1622111" cy="307777"/>
           </a:xfrm>
           <a:prstGeom prst="rect">
@@ -4859,9 +4846,9 @@
           <p:nvPr/>
         </p:nvCxnSpPr>
         <p:spPr>
-          <a:xfrm flipH="1">
-            <a:off x="2399592" y="3976256"/>
-            <a:ext cx="3936604" cy="9393"/>
+          <a:xfrm flipH="1" flipV="1">
+            <a:off x="2749056" y="4091230"/>
+            <a:ext cx="3402760" cy="21846"/>
           </a:xfrm>
           <a:prstGeom prst="straightConnector1">
             <a:avLst/>
@@ -4919,8 +4906,8 @@
         </p:nvSpPr>
         <p:spPr>
           <a:xfrm>
-            <a:off x="4789588" y="4168606"/>
-            <a:ext cx="783035" cy="369332"/>
+            <a:off x="4716016" y="4091230"/>
+            <a:ext cx="1062047" cy="646331"/>
           </a:xfrm>
           <a:prstGeom prst="rect">
             <a:avLst/>
@@ -4928,26 +4915,30 @@
           <a:noFill/>
         </p:spPr>
         <p:txBody>
-          <a:bodyPr wrap="none" rtlCol="0">
+          <a:bodyPr wrap="square" rtlCol="0">
             <a:spAutoFit/>
           </a:bodyPr>
           <a:lstStyle/>
           <a:p>
             <a:r>
-              <a:rPr lang="en-US" altLang="zh-CN" b="1" dirty="0" smtClean="0">
+              <a:rPr lang="zh-CN" altLang="en-US" b="1" dirty="0">
                 <a:solidFill>
                   <a:schemeClr val="bg1">
                     <a:lumMod val="65000"/>
                   </a:schemeClr>
                 </a:solidFill>
+                <a:latin typeface="微软雅黑" pitchFamily="34" charset="-122"/>
+                <a:ea typeface="微软雅黑" pitchFamily="34" charset="-122"/>
               </a:rPr>
-              <a:t>Corps</a:t>
+              <a:t>合作企业</a:t>
             </a:r>
             <a:r>
               <a:rPr lang="en-US" altLang="zh-CN" dirty="0" smtClean="0">
                 <a:solidFill>
                   <a:schemeClr val="bg1"/>
                 </a:solidFill>
+                <a:latin typeface="微软雅黑" pitchFamily="34" charset="-122"/>
+                <a:ea typeface="微软雅黑" pitchFamily="34" charset="-122"/>
               </a:rPr>
               <a:t>:</a:t>
             </a:r>
@@ -4955,6 +4946,8 @@
               <a:solidFill>
                 <a:schemeClr val="bg1"/>
               </a:solidFill>
+              <a:latin typeface="微软雅黑" pitchFamily="34" charset="-122"/>
+              <a:ea typeface="微软雅黑" pitchFamily="34" charset="-122"/>
             </a:endParaRPr>
           </a:p>
         </p:txBody>
@@ -4967,8 +4960,8 @@
         </p:nvGrpSpPr>
         <p:grpSpPr>
           <a:xfrm>
-            <a:off x="5537230" y="5295636"/>
-            <a:ext cx="1411034" cy="779681"/>
+            <a:off x="5364088" y="5345140"/>
+            <a:ext cx="1273304" cy="730177"/>
             <a:chOff x="1053315" y="610123"/>
             <a:chExt cx="5827422" cy="3864005"/>
           </a:xfrm>
@@ -5734,8 +5727,8 @@
         </p:nvSpPr>
         <p:spPr>
           <a:xfrm>
-            <a:off x="5940152" y="5579948"/>
-            <a:ext cx="570605" cy="369332"/>
+            <a:off x="5762302" y="5589240"/>
+            <a:ext cx="681906" cy="369332"/>
           </a:xfrm>
           <a:prstGeom prst="rect">
             <a:avLst/>
@@ -5743,7 +5736,7 @@
           <a:noFill/>
         </p:spPr>
         <p:txBody>
-          <a:bodyPr wrap="none" rtlCol="0">
+          <a:bodyPr wrap="square" rtlCol="0">
             <a:spAutoFit/>
           </a:bodyPr>
           <a:lstStyle/>
@@ -5772,8 +5765,8 @@
         </p:nvGrpSpPr>
         <p:grpSpPr>
           <a:xfrm>
-            <a:off x="5533727" y="4941168"/>
-            <a:ext cx="1270521" cy="803959"/>
+            <a:off x="5292080" y="4992213"/>
+            <a:ext cx="1146507" cy="752914"/>
             <a:chOff x="1053315" y="610123"/>
             <a:chExt cx="5816938" cy="4417008"/>
           </a:xfrm>
@@ -6518,8 +6511,8 @@
         </p:nvSpPr>
         <p:spPr>
           <a:xfrm>
-            <a:off x="5724128" y="5079890"/>
-            <a:ext cx="1031437" cy="369332"/>
+            <a:off x="5508104" y="5085184"/>
+            <a:ext cx="930760" cy="369332"/>
           </a:xfrm>
           <a:prstGeom prst="rect">
             <a:avLst/>
@@ -6564,8 +6557,8 @@
         </p:nvGrpSpPr>
         <p:grpSpPr>
           <a:xfrm>
-            <a:off x="5508104" y="4437112"/>
-            <a:ext cx="1228487" cy="698207"/>
+            <a:off x="5220072" y="4481443"/>
+            <a:ext cx="1108576" cy="653876"/>
             <a:chOff x="1053315" y="610123"/>
             <a:chExt cx="5827422" cy="3864005"/>
           </a:xfrm>
@@ -7331,8 +7324,8 @@
         </p:nvSpPr>
         <p:spPr>
           <a:xfrm>
-            <a:off x="5652120" y="4571836"/>
-            <a:ext cx="923458" cy="369332"/>
+            <a:off x="5364088" y="4571836"/>
+            <a:ext cx="756218" cy="369332"/>
           </a:xfrm>
           <a:prstGeom prst="rect">
             <a:avLst/>
@@ -7340,31 +7333,37 @@
           <a:noFill/>
         </p:spPr>
         <p:txBody>
-          <a:bodyPr wrap="none" rtlCol="0">
+          <a:bodyPr wrap="square" rtlCol="0">
             <a:spAutoFit/>
           </a:bodyPr>
           <a:lstStyle/>
           <a:p>
             <a:r>
-              <a:rPr lang="en-US" altLang="zh-CN" b="1" dirty="0" smtClean="0">
+              <a:rPr lang="zh-CN" altLang="en-US" b="1" dirty="0" smtClean="0">
                 <a:solidFill>
                   <a:srgbClr val="00B0F0"/>
                 </a:solidFill>
+                <a:latin typeface="微软雅黑" pitchFamily="34" charset="-122"/>
+                <a:ea typeface="微软雅黑" pitchFamily="34" charset="-122"/>
               </a:rPr>
-              <a:t>Ten</a:t>
-            </a:r>
-            <a:r>
-              <a:rPr lang="en-US" altLang="zh-CN" b="1" dirty="0" smtClean="0">
+              <a:t>腾</a:t>
+            </a:r>
+            <a:r>
+              <a:rPr lang="zh-CN" altLang="en-US" b="1" dirty="0" smtClean="0">
                 <a:solidFill>
                   <a:schemeClr val="bg1"/>
                 </a:solidFill>
+                <a:latin typeface="微软雅黑" pitchFamily="34" charset="-122"/>
+                <a:ea typeface="微软雅黑" pitchFamily="34" charset="-122"/>
               </a:rPr>
-              <a:t>cent</a:t>
+              <a:t>讯</a:t>
             </a:r>
             <a:endParaRPr lang="zh-CN" altLang="en-US" b="1" dirty="0">
               <a:solidFill>
                 <a:schemeClr val="bg1"/>
               </a:solidFill>
+              <a:latin typeface="微软雅黑" pitchFamily="34" charset="-122"/>
+              <a:ea typeface="微软雅黑" pitchFamily="34" charset="-122"/>
             </a:endParaRPr>
           </a:p>
         </p:txBody>
